--- a/Soft Skill Assignment/INTRODUCTION.pptx
+++ b/Soft Skill Assignment/INTRODUCTION.pptx
@@ -2,16 +2,17 @@
 <file path=ppt/presentation.xml><?xml version="1.0" encoding="utf-8"?>
 <p:presentation xmlns:a="http://schemas.openxmlformats.org/drawingml/2006/main" xmlns:r="http://schemas.openxmlformats.org/officeDocument/2006/relationships" xmlns:p="http://schemas.openxmlformats.org/presentationml/2006/main" autoCompressPictures="0">
   <p:sldMasterIdLst>
-    <p:sldMasterId id="2147483776" r:id="rId1"/>
+    <p:sldMasterId id="2147483794" r:id="rId1"/>
   </p:sldMasterIdLst>
   <p:sldIdLst>
     <p:sldId id="256" r:id="rId2"/>
     <p:sldId id="261" r:id="rId3"/>
     <p:sldId id="258" r:id="rId4"/>
-    <p:sldId id="257" r:id="rId5"/>
-    <p:sldId id="259" r:id="rId6"/>
-    <p:sldId id="260" r:id="rId7"/>
-    <p:sldId id="262" r:id="rId8"/>
+    <p:sldId id="263" r:id="rId5"/>
+    <p:sldId id="257" r:id="rId6"/>
+    <p:sldId id="259" r:id="rId7"/>
+    <p:sldId id="260" r:id="rId8"/>
+    <p:sldId id="262" r:id="rId9"/>
   </p:sldIdLst>
   <p:sldSz cx="12192000" cy="6858000"/>
   <p:notesSz cx="6858000" cy="9144000"/>
@@ -119,7 +120,7 @@
 </file>
 
 <file path=ppt/slideLayouts/slideLayout1.xml><?xml version="1.0" encoding="utf-8"?>
-<p:sldLayout xmlns:a="http://schemas.openxmlformats.org/drawingml/2006/main" xmlns:r="http://schemas.openxmlformats.org/officeDocument/2006/relationships" xmlns:p="http://schemas.openxmlformats.org/presentationml/2006/main" showMasterSp="0" type="title" preserve="1">
+<p:sldLayout xmlns:a="http://schemas.openxmlformats.org/drawingml/2006/main" xmlns:r="http://schemas.openxmlformats.org/officeDocument/2006/relationships" xmlns:p="http://schemas.openxmlformats.org/presentationml/2006/main" type="title" preserve="1">
   <p:cSld name="Title Slide">
     <p:spTree>
       <p:nvGrpSpPr>
@@ -135,143 +136,6 @@
           <a:chExt cx="0" cy="0"/>
         </a:xfrm>
       </p:grpSpPr>
-      <p:grpSp>
-        <p:nvGrpSpPr>
-          <p:cNvPr id="7" name="Group 6"/>
-          <p:cNvGrpSpPr/>
-          <p:nvPr/>
-        </p:nvGrpSpPr>
-        <p:grpSpPr>
-          <a:xfrm>
-            <a:off x="-16934" y="0"/>
-            <a:ext cx="12231160" cy="6856214"/>
-            <a:chOff x="-16934" y="0"/>
-            <a:chExt cx="12231160" cy="6856214"/>
-          </a:xfrm>
-        </p:grpSpPr>
-        <p:pic>
-          <p:nvPicPr>
-            <p:cNvPr id="16" name="Picture 15" descr="HD-PanelTitleR1.png"/>
-            <p:cNvPicPr>
-              <a:picLocks noChangeAspect="1"/>
-            </p:cNvPicPr>
-            <p:nvPr/>
-          </p:nvPicPr>
-          <p:blipFill>
-            <a:blip r:embed="rId2">
-              <a:extLst>
-                <a:ext uri="{28A0092B-C50C-407E-A947-70E740481C1C}">
-                  <a14:useLocalDpi xmlns:a14="http://schemas.microsoft.com/office/drawing/2010/main" val="0"/>
-                </a:ext>
-              </a:extLst>
-            </a:blip>
-            <a:stretch>
-              <a:fillRect/>
-            </a:stretch>
-          </p:blipFill>
-          <p:spPr>
-            <a:xfrm>
-              <a:off x="0" y="0"/>
-              <a:ext cx="12188825" cy="6856214"/>
-            </a:xfrm>
-            <a:prstGeom prst="rect">
-              <a:avLst/>
-            </a:prstGeom>
-          </p:spPr>
-        </p:pic>
-        <p:sp>
-          <p:nvSpPr>
-            <p:cNvPr id="26" name="Rectangle 25"/>
-            <p:cNvSpPr/>
-            <p:nvPr/>
-          </p:nvSpPr>
-          <p:spPr>
-            <a:xfrm>
-              <a:off x="2328332" y="1540931"/>
-              <a:ext cx="7543802" cy="3835401"/>
-            </a:xfrm>
-            <a:prstGeom prst="rect">
-              <a:avLst/>
-            </a:prstGeom>
-            <a:noFill/>
-            <a:ln w="15875">
-              <a:miter lim="800000"/>
-            </a:ln>
-          </p:spPr>
-          <p:style>
-            <a:lnRef idx="1">
-              <a:schemeClr val="accent1"/>
-            </a:lnRef>
-            <a:fillRef idx="3">
-              <a:schemeClr val="accent1"/>
-            </a:fillRef>
-            <a:effectRef idx="2">
-              <a:schemeClr val="accent1"/>
-            </a:effectRef>
-            <a:fontRef idx="minor">
-              <a:schemeClr val="lt1"/>
-            </a:fontRef>
-          </p:style>
-        </p:sp>
-        <p:pic>
-          <p:nvPicPr>
-            <p:cNvPr id="17" name="Picture 16" descr="HDRibbonTitle-UniformTrim.png"/>
-            <p:cNvPicPr>
-              <a:picLocks noChangeAspect="1"/>
-            </p:cNvPicPr>
-            <p:nvPr/>
-          </p:nvPicPr>
-          <p:blipFill rotWithShape="1">
-            <a:blip r:embed="rId3">
-              <a:extLst>
-                <a:ext uri="{28A0092B-C50C-407E-A947-70E740481C1C}">
-                  <a14:useLocalDpi xmlns:a14="http://schemas.microsoft.com/office/drawing/2010/main" val="0"/>
-                </a:ext>
-              </a:extLst>
-            </a:blip>
-            <a:srcRect/>
-            <a:stretch/>
-          </p:blipFill>
-          <p:spPr>
-            <a:xfrm>
-              <a:off x="-16934" y="3147609"/>
-              <a:ext cx="2478024" cy="612648"/>
-            </a:xfrm>
-            <a:prstGeom prst="rect">
-              <a:avLst/>
-            </a:prstGeom>
-          </p:spPr>
-        </p:pic>
-        <p:pic>
-          <p:nvPicPr>
-            <p:cNvPr id="20" name="Picture 19" descr="HDRibbonTitle-UniformTrim.png"/>
-            <p:cNvPicPr>
-              <a:picLocks noChangeAspect="1"/>
-            </p:cNvPicPr>
-            <p:nvPr/>
-          </p:nvPicPr>
-          <p:blipFill rotWithShape="1">
-            <a:blip r:embed="rId3">
-              <a:extLst>
-                <a:ext uri="{28A0092B-C50C-407E-A947-70E740481C1C}">
-                  <a14:useLocalDpi xmlns:a14="http://schemas.microsoft.com/office/drawing/2010/main" val="0"/>
-                </a:ext>
-              </a:extLst>
-            </a:blip>
-            <a:srcRect/>
-            <a:stretch/>
-          </p:blipFill>
-          <p:spPr>
-            <a:xfrm>
-              <a:off x="9736202" y="3147609"/>
-              <a:ext cx="2478024" cy="612648"/>
-            </a:xfrm>
-            <a:prstGeom prst="rect">
-              <a:avLst/>
-            </a:prstGeom>
-          </p:spPr>
-        </p:pic>
-      </p:grpSp>
       <p:sp>
         <p:nvSpPr>
           <p:cNvPr id="2" name="Title 1"/>
@@ -284,56 +148,55 @@
         </p:nvSpPr>
         <p:spPr>
           <a:xfrm>
-            <a:off x="2692398" y="1871131"/>
-            <a:ext cx="6815669" cy="1515533"/>
+            <a:off x="2589213" y="2514600"/>
+            <a:ext cx="8915399" cy="2262781"/>
           </a:xfrm>
         </p:spPr>
         <p:txBody>
           <a:bodyPr anchor="b">
-            <a:noAutofit/>
-          </a:bodyPr>
-          <a:lstStyle>
-            <a:lvl1pPr algn="ctr">
-              <a:defRPr sz="5400">
-                <a:effectLst/>
-              </a:defRPr>
-            </a:lvl1pPr>
-          </a:lstStyle>
-          <a:p>
-            <a:r>
-              <a:rPr lang="en-US" smtClean="0"/>
-              <a:t>Click to edit Master title style</a:t>
-            </a:r>
-            <a:endParaRPr lang="en-US" dirty="0"/>
-          </a:p>
-        </p:txBody>
-      </p:sp>
-      <p:sp>
-        <p:nvSpPr>
-          <p:cNvPr id="3" name="Subtitle 2"/>
-          <p:cNvSpPr>
-            <a:spLocks noGrp="1"/>
-          </p:cNvSpPr>
-          <p:nvPr>
-            <p:ph type="subTitle" idx="1"/>
-          </p:nvPr>
-        </p:nvSpPr>
-        <p:spPr>
-          <a:xfrm>
-            <a:off x="2692398" y="3657597"/>
-            <a:ext cx="6815669" cy="1320802"/>
-          </a:xfrm>
-        </p:spPr>
-        <p:txBody>
-          <a:bodyPr anchor="t">
             <a:normAutofit/>
           </a:bodyPr>
           <a:lstStyle>
-            <a:lvl1pPr marL="0" indent="0" algn="ctr">
-              <a:buNone/>
-              <a:defRPr sz="2100">
+            <a:lvl1pPr>
+              <a:defRPr sz="5400"/>
+            </a:lvl1pPr>
+          </a:lstStyle>
+          <a:p>
+            <a:r>
+              <a:rPr lang="en-US" smtClean="0"/>
+              <a:t>Click to edit Master title style</a:t>
+            </a:r>
+            <a:endParaRPr lang="en-US" dirty="0"/>
+          </a:p>
+        </p:txBody>
+      </p:sp>
+      <p:sp>
+        <p:nvSpPr>
+          <p:cNvPr id="3" name="Subtitle 2"/>
+          <p:cNvSpPr>
+            <a:spLocks noGrp="1"/>
+          </p:cNvSpPr>
+          <p:nvPr>
+            <p:ph type="subTitle" idx="1"/>
+          </p:nvPr>
+        </p:nvSpPr>
+        <p:spPr>
+          <a:xfrm>
+            <a:off x="2589213" y="4777379"/>
+            <a:ext cx="8915399" cy="1126283"/>
+          </a:xfrm>
+        </p:spPr>
+        <p:txBody>
+          <a:bodyPr anchor="t"/>
+          <a:lstStyle>
+            <a:lvl1pPr marL="0" indent="0" algn="l">
+              <a:buNone/>
+              <a:defRPr>
                 <a:solidFill>
-                  <a:schemeClr val="tx1"/>
+                  <a:schemeClr val="tx1">
+                    <a:lumMod val="65000"/>
+                    <a:lumOff val="35000"/>
+                  </a:schemeClr>
                 </a:solidFill>
               </a:defRPr>
             </a:lvl1pPr>
@@ -437,63 +300,135 @@
             <p:ph type="dt" sz="half" idx="10"/>
           </p:nvPr>
         </p:nvSpPr>
+        <p:spPr/>
+        <p:txBody>
+          <a:bodyPr/>
+          <a:lstStyle/>
+          <a:p>
+            <a:fld id="{B61BEF0D-F0BB-DE4B-95CE-6DB70DBA9567}" type="datetimeFigureOut">
+              <a:rPr lang="en-US" smtClean="0"/>
+              <a:pPr/>
+              <a:t>29-Oct-23</a:t>
+            </a:fld>
+            <a:endParaRPr lang="en-US" dirty="0"/>
+          </a:p>
+        </p:txBody>
+      </p:sp>
+      <p:sp>
+        <p:nvSpPr>
+          <p:cNvPr id="5" name="Footer Placeholder 4"/>
+          <p:cNvSpPr>
+            <a:spLocks noGrp="1"/>
+          </p:cNvSpPr>
+          <p:nvPr>
+            <p:ph type="ftr" sz="quarter" idx="11"/>
+          </p:nvPr>
+        </p:nvSpPr>
+        <p:spPr/>
+        <p:txBody>
+          <a:bodyPr/>
+          <a:lstStyle/>
+          <a:p>
+            <a:endParaRPr lang="en-US" dirty="0"/>
+          </a:p>
+        </p:txBody>
+      </p:sp>
+      <p:sp>
+        <p:nvSpPr>
+          <p:cNvPr id="7" name="Freeform 6"/>
+          <p:cNvSpPr/>
+          <p:nvPr/>
+        </p:nvSpPr>
+        <p:spPr bwMode="auto">
+          <a:xfrm>
+            <a:off x="0" y="4323810"/>
+            <a:ext cx="1744652" cy="778589"/>
+          </a:xfrm>
+          <a:custGeom>
+            <a:avLst/>
+            <a:gdLst/>
+            <a:ahLst/>
+            <a:cxnLst/>
+            <a:rect l="0" t="0" r="r" b="b"/>
+            <a:pathLst>
+              <a:path w="372" h="166">
+                <a:moveTo>
+                  <a:pt x="287" y="166"/>
+                </a:moveTo>
+                <a:cubicBezTo>
+                  <a:pt x="290" y="166"/>
+                  <a:pt x="292" y="165"/>
+                  <a:pt x="293" y="164"/>
+                </a:cubicBezTo>
+                <a:cubicBezTo>
+                  <a:pt x="293" y="163"/>
+                  <a:pt x="294" y="163"/>
+                  <a:pt x="294" y="163"/>
+                </a:cubicBezTo>
+                <a:cubicBezTo>
+                  <a:pt x="370" y="87"/>
+                  <a:pt x="370" y="87"/>
+                  <a:pt x="370" y="87"/>
+                </a:cubicBezTo>
+                <a:cubicBezTo>
+                  <a:pt x="372" y="85"/>
+                  <a:pt x="372" y="81"/>
+                  <a:pt x="370" y="78"/>
+                </a:cubicBezTo>
+                <a:cubicBezTo>
+                  <a:pt x="294" y="3"/>
+                  <a:pt x="294" y="3"/>
+                  <a:pt x="294" y="3"/>
+                </a:cubicBezTo>
+                <a:cubicBezTo>
+                  <a:pt x="294" y="2"/>
+                  <a:pt x="293" y="2"/>
+                  <a:pt x="293" y="2"/>
+                </a:cubicBezTo>
+                <a:cubicBezTo>
+                  <a:pt x="292" y="1"/>
+                  <a:pt x="290" y="0"/>
+                  <a:pt x="287" y="0"/>
+                </a:cubicBezTo>
+                <a:cubicBezTo>
+                  <a:pt x="0" y="0"/>
+                  <a:pt x="0" y="0"/>
+                  <a:pt x="0" y="0"/>
+                </a:cubicBezTo>
+                <a:cubicBezTo>
+                  <a:pt x="0" y="166"/>
+                  <a:pt x="0" y="166"/>
+                  <a:pt x="0" y="166"/>
+                </a:cubicBezTo>
+                <a:lnTo>
+                  <a:pt x="287" y="166"/>
+                </a:lnTo>
+                <a:close/>
+              </a:path>
+            </a:pathLst>
+          </a:custGeom>
+          <a:solidFill>
+            <a:schemeClr val="accent1"/>
+          </a:solidFill>
+          <a:ln>
+            <a:noFill/>
+          </a:ln>
+        </p:spPr>
+      </p:sp>
+      <p:sp>
+        <p:nvSpPr>
+          <p:cNvPr id="6" name="Slide Number Placeholder 5"/>
+          <p:cNvSpPr>
+            <a:spLocks noGrp="1"/>
+          </p:cNvSpPr>
+          <p:nvPr>
+            <p:ph type="sldNum" sz="quarter" idx="12"/>
+          </p:nvPr>
+        </p:nvSpPr>
         <p:spPr>
           <a:xfrm>
-            <a:off x="7983232" y="5037663"/>
-            <a:ext cx="897467" cy="279400"/>
-          </a:xfrm>
-        </p:spPr>
-        <p:txBody>
-          <a:bodyPr/>
-          <a:lstStyle/>
-          <a:p>
-            <a:fld id="{B61BEF0D-F0BB-DE4B-95CE-6DB70DBA9567}" type="datetimeFigureOut">
-              <a:rPr lang="en-US" smtClean="0"/>
-              <a:pPr/>
-              <a:t>19-Oct-23</a:t>
-            </a:fld>
-            <a:endParaRPr lang="en-US" dirty="0"/>
-          </a:p>
-        </p:txBody>
-      </p:sp>
-      <p:sp>
-        <p:nvSpPr>
-          <p:cNvPr id="5" name="Footer Placeholder 4"/>
-          <p:cNvSpPr>
-            <a:spLocks noGrp="1"/>
-          </p:cNvSpPr>
-          <p:nvPr>
-            <p:ph type="ftr" sz="quarter" idx="11"/>
-          </p:nvPr>
-        </p:nvSpPr>
-        <p:spPr>
-          <a:xfrm>
-            <a:off x="2692397" y="5037663"/>
-            <a:ext cx="5214635" cy="279400"/>
-          </a:xfrm>
-        </p:spPr>
-        <p:txBody>
-          <a:bodyPr/>
-          <a:lstStyle/>
-          <a:p>
-            <a:endParaRPr lang="en-US" dirty="0"/>
-          </a:p>
-        </p:txBody>
-      </p:sp>
-      <p:sp>
-        <p:nvSpPr>
-          <p:cNvPr id="6" name="Slide Number Placeholder 5"/>
-          <p:cNvSpPr>
-            <a:spLocks noGrp="1"/>
-          </p:cNvSpPr>
-          <p:nvPr>
-            <p:ph type="sldNum" sz="quarter" idx="12"/>
-          </p:nvPr>
-        </p:nvSpPr>
-        <p:spPr>
-          <a:xfrm>
-            <a:off x="8956900" y="5037663"/>
-            <a:ext cx="551167" cy="279400"/>
+            <a:off x="531812" y="4529540"/>
+            <a:ext cx="779767" cy="365125"/>
           </a:xfrm>
         </p:spPr>
         <p:txBody>
@@ -509,40 +444,10 @@
           </a:p>
         </p:txBody>
       </p:sp>
-      <p:cxnSp>
-        <p:nvCxnSpPr>
-          <p:cNvPr id="15" name="Straight Connector 14"/>
-          <p:cNvCxnSpPr/>
-          <p:nvPr/>
-        </p:nvCxnSpPr>
-        <p:spPr>
-          <a:xfrm>
-            <a:off x="2692399" y="3522131"/>
-            <a:ext cx="6815668" cy="0"/>
-          </a:xfrm>
-          <a:prstGeom prst="line">
-            <a:avLst/>
-          </a:prstGeom>
-        </p:spPr>
-        <p:style>
-          <a:lnRef idx="2">
-            <a:schemeClr val="accent1"/>
-          </a:lnRef>
-          <a:fillRef idx="0">
-            <a:schemeClr val="accent1"/>
-          </a:fillRef>
-          <a:effectRef idx="1">
-            <a:schemeClr val="accent1"/>
-          </a:effectRef>
-          <a:fontRef idx="minor">
-            <a:schemeClr val="tx1"/>
-          </a:fontRef>
-        </p:style>
-      </p:cxnSp>
     </p:spTree>
     <p:extLst>
       <p:ext uri="{BB962C8B-B14F-4D97-AF65-F5344CB8AC3E}">
-        <p14:creationId xmlns:p14="http://schemas.microsoft.com/office/powerpoint/2010/main" val="1909206251"/>
+        <p14:creationId xmlns:p14="http://schemas.microsoft.com/office/powerpoint/2010/main" val="4283710240"/>
       </p:ext>
     </p:extLst>
   </p:cSld>
@@ -553,292 +458,6 @@
 </file>
 
 <file path=ppt/slideLayouts/slideLayout10.xml><?xml version="1.0" encoding="utf-8"?>
-<p:sldLayout xmlns:a="http://schemas.openxmlformats.org/drawingml/2006/main" xmlns:r="http://schemas.openxmlformats.org/officeDocument/2006/relationships" xmlns:p="http://schemas.openxmlformats.org/presentationml/2006/main" preserve="1">
-  <p:cSld name="Panoramic Picture with Caption">
-    <p:spTree>
-      <p:nvGrpSpPr>
-        <p:cNvPr id="1" name=""/>
-        <p:cNvGrpSpPr/>
-        <p:nvPr/>
-      </p:nvGrpSpPr>
-      <p:grpSpPr>
-        <a:xfrm>
-          <a:off x="0" y="0"/>
-          <a:ext cx="0" cy="0"/>
-          <a:chOff x="0" y="0"/>
-          <a:chExt cx="0" cy="0"/>
-        </a:xfrm>
-      </p:grpSpPr>
-      <p:sp>
-        <p:nvSpPr>
-          <p:cNvPr id="2" name="Title 1"/>
-          <p:cNvSpPr>
-            <a:spLocks noGrp="1"/>
-          </p:cNvSpPr>
-          <p:nvPr>
-            <p:ph type="title"/>
-          </p:nvPr>
-        </p:nvSpPr>
-        <p:spPr>
-          <a:xfrm>
-            <a:off x="1295401" y="4815415"/>
-            <a:ext cx="9609666" cy="566738"/>
-          </a:xfrm>
-        </p:spPr>
-        <p:txBody>
-          <a:bodyPr anchor="b">
-            <a:normAutofit/>
-          </a:bodyPr>
-          <a:lstStyle>
-            <a:lvl1pPr algn="ctr">
-              <a:defRPr sz="2400" b="0"/>
-            </a:lvl1pPr>
-          </a:lstStyle>
-          <a:p>
-            <a:r>
-              <a:rPr lang="en-US" smtClean="0"/>
-              <a:t>Click to edit Master title style</a:t>
-            </a:r>
-            <a:endParaRPr lang="en-US" dirty="0"/>
-          </a:p>
-        </p:txBody>
-      </p:sp>
-      <p:sp>
-        <p:nvSpPr>
-          <p:cNvPr id="3" name="Picture Placeholder 2"/>
-          <p:cNvSpPr>
-            <a:spLocks noGrp="1" noChangeAspect="1"/>
-          </p:cNvSpPr>
-          <p:nvPr>
-            <p:ph type="pic" idx="1"/>
-          </p:nvPr>
-        </p:nvSpPr>
-        <p:spPr>
-          <a:xfrm>
-            <a:off x="1041427" y="1041399"/>
-            <a:ext cx="10105972" cy="3335869"/>
-          </a:xfrm>
-          <a:prstGeom prst="roundRect">
-            <a:avLst>
-              <a:gd name="adj" fmla="val 0"/>
-            </a:avLst>
-          </a:prstGeom>
-          <a:ln w="57150" cmpd="thickThin">
-            <a:solidFill>
-              <a:schemeClr val="tx1">
-                <a:lumMod val="50000"/>
-                <a:lumOff val="50000"/>
-              </a:schemeClr>
-            </a:solidFill>
-            <a:miter lim="800000"/>
-          </a:ln>
-          <a:effectLst>
-            <a:innerShdw blurRad="57150" dist="38100" dir="14460000">
-              <a:srgbClr val="000000">
-                <a:alpha val="70000"/>
-              </a:srgbClr>
-            </a:innerShdw>
-          </a:effectLst>
-        </p:spPr>
-        <p:txBody>
-          <a:bodyPr anchor="t">
-            <a:normAutofit/>
-          </a:bodyPr>
-          <a:lstStyle>
-            <a:lvl1pPr marL="0" indent="0" algn="ctr">
-              <a:buNone/>
-              <a:defRPr sz="1600"/>
-            </a:lvl1pPr>
-            <a:lvl2pPr marL="457200" indent="0">
-              <a:buNone/>
-              <a:defRPr sz="1600"/>
-            </a:lvl2pPr>
-            <a:lvl3pPr marL="914400" indent="0">
-              <a:buNone/>
-              <a:defRPr sz="1600"/>
-            </a:lvl3pPr>
-            <a:lvl4pPr marL="1371600" indent="0">
-              <a:buNone/>
-              <a:defRPr sz="1600"/>
-            </a:lvl4pPr>
-            <a:lvl5pPr marL="1828800" indent="0">
-              <a:buNone/>
-              <a:defRPr sz="1600"/>
-            </a:lvl5pPr>
-            <a:lvl6pPr marL="2286000" indent="0">
-              <a:buNone/>
-              <a:defRPr sz="1600"/>
-            </a:lvl6pPr>
-            <a:lvl7pPr marL="2743200" indent="0">
-              <a:buNone/>
-              <a:defRPr sz="1600"/>
-            </a:lvl7pPr>
-            <a:lvl8pPr marL="3200400" indent="0">
-              <a:buNone/>
-              <a:defRPr sz="1600"/>
-            </a:lvl8pPr>
-            <a:lvl9pPr marL="3657600" indent="0">
-              <a:buNone/>
-              <a:defRPr sz="1600"/>
-            </a:lvl9pPr>
-          </a:lstStyle>
-          <a:p>
-            <a:r>
-              <a:rPr lang="en-US" smtClean="0"/>
-              <a:t>Click icon to add picture</a:t>
-            </a:r>
-            <a:endParaRPr lang="en-US" dirty="0"/>
-          </a:p>
-        </p:txBody>
-      </p:sp>
-      <p:sp>
-        <p:nvSpPr>
-          <p:cNvPr id="4" name="Text Placeholder 3"/>
-          <p:cNvSpPr>
-            <a:spLocks noGrp="1"/>
-          </p:cNvSpPr>
-          <p:nvPr>
-            <p:ph type="body" sz="half" idx="2"/>
-          </p:nvPr>
-        </p:nvSpPr>
-        <p:spPr>
-          <a:xfrm>
-            <a:off x="1295401" y="5382153"/>
-            <a:ext cx="9609666" cy="493712"/>
-          </a:xfrm>
-        </p:spPr>
-        <p:txBody>
-          <a:bodyPr>
-            <a:normAutofit/>
-          </a:bodyPr>
-          <a:lstStyle>
-            <a:lvl1pPr marL="0" indent="0" algn="ctr">
-              <a:buNone/>
-              <a:defRPr sz="1400"/>
-            </a:lvl1pPr>
-            <a:lvl2pPr marL="457200" indent="0">
-              <a:buNone/>
-              <a:defRPr sz="1200"/>
-            </a:lvl2pPr>
-            <a:lvl3pPr marL="914400" indent="0">
-              <a:buNone/>
-              <a:defRPr sz="1000"/>
-            </a:lvl3pPr>
-            <a:lvl4pPr marL="1371600" indent="0">
-              <a:buNone/>
-              <a:defRPr sz="900"/>
-            </a:lvl4pPr>
-            <a:lvl5pPr marL="1828800" indent="0">
-              <a:buNone/>
-              <a:defRPr sz="900"/>
-            </a:lvl5pPr>
-            <a:lvl6pPr marL="2286000" indent="0">
-              <a:buNone/>
-              <a:defRPr sz="900"/>
-            </a:lvl6pPr>
-            <a:lvl7pPr marL="2743200" indent="0">
-              <a:buNone/>
-              <a:defRPr sz="900"/>
-            </a:lvl7pPr>
-            <a:lvl8pPr marL="3200400" indent="0">
-              <a:buNone/>
-              <a:defRPr sz="900"/>
-            </a:lvl8pPr>
-            <a:lvl9pPr marL="3657600" indent="0">
-              <a:buNone/>
-              <a:defRPr sz="900"/>
-            </a:lvl9pPr>
-          </a:lstStyle>
-          <a:p>
-            <a:pPr lvl="0"/>
-            <a:r>
-              <a:rPr lang="en-US" smtClean="0"/>
-              <a:t>Click to edit Master text styles</a:t>
-            </a:r>
-          </a:p>
-        </p:txBody>
-      </p:sp>
-      <p:sp>
-        <p:nvSpPr>
-          <p:cNvPr id="5" name="Date Placeholder 4"/>
-          <p:cNvSpPr>
-            <a:spLocks noGrp="1"/>
-          </p:cNvSpPr>
-          <p:nvPr>
-            <p:ph type="dt" sz="half" idx="10"/>
-          </p:nvPr>
-        </p:nvSpPr>
-        <p:spPr/>
-        <p:txBody>
-          <a:bodyPr/>
-          <a:lstStyle/>
-          <a:p>
-            <a:fld id="{B61BEF0D-F0BB-DE4B-95CE-6DB70DBA9567}" type="datetimeFigureOut">
-              <a:rPr lang="en-US" smtClean="0"/>
-              <a:pPr/>
-              <a:t>19-Oct-23</a:t>
-            </a:fld>
-            <a:endParaRPr lang="en-US" dirty="0"/>
-          </a:p>
-        </p:txBody>
-      </p:sp>
-      <p:sp>
-        <p:nvSpPr>
-          <p:cNvPr id="6" name="Footer Placeholder 5"/>
-          <p:cNvSpPr>
-            <a:spLocks noGrp="1"/>
-          </p:cNvSpPr>
-          <p:nvPr>
-            <p:ph type="ftr" sz="quarter" idx="11"/>
-          </p:nvPr>
-        </p:nvSpPr>
-        <p:spPr/>
-        <p:txBody>
-          <a:bodyPr/>
-          <a:lstStyle/>
-          <a:p>
-            <a:endParaRPr lang="en-US" dirty="0"/>
-          </a:p>
-        </p:txBody>
-      </p:sp>
-      <p:sp>
-        <p:nvSpPr>
-          <p:cNvPr id="7" name="Slide Number Placeholder 6"/>
-          <p:cNvSpPr>
-            <a:spLocks noGrp="1"/>
-          </p:cNvSpPr>
-          <p:nvPr>
-            <p:ph type="sldNum" sz="quarter" idx="12"/>
-          </p:nvPr>
-        </p:nvSpPr>
-        <p:spPr/>
-        <p:txBody>
-          <a:bodyPr/>
-          <a:lstStyle/>
-          <a:p>
-            <a:fld id="{D57F1E4F-1CFF-5643-939E-217C01CDF565}" type="slidenum">
-              <a:rPr lang="en-US" smtClean="0"/>
-              <a:pPr/>
-              <a:t>‹#›</a:t>
-            </a:fld>
-            <a:endParaRPr lang="en-US" dirty="0"/>
-          </a:p>
-        </p:txBody>
-      </p:sp>
-    </p:spTree>
-    <p:extLst>
-      <p:ext uri="{BB962C8B-B14F-4D97-AF65-F5344CB8AC3E}">
-        <p14:creationId xmlns:p14="http://schemas.microsoft.com/office/powerpoint/2010/main" val="2162663225"/>
-      </p:ext>
-    </p:extLst>
-  </p:cSld>
-  <p:clrMapOvr>
-    <a:masterClrMapping/>
-  </p:clrMapOvr>
-</p:sldLayout>
-</file>
-
-<file path=ppt/slideLayouts/slideLayout11.xml><?xml version="1.0" encoding="utf-8"?>
 <p:sldLayout xmlns:a="http://schemas.openxmlformats.org/drawingml/2006/main" xmlns:r="http://schemas.openxmlformats.org/officeDocument/2006/relationships" xmlns:p="http://schemas.openxmlformats.org/presentationml/2006/main" preserve="1">
   <p:cSld name="Title and Caption">
     <p:spTree>
@@ -867,8 +486,8 @@
         </p:nvSpPr>
         <p:spPr>
           <a:xfrm>
-            <a:off x="1303868" y="982132"/>
-            <a:ext cx="9592732" cy="2954868"/>
+            <a:off x="2589212" y="609600"/>
+            <a:ext cx="8915399" cy="3117040"/>
           </a:xfrm>
         </p:spPr>
         <p:txBody>
@@ -876,8 +495,8 @@
             <a:normAutofit/>
           </a:bodyPr>
           <a:lstStyle>
-            <a:lvl1pPr algn="ctr">
-              <a:defRPr sz="3200" b="0" cap="none"/>
+            <a:lvl1pPr algn="l">
+              <a:defRPr sz="4800" b="0" cap="none"/>
             </a:lvl1pPr>
           </a:lstStyle>
           <a:p>
@@ -901,8 +520,8 @@
         </p:nvSpPr>
         <p:spPr>
           <a:xfrm>
-            <a:off x="1303868" y="4343399"/>
-            <a:ext cx="9592732" cy="1532467"/>
+            <a:off x="2589212" y="4354046"/>
+            <a:ext cx="8915399" cy="1555864"/>
           </a:xfrm>
         </p:spPr>
         <p:txBody>
@@ -910,11 +529,14 @@
             <a:normAutofit/>
           </a:bodyPr>
           <a:lstStyle>
-            <a:lvl1pPr marL="0" indent="0" algn="ctr">
-              <a:buNone/>
-              <a:defRPr sz="2000">
+            <a:lvl1pPr marL="0" indent="0" algn="l">
+              <a:buNone/>
+              <a:defRPr sz="1800">
                 <a:solidFill>
-                  <a:schemeClr val="tx1"/>
+                  <a:schemeClr val="tx1">
+                    <a:lumMod val="65000"/>
+                    <a:lumOff val="35000"/>
+                  </a:schemeClr>
                 </a:solidFill>
               </a:defRPr>
             </a:lvl1pPr>
@@ -1026,7 +648,7 @@
             <a:fld id="{B61BEF0D-F0BB-DE4B-95CE-6DB70DBA9567}" type="datetimeFigureOut">
               <a:rPr lang="en-US" smtClean="0"/>
               <a:pPr/>
-              <a:t>19-Oct-23</a:t>
+              <a:t>29-Oct-23</a:t>
             </a:fld>
             <a:endParaRPr lang="en-US" dirty="0"/>
           </a:p>
@@ -1053,6 +675,88 @@
       </p:sp>
       <p:sp>
         <p:nvSpPr>
+          <p:cNvPr id="9" name="Freeform 11"/>
+          <p:cNvSpPr/>
+          <p:nvPr/>
+        </p:nvSpPr>
+        <p:spPr bwMode="auto">
+          <a:xfrm flipV="1">
+            <a:off x="-4189" y="3178175"/>
+            <a:ext cx="1588527" cy="507297"/>
+          </a:xfrm>
+          <a:custGeom>
+            <a:avLst/>
+            <a:gdLst/>
+            <a:ahLst/>
+            <a:cxnLst/>
+            <a:rect l="l" t="t" r="r" b="b"/>
+            <a:pathLst>
+              <a:path w="9248" h="10000">
+                <a:moveTo>
+                  <a:pt x="9248" y="4701"/>
+                </a:moveTo>
+                <a:lnTo>
+                  <a:pt x="7915" y="188"/>
+                </a:lnTo>
+                <a:cubicBezTo>
+                  <a:pt x="7906" y="156"/>
+                  <a:pt x="7895" y="126"/>
+                  <a:pt x="7886" y="94"/>
+                </a:cubicBezTo>
+                <a:cubicBezTo>
+                  <a:pt x="7859" y="0"/>
+                  <a:pt x="7831" y="0"/>
+                  <a:pt x="7803" y="0"/>
+                </a:cubicBezTo>
+                <a:lnTo>
+                  <a:pt x="7275" y="0"/>
+                </a:lnTo>
+                <a:lnTo>
+                  <a:pt x="0" y="70"/>
+                </a:lnTo>
+                <a:cubicBezTo>
+                  <a:pt x="8" y="3380"/>
+                  <a:pt x="17" y="6690"/>
+                  <a:pt x="25" y="10000"/>
+                </a:cubicBezTo>
+                <a:lnTo>
+                  <a:pt x="7275" y="9966"/>
+                </a:lnTo>
+                <a:lnTo>
+                  <a:pt x="7803" y="9966"/>
+                </a:lnTo>
+                <a:cubicBezTo>
+                  <a:pt x="7831" y="9966"/>
+                  <a:pt x="7859" y="9872"/>
+                  <a:pt x="7886" y="9872"/>
+                </a:cubicBezTo>
+                <a:cubicBezTo>
+                  <a:pt x="7886" y="9778"/>
+                  <a:pt x="7915" y="9778"/>
+                  <a:pt x="7915" y="9778"/>
+                </a:cubicBezTo>
+                <a:lnTo>
+                  <a:pt x="9248" y="5265"/>
+                </a:lnTo>
+                <a:cubicBezTo>
+                  <a:pt x="9303" y="5077"/>
+                  <a:pt x="9303" y="4889"/>
+                  <a:pt x="9248" y="4701"/>
+                </a:cubicBezTo>
+                <a:close/>
+              </a:path>
+            </a:pathLst>
+          </a:custGeom>
+          <a:solidFill>
+            <a:schemeClr val="accent1"/>
+          </a:solidFill>
+          <a:ln>
+            <a:noFill/>
+          </a:ln>
+        </p:spPr>
+      </p:sp>
+      <p:sp>
+        <p:nvSpPr>
           <p:cNvPr id="6" name="Slide Number Placeholder 5"/>
           <p:cNvSpPr>
             <a:spLocks noGrp="1"/>
@@ -1061,7 +765,12 @@
             <p:ph type="sldNum" sz="quarter" idx="12"/>
           </p:nvPr>
         </p:nvSpPr>
-        <p:spPr/>
+        <p:spPr>
+          <a:xfrm>
+            <a:off x="531812" y="3244139"/>
+            <a:ext cx="779767" cy="365125"/>
+          </a:xfrm>
+        </p:spPr>
         <p:txBody>
           <a:bodyPr/>
           <a:lstStyle/>
@@ -1075,41 +784,10 @@
           </a:p>
         </p:txBody>
       </p:sp>
-      <p:cxnSp>
-        <p:nvCxnSpPr>
-          <p:cNvPr id="15" name="Straight Connector 14"/>
-          <p:cNvCxnSpPr/>
-          <p:nvPr/>
-        </p:nvCxnSpPr>
-        <p:spPr>
-          <a:xfrm>
-            <a:off x="1396169" y="4140199"/>
-            <a:ext cx="9407298" cy="0"/>
-          </a:xfrm>
-          <a:prstGeom prst="line">
-            <a:avLst/>
-          </a:prstGeom>
-          <a:ln w="15875"/>
-        </p:spPr>
-        <p:style>
-          <a:lnRef idx="2">
-            <a:schemeClr val="accent1"/>
-          </a:lnRef>
-          <a:fillRef idx="0">
-            <a:schemeClr val="accent1"/>
-          </a:fillRef>
-          <a:effectRef idx="1">
-            <a:schemeClr val="accent1"/>
-          </a:effectRef>
-          <a:fontRef idx="minor">
-            <a:schemeClr val="tx1"/>
-          </a:fontRef>
-        </p:style>
-      </p:cxnSp>
     </p:spTree>
     <p:extLst>
       <p:ext uri="{BB962C8B-B14F-4D97-AF65-F5344CB8AC3E}">
-        <p14:creationId xmlns:p14="http://schemas.microsoft.com/office/powerpoint/2010/main" val="1777636923"/>
+        <p14:creationId xmlns:p14="http://schemas.microsoft.com/office/powerpoint/2010/main" val="675048734"/>
       </p:ext>
     </p:extLst>
   </p:cSld>
@@ -1119,7 +797,7 @@
 </p:sldLayout>
 </file>
 
-<file path=ppt/slideLayouts/slideLayout12.xml><?xml version="1.0" encoding="utf-8"?>
+<file path=ppt/slideLayouts/slideLayout11.xml><?xml version="1.0" encoding="utf-8"?>
 <p:sldLayout xmlns:a="http://schemas.openxmlformats.org/drawingml/2006/main" xmlns:r="http://schemas.openxmlformats.org/officeDocument/2006/relationships" xmlns:p="http://schemas.openxmlformats.org/presentationml/2006/main" preserve="1">
   <p:cSld name="Quote with Caption">
     <p:spTree>
@@ -1148,8 +826,8 @@
         </p:nvSpPr>
         <p:spPr>
           <a:xfrm>
-            <a:off x="1446213" y="982132"/>
-            <a:ext cx="9296398" cy="2370668"/>
+            <a:off x="2849949" y="609600"/>
+            <a:ext cx="8393926" cy="2895600"/>
           </a:xfrm>
         </p:spPr>
         <p:txBody>
@@ -1157,37 +835,96 @@
             <a:normAutofit/>
           </a:bodyPr>
           <a:lstStyle>
-            <a:lvl1pPr algn="ctr">
-              <a:defRPr sz="3200" b="0" cap="none">
+            <a:lvl1pPr algn="l">
+              <a:defRPr sz="4800" b="0" cap="none"/>
+            </a:lvl1pPr>
+          </a:lstStyle>
+          <a:p>
+            <a:r>
+              <a:rPr lang="en-US" smtClean="0"/>
+              <a:t>Click to edit Master title style</a:t>
+            </a:r>
+            <a:endParaRPr lang="en-US" dirty="0"/>
+          </a:p>
+        </p:txBody>
+      </p:sp>
+      <p:sp>
+        <p:nvSpPr>
+          <p:cNvPr id="13" name="Text Placeholder 9"/>
+          <p:cNvSpPr>
+            <a:spLocks noGrp="1"/>
+          </p:cNvSpPr>
+          <p:nvPr>
+            <p:ph type="body" sz="quarter" idx="13"/>
+          </p:nvPr>
+        </p:nvSpPr>
+        <p:spPr>
+          <a:xfrm>
+            <a:off x="3275012" y="3505200"/>
+            <a:ext cx="7536554" cy="381000"/>
+          </a:xfrm>
+        </p:spPr>
+        <p:txBody>
+          <a:bodyPr anchor="ctr">
+            <a:noAutofit/>
+          </a:bodyPr>
+          <a:lstStyle>
+            <a:lvl1pPr marL="0" indent="0">
+              <a:buFontTx/>
+              <a:buNone/>
+              <a:defRPr sz="1600">
                 <a:solidFill>
-                  <a:schemeClr val="tx1"/>
+                  <a:schemeClr val="tx1">
+                    <a:lumMod val="50000"/>
+                    <a:lumOff val="50000"/>
+                  </a:schemeClr>
                 </a:solidFill>
               </a:defRPr>
             </a:lvl1pPr>
+            <a:lvl2pPr marL="457200" indent="0">
+              <a:buFontTx/>
+              <a:buNone/>
+              <a:defRPr/>
+            </a:lvl2pPr>
+            <a:lvl3pPr marL="914400" indent="0">
+              <a:buFontTx/>
+              <a:buNone/>
+              <a:defRPr/>
+            </a:lvl3pPr>
+            <a:lvl4pPr marL="1371600" indent="0">
+              <a:buFontTx/>
+              <a:buNone/>
+              <a:defRPr/>
+            </a:lvl4pPr>
+            <a:lvl5pPr marL="1828800" indent="0">
+              <a:buFontTx/>
+              <a:buNone/>
+              <a:defRPr/>
+            </a:lvl5pPr>
           </a:lstStyle>
           <a:p>
-            <a:r>
-              <a:rPr lang="en-US" smtClean="0"/>
-              <a:t>Click to edit Master title style</a:t>
-            </a:r>
-            <a:endParaRPr lang="en-US" dirty="0"/>
-          </a:p>
-        </p:txBody>
-      </p:sp>
-      <p:sp>
-        <p:nvSpPr>
-          <p:cNvPr id="10" name="Text Placeholder 9"/>
-          <p:cNvSpPr>
-            <a:spLocks noGrp="1"/>
-          </p:cNvSpPr>
-          <p:nvPr>
-            <p:ph type="body" sz="quarter" idx="13"/>
+            <a:pPr lvl="0"/>
+            <a:r>
+              <a:rPr lang="en-US" smtClean="0"/>
+              <a:t>Click to edit Master text styles</a:t>
+            </a:r>
+          </a:p>
+        </p:txBody>
+      </p:sp>
+      <p:sp>
+        <p:nvSpPr>
+          <p:cNvPr id="3" name="Text Placeholder 2"/>
+          <p:cNvSpPr>
+            <a:spLocks noGrp="1"/>
+          </p:cNvSpPr>
+          <p:nvPr>
+            <p:ph type="body" idx="1"/>
           </p:nvPr>
         </p:nvSpPr>
         <p:spPr>
           <a:xfrm>
-            <a:off x="1674812" y="3352800"/>
-            <a:ext cx="8839202" cy="584200"/>
+            <a:off x="2589212" y="4354046"/>
+            <a:ext cx="8915399" cy="1555864"/>
           </a:xfrm>
         </p:spPr>
         <p:txBody>
@@ -1195,67 +932,14 @@
             <a:normAutofit/>
           </a:bodyPr>
           <a:lstStyle>
-            <a:lvl1pPr marL="0" indent="0" algn="r">
-              <a:buFontTx/>
-              <a:buNone/>
-              <a:defRPr sz="2000"/>
-            </a:lvl1pPr>
-            <a:lvl2pPr marL="457200" indent="0">
-              <a:buFontTx/>
-              <a:buNone/>
-              <a:defRPr/>
-            </a:lvl2pPr>
-            <a:lvl3pPr marL="914400" indent="0">
-              <a:buFontTx/>
-              <a:buNone/>
-              <a:defRPr/>
-            </a:lvl3pPr>
-            <a:lvl4pPr marL="1371600" indent="0">
-              <a:buFontTx/>
-              <a:buNone/>
-              <a:defRPr/>
-            </a:lvl4pPr>
-            <a:lvl5pPr marL="1828800" indent="0">
-              <a:buFontTx/>
-              <a:buNone/>
-              <a:defRPr/>
-            </a:lvl5pPr>
-          </a:lstStyle>
-          <a:p>
-            <a:pPr lvl="0"/>
-            <a:r>
-              <a:rPr lang="en-US" smtClean="0"/>
-              <a:t>Click to edit Master text styles</a:t>
-            </a:r>
-          </a:p>
-        </p:txBody>
-      </p:sp>
-      <p:sp>
-        <p:nvSpPr>
-          <p:cNvPr id="3" name="Text Placeholder 2"/>
-          <p:cNvSpPr>
-            <a:spLocks noGrp="1"/>
-          </p:cNvSpPr>
-          <p:nvPr>
-            <p:ph type="body" idx="1"/>
-          </p:nvPr>
-        </p:nvSpPr>
-        <p:spPr>
-          <a:xfrm>
-            <a:off x="1295401" y="4343399"/>
-            <a:ext cx="9609666" cy="1532467"/>
-          </a:xfrm>
-        </p:spPr>
-        <p:txBody>
-          <a:bodyPr anchor="ctr">
-            <a:normAutofit/>
-          </a:bodyPr>
-          <a:lstStyle>
-            <a:lvl1pPr marL="0" indent="0" algn="ctr">
-              <a:buNone/>
-              <a:defRPr sz="2000">
+            <a:lvl1pPr marL="0" indent="0" algn="l">
+              <a:buNone/>
+              <a:defRPr sz="1800">
                 <a:solidFill>
-                  <a:schemeClr val="tx1"/>
+                  <a:schemeClr val="tx1">
+                    <a:lumMod val="65000"/>
+                    <a:lumOff val="35000"/>
+                  </a:schemeClr>
                 </a:solidFill>
               </a:defRPr>
             </a:lvl1pPr>
@@ -1367,7 +1051,7 @@
             <a:fld id="{B61BEF0D-F0BB-DE4B-95CE-6DB70DBA9567}" type="datetimeFigureOut">
               <a:rPr lang="en-US" smtClean="0"/>
               <a:pPr/>
-              <a:t>19-Oct-23</a:t>
+              <a:t>29-Oct-23</a:t>
             </a:fld>
             <a:endParaRPr lang="en-US" dirty="0"/>
           </a:p>
@@ -1394,6 +1078,88 @@
       </p:sp>
       <p:sp>
         <p:nvSpPr>
+          <p:cNvPr id="11" name="Freeform 11"/>
+          <p:cNvSpPr/>
+          <p:nvPr/>
+        </p:nvSpPr>
+        <p:spPr bwMode="auto">
+          <a:xfrm flipV="1">
+            <a:off x="-4189" y="3178175"/>
+            <a:ext cx="1588527" cy="507297"/>
+          </a:xfrm>
+          <a:custGeom>
+            <a:avLst/>
+            <a:gdLst/>
+            <a:ahLst/>
+            <a:cxnLst/>
+            <a:rect l="l" t="t" r="r" b="b"/>
+            <a:pathLst>
+              <a:path w="9248" h="10000">
+                <a:moveTo>
+                  <a:pt x="9248" y="4701"/>
+                </a:moveTo>
+                <a:lnTo>
+                  <a:pt x="7915" y="188"/>
+                </a:lnTo>
+                <a:cubicBezTo>
+                  <a:pt x="7906" y="156"/>
+                  <a:pt x="7895" y="126"/>
+                  <a:pt x="7886" y="94"/>
+                </a:cubicBezTo>
+                <a:cubicBezTo>
+                  <a:pt x="7859" y="0"/>
+                  <a:pt x="7831" y="0"/>
+                  <a:pt x="7803" y="0"/>
+                </a:cubicBezTo>
+                <a:lnTo>
+                  <a:pt x="7275" y="0"/>
+                </a:lnTo>
+                <a:lnTo>
+                  <a:pt x="0" y="70"/>
+                </a:lnTo>
+                <a:cubicBezTo>
+                  <a:pt x="8" y="3380"/>
+                  <a:pt x="17" y="6690"/>
+                  <a:pt x="25" y="10000"/>
+                </a:cubicBezTo>
+                <a:lnTo>
+                  <a:pt x="7275" y="9966"/>
+                </a:lnTo>
+                <a:lnTo>
+                  <a:pt x="7803" y="9966"/>
+                </a:lnTo>
+                <a:cubicBezTo>
+                  <a:pt x="7831" y="9966"/>
+                  <a:pt x="7859" y="9872"/>
+                  <a:pt x="7886" y="9872"/>
+                </a:cubicBezTo>
+                <a:cubicBezTo>
+                  <a:pt x="7886" y="9778"/>
+                  <a:pt x="7915" y="9778"/>
+                  <a:pt x="7915" y="9778"/>
+                </a:cubicBezTo>
+                <a:lnTo>
+                  <a:pt x="9248" y="5265"/>
+                </a:lnTo>
+                <a:cubicBezTo>
+                  <a:pt x="9303" y="5077"/>
+                  <a:pt x="9303" y="4889"/>
+                  <a:pt x="9248" y="4701"/>
+                </a:cubicBezTo>
+                <a:close/>
+              </a:path>
+            </a:pathLst>
+          </a:custGeom>
+          <a:solidFill>
+            <a:schemeClr val="accent1"/>
+          </a:solidFill>
+          <a:ln>
+            <a:noFill/>
+          </a:ln>
+        </p:spPr>
+      </p:sp>
+      <p:sp>
+        <p:nvSpPr>
           <p:cNvPr id="6" name="Slide Number Placeholder 5"/>
           <p:cNvSpPr>
             <a:spLocks noGrp="1"/>
@@ -1402,7 +1168,12 @@
             <p:ph type="sldNum" sz="quarter" idx="12"/>
           </p:nvPr>
         </p:nvSpPr>
-        <p:spPr/>
+        <p:spPr>
+          <a:xfrm>
+            <a:off x="531812" y="3244139"/>
+            <a:ext cx="779767" cy="365125"/>
+          </a:xfrm>
+        </p:spPr>
         <p:txBody>
           <a:bodyPr/>
           <a:lstStyle/>
@@ -1424,7 +1195,7 @@
         </p:nvSpPr>
         <p:spPr>
           <a:xfrm>
-            <a:off x="862013" y="879961"/>
+            <a:off x="2467652" y="648005"/>
             <a:ext cx="609600" cy="584776"/>
           </a:xfrm>
           <a:prstGeom prst="rect">
@@ -1439,11 +1210,15 @@
           <a:p>
             <a:pPr lvl="0"/>
             <a:r>
-              <a:rPr lang="en-US" sz="8000" dirty="0">
+              <a:rPr lang="en-US" sz="8000" baseline="0" dirty="0">
+                <a:ln w="3175" cmpd="sng">
+                  <a:noFill/>
+                </a:ln>
                 <a:solidFill>
-                  <a:schemeClr val="tx1"/>
+                  <a:schemeClr val="accent1"/>
                 </a:solidFill>
                 <a:effectLst/>
+                <a:latin typeface="Arial"/>
               </a:rPr>
               <a:t>“</a:t>
             </a:r>
@@ -1458,7 +1233,7 @@
         </p:nvSpPr>
         <p:spPr>
           <a:xfrm>
-            <a:off x="10600267" y="2827870"/>
+            <a:off x="11114852" y="2905306"/>
             <a:ext cx="609600" cy="584776"/>
           </a:xfrm>
           <a:prstGeom prst="rect">
@@ -1471,54 +1246,27 @@
           </a:bodyPr>
           <a:lstStyle/>
           <a:p>
-            <a:pPr lvl="0" algn="r"/>
-            <a:r>
-              <a:rPr lang="en-US" sz="8000" dirty="0">
+            <a:pPr lvl="0"/>
+            <a:r>
+              <a:rPr lang="en-US" sz="8000" baseline="0" dirty="0">
+                <a:ln w="3175" cmpd="sng">
+                  <a:noFill/>
+                </a:ln>
                 <a:solidFill>
-                  <a:schemeClr val="tx1"/>
+                  <a:schemeClr val="accent1"/>
                 </a:solidFill>
                 <a:effectLst/>
+                <a:latin typeface="Arial"/>
               </a:rPr>
               <a:t>”</a:t>
             </a:r>
           </a:p>
         </p:txBody>
       </p:sp>
-      <p:cxnSp>
-        <p:nvCxnSpPr>
-          <p:cNvPr id="19" name="Straight Connector 18"/>
-          <p:cNvCxnSpPr/>
-          <p:nvPr/>
-        </p:nvCxnSpPr>
-        <p:spPr>
-          <a:xfrm>
-            <a:off x="1396169" y="4140199"/>
-            <a:ext cx="9407298" cy="0"/>
-          </a:xfrm>
-          <a:prstGeom prst="line">
-            <a:avLst/>
-          </a:prstGeom>
-          <a:ln w="15875"/>
-        </p:spPr>
-        <p:style>
-          <a:lnRef idx="2">
-            <a:schemeClr val="accent1"/>
-          </a:lnRef>
-          <a:fillRef idx="0">
-            <a:schemeClr val="accent1"/>
-          </a:fillRef>
-          <a:effectRef idx="1">
-            <a:schemeClr val="accent1"/>
-          </a:effectRef>
-          <a:fontRef idx="minor">
-            <a:schemeClr val="tx1"/>
-          </a:fontRef>
-        </p:style>
-      </p:cxnSp>
     </p:spTree>
     <p:extLst>
       <p:ext uri="{BB962C8B-B14F-4D97-AF65-F5344CB8AC3E}">
-        <p14:creationId xmlns:p14="http://schemas.microsoft.com/office/powerpoint/2010/main" val="1258997435"/>
+        <p14:creationId xmlns:p14="http://schemas.microsoft.com/office/powerpoint/2010/main" val="3387413789"/>
       </p:ext>
     </p:extLst>
   </p:cSld>
@@ -1528,7 +1276,7 @@
 </p:sldLayout>
 </file>
 
-<file path=ppt/slideLayouts/slideLayout13.xml><?xml version="1.0" encoding="utf-8"?>
+<file path=ppt/slideLayouts/slideLayout12.xml><?xml version="1.0" encoding="utf-8"?>
 <p:sldLayout xmlns:a="http://schemas.openxmlformats.org/drawingml/2006/main" xmlns:r="http://schemas.openxmlformats.org/officeDocument/2006/relationships" xmlns:p="http://schemas.openxmlformats.org/presentationml/2006/main" preserve="1">
   <p:cSld name="Name Card">
     <p:spTree>
@@ -1557,8 +1305,8 @@
         </p:nvSpPr>
         <p:spPr>
           <a:xfrm>
-            <a:off x="1295402" y="3308581"/>
-            <a:ext cx="9609668" cy="1468800"/>
+            <a:off x="2589213" y="2438400"/>
+            <a:ext cx="8915400" cy="2724845"/>
           </a:xfrm>
         </p:spPr>
         <p:txBody>
@@ -1567,7 +1315,7 @@
           </a:bodyPr>
           <a:lstStyle>
             <a:lvl1pPr algn="l">
-              <a:defRPr sz="3200" b="0" cap="none"/>
+              <a:defRPr sz="4800" b="0"/>
             </a:lvl1pPr>
           </a:lstStyle>
           <a:p>
@@ -1581,116 +1329,41 @@
       </p:sp>
       <p:sp>
         <p:nvSpPr>
-          <p:cNvPr id="3" name="Text Placeholder 2"/>
-          <p:cNvSpPr>
-            <a:spLocks noGrp="1"/>
-          </p:cNvSpPr>
-          <p:nvPr>
-            <p:ph type="body" idx="1"/>
+          <p:cNvPr id="4" name="Text Placeholder 3"/>
+          <p:cNvSpPr>
+            <a:spLocks noGrp="1"/>
+          </p:cNvSpPr>
+          <p:nvPr>
+            <p:ph type="body" sz="half" idx="2"/>
           </p:nvPr>
         </p:nvSpPr>
         <p:spPr>
           <a:xfrm>
-            <a:off x="1295401" y="4777381"/>
-            <a:ext cx="9609668" cy="860400"/>
+            <a:off x="2589213" y="5181600"/>
+            <a:ext cx="8915400" cy="729622"/>
           </a:xfrm>
         </p:spPr>
         <p:txBody>
-          <a:bodyPr anchor="t">
+          <a:bodyPr vert="horz" lIns="91440" tIns="45720" rIns="91440" bIns="45720" rtlCol="0" anchor="t">
             <a:normAutofit/>
           </a:bodyPr>
           <a:lstStyle>
-            <a:lvl1pPr marL="0" indent="0" algn="l">
-              <a:buNone/>
-              <a:defRPr sz="2000">
+            <a:lvl1pPr>
+              <a:buNone/>
+              <a:defRPr lang="en-US">
                 <a:solidFill>
-                  <a:schemeClr val="tx1"/>
+                  <a:schemeClr val="tx1">
+                    <a:lumMod val="65000"/>
+                    <a:lumOff val="35000"/>
+                  </a:schemeClr>
                 </a:solidFill>
               </a:defRPr>
             </a:lvl1pPr>
-            <a:lvl2pPr marL="457200" indent="0">
-              <a:buNone/>
-              <a:defRPr sz="1800">
-                <a:solidFill>
-                  <a:schemeClr val="tx1">
-                    <a:tint val="75000"/>
-                  </a:schemeClr>
-                </a:solidFill>
-              </a:defRPr>
-            </a:lvl2pPr>
-            <a:lvl3pPr marL="914400" indent="0">
-              <a:buNone/>
-              <a:defRPr sz="1600">
-                <a:solidFill>
-                  <a:schemeClr val="tx1">
-                    <a:tint val="75000"/>
-                  </a:schemeClr>
-                </a:solidFill>
-              </a:defRPr>
-            </a:lvl3pPr>
-            <a:lvl4pPr marL="1371600" indent="0">
-              <a:buNone/>
-              <a:defRPr sz="1400">
-                <a:solidFill>
-                  <a:schemeClr val="tx1">
-                    <a:tint val="75000"/>
-                  </a:schemeClr>
-                </a:solidFill>
-              </a:defRPr>
-            </a:lvl4pPr>
-            <a:lvl5pPr marL="1828800" indent="0">
-              <a:buNone/>
-              <a:defRPr sz="1400">
-                <a:solidFill>
-                  <a:schemeClr val="tx1">
-                    <a:tint val="75000"/>
-                  </a:schemeClr>
-                </a:solidFill>
-              </a:defRPr>
-            </a:lvl5pPr>
-            <a:lvl6pPr marL="2286000" indent="0">
-              <a:buNone/>
-              <a:defRPr sz="1400">
-                <a:solidFill>
-                  <a:schemeClr val="tx1">
-                    <a:tint val="75000"/>
-                  </a:schemeClr>
-                </a:solidFill>
-              </a:defRPr>
-            </a:lvl6pPr>
-            <a:lvl7pPr marL="2743200" indent="0">
-              <a:buNone/>
-              <a:defRPr sz="1400">
-                <a:solidFill>
-                  <a:schemeClr val="tx1">
-                    <a:tint val="75000"/>
-                  </a:schemeClr>
-                </a:solidFill>
-              </a:defRPr>
-            </a:lvl7pPr>
-            <a:lvl8pPr marL="3200400" indent="0">
-              <a:buNone/>
-              <a:defRPr sz="1400">
-                <a:solidFill>
-                  <a:schemeClr val="tx1">
-                    <a:tint val="75000"/>
-                  </a:schemeClr>
-                </a:solidFill>
-              </a:defRPr>
-            </a:lvl8pPr>
-            <a:lvl9pPr marL="3657600" indent="0">
-              <a:buNone/>
-              <a:defRPr sz="1400">
-                <a:solidFill>
-                  <a:schemeClr val="tx1">
-                    <a:tint val="75000"/>
-                  </a:schemeClr>
-                </a:solidFill>
-              </a:defRPr>
-            </a:lvl9pPr>
           </a:lstStyle>
           <a:p>
-            <a:pPr lvl="0"/>
+            <a:pPr marL="0" lvl="0" indent="0">
+              <a:buNone/>
+            </a:pPr>
             <a:r>
               <a:rPr lang="en-US" smtClean="0"/>
               <a:t>Click to edit Master text styles</a:t>
@@ -1700,7 +1373,7 @@
       </p:sp>
       <p:sp>
         <p:nvSpPr>
-          <p:cNvPr id="4" name="Date Placeholder 3"/>
+          <p:cNvPr id="5" name="Date Placeholder 4"/>
           <p:cNvSpPr>
             <a:spLocks noGrp="1"/>
           </p:cNvSpPr>
@@ -1716,7 +1389,7 @@
             <a:fld id="{B61BEF0D-F0BB-DE4B-95CE-6DB70DBA9567}" type="datetimeFigureOut">
               <a:rPr lang="en-US" smtClean="0"/>
               <a:pPr/>
-              <a:t>19-Oct-23</a:t>
+              <a:t>29-Oct-23</a:t>
             </a:fld>
             <a:endParaRPr lang="en-US" dirty="0"/>
           </a:p>
@@ -1724,7 +1397,7 @@
       </p:sp>
       <p:sp>
         <p:nvSpPr>
-          <p:cNvPr id="5" name="Footer Placeholder 4"/>
+          <p:cNvPr id="6" name="Footer Placeholder 5"/>
           <p:cNvSpPr>
             <a:spLocks noGrp="1"/>
           </p:cNvSpPr>
@@ -1743,7 +1416,89 @@
       </p:sp>
       <p:sp>
         <p:nvSpPr>
-          <p:cNvPr id="6" name="Slide Number Placeholder 5"/>
+          <p:cNvPr id="9" name="Freeform 11"/>
+          <p:cNvSpPr/>
+          <p:nvPr/>
+        </p:nvSpPr>
+        <p:spPr bwMode="auto">
+          <a:xfrm flipV="1">
+            <a:off x="-4189" y="4911725"/>
+            <a:ext cx="1588527" cy="507297"/>
+          </a:xfrm>
+          <a:custGeom>
+            <a:avLst/>
+            <a:gdLst/>
+            <a:ahLst/>
+            <a:cxnLst/>
+            <a:rect l="l" t="t" r="r" b="b"/>
+            <a:pathLst>
+              <a:path w="9248" h="10000">
+                <a:moveTo>
+                  <a:pt x="9248" y="4701"/>
+                </a:moveTo>
+                <a:lnTo>
+                  <a:pt x="7915" y="188"/>
+                </a:lnTo>
+                <a:cubicBezTo>
+                  <a:pt x="7906" y="156"/>
+                  <a:pt x="7895" y="126"/>
+                  <a:pt x="7886" y="94"/>
+                </a:cubicBezTo>
+                <a:cubicBezTo>
+                  <a:pt x="7859" y="0"/>
+                  <a:pt x="7831" y="0"/>
+                  <a:pt x="7803" y="0"/>
+                </a:cubicBezTo>
+                <a:lnTo>
+                  <a:pt x="7275" y="0"/>
+                </a:lnTo>
+                <a:lnTo>
+                  <a:pt x="0" y="70"/>
+                </a:lnTo>
+                <a:cubicBezTo>
+                  <a:pt x="8" y="3380"/>
+                  <a:pt x="17" y="6690"/>
+                  <a:pt x="25" y="10000"/>
+                </a:cubicBezTo>
+                <a:lnTo>
+                  <a:pt x="7275" y="9966"/>
+                </a:lnTo>
+                <a:lnTo>
+                  <a:pt x="7803" y="9966"/>
+                </a:lnTo>
+                <a:cubicBezTo>
+                  <a:pt x="7831" y="9966"/>
+                  <a:pt x="7859" y="9872"/>
+                  <a:pt x="7886" y="9872"/>
+                </a:cubicBezTo>
+                <a:cubicBezTo>
+                  <a:pt x="7886" y="9778"/>
+                  <a:pt x="7915" y="9778"/>
+                  <a:pt x="7915" y="9778"/>
+                </a:cubicBezTo>
+                <a:lnTo>
+                  <a:pt x="9248" y="5265"/>
+                </a:lnTo>
+                <a:cubicBezTo>
+                  <a:pt x="9303" y="5077"/>
+                  <a:pt x="9303" y="4889"/>
+                  <a:pt x="9248" y="4701"/>
+                </a:cubicBezTo>
+                <a:close/>
+              </a:path>
+            </a:pathLst>
+          </a:custGeom>
+          <a:solidFill>
+            <a:schemeClr val="accent1"/>
+          </a:solidFill>
+          <a:ln>
+            <a:noFill/>
+          </a:ln>
+        </p:spPr>
+      </p:sp>
+      <p:sp>
+        <p:nvSpPr>
+          <p:cNvPr id="7" name="Slide Number Placeholder 6"/>
           <p:cNvSpPr>
             <a:spLocks noGrp="1"/>
           </p:cNvSpPr>
@@ -1751,7 +1506,12 @@
             <p:ph type="sldNum" sz="quarter" idx="12"/>
           </p:nvPr>
         </p:nvSpPr>
-        <p:spPr/>
+        <p:spPr>
+          <a:xfrm>
+            <a:off x="531812" y="4983087"/>
+            <a:ext cx="779767" cy="365125"/>
+          </a:xfrm>
+        </p:spPr>
         <p:txBody>
           <a:bodyPr/>
           <a:lstStyle/>
@@ -1768,7 +1528,7 @@
     </p:spTree>
     <p:extLst>
       <p:ext uri="{BB962C8B-B14F-4D97-AF65-F5344CB8AC3E}">
-        <p14:creationId xmlns:p14="http://schemas.microsoft.com/office/powerpoint/2010/main" val="695679423"/>
+        <p14:creationId xmlns:p14="http://schemas.microsoft.com/office/powerpoint/2010/main" val="852325963"/>
       </p:ext>
     </p:extLst>
   </p:cSld>
@@ -1778,7 +1538,7 @@
 </p:sldLayout>
 </file>
 
-<file path=ppt/slideLayouts/slideLayout14.xml><?xml version="1.0" encoding="utf-8"?>
+<file path=ppt/slideLayouts/slideLayout13.xml><?xml version="1.0" encoding="utf-8"?>
 <p:sldLayout xmlns:a="http://schemas.openxmlformats.org/drawingml/2006/main" xmlns:r="http://schemas.openxmlformats.org/officeDocument/2006/relationships" xmlns:p="http://schemas.openxmlformats.org/presentationml/2006/main" preserve="1">
   <p:cSld name="Quote Name Card">
     <p:spTree>
@@ -1797,7 +1557,7 @@
       </p:grpSpPr>
       <p:sp>
         <p:nvSpPr>
-          <p:cNvPr id="2" name="Title 1"/>
+          <p:cNvPr id="12" name="Title 1"/>
           <p:cNvSpPr>
             <a:spLocks noGrp="1"/>
           </p:cNvSpPr>
@@ -1807,8 +1567,8 @@
         </p:nvSpPr>
         <p:spPr>
           <a:xfrm>
-            <a:off x="1446213" y="982132"/>
-            <a:ext cx="9296398" cy="2243668"/>
+            <a:off x="2849949" y="609600"/>
+            <a:ext cx="8393926" cy="2895600"/>
           </a:xfrm>
         </p:spPr>
         <p:txBody>
@@ -1816,318 +1576,264 @@
             <a:normAutofit/>
           </a:bodyPr>
           <a:lstStyle>
-            <a:lvl1pPr algn="ctr">
-              <a:defRPr sz="3200" b="0" cap="none">
+            <a:lvl1pPr algn="l">
+              <a:defRPr sz="4800" b="0" cap="none"/>
+            </a:lvl1pPr>
+          </a:lstStyle>
+          <a:p>
+            <a:r>
+              <a:rPr lang="en-US" smtClean="0"/>
+              <a:t>Click to edit Master title style</a:t>
+            </a:r>
+            <a:endParaRPr lang="en-US" dirty="0"/>
+          </a:p>
+        </p:txBody>
+      </p:sp>
+      <p:sp>
+        <p:nvSpPr>
+          <p:cNvPr id="21" name="Text Placeholder 9"/>
+          <p:cNvSpPr>
+            <a:spLocks noGrp="1"/>
+          </p:cNvSpPr>
+          <p:nvPr>
+            <p:ph type="body" sz="quarter" idx="13"/>
+          </p:nvPr>
+        </p:nvSpPr>
+        <p:spPr>
+          <a:xfrm>
+            <a:off x="2589212" y="4343400"/>
+            <a:ext cx="8915400" cy="838200"/>
+          </a:xfrm>
+        </p:spPr>
+        <p:txBody>
+          <a:bodyPr anchor="b">
+            <a:noAutofit/>
+          </a:bodyPr>
+          <a:lstStyle>
+            <a:lvl1pPr marL="0" indent="0">
+              <a:buFontTx/>
+              <a:buNone/>
+              <a:defRPr sz="2400">
                 <a:solidFill>
-                  <a:schemeClr val="tx1"/>
+                  <a:schemeClr val="accent1"/>
+                </a:solidFill>
+              </a:defRPr>
+            </a:lvl1pPr>
+            <a:lvl2pPr marL="457200" indent="0">
+              <a:buFontTx/>
+              <a:buNone/>
+              <a:defRPr/>
+            </a:lvl2pPr>
+            <a:lvl3pPr marL="914400" indent="0">
+              <a:buFontTx/>
+              <a:buNone/>
+              <a:defRPr/>
+            </a:lvl3pPr>
+            <a:lvl4pPr marL="1371600" indent="0">
+              <a:buFontTx/>
+              <a:buNone/>
+              <a:defRPr/>
+            </a:lvl4pPr>
+            <a:lvl5pPr marL="1828800" indent="0">
+              <a:buFontTx/>
+              <a:buNone/>
+              <a:defRPr/>
+            </a:lvl5pPr>
+          </a:lstStyle>
+          <a:p>
+            <a:pPr lvl="0"/>
+            <a:r>
+              <a:rPr lang="en-US" smtClean="0"/>
+              <a:t>Click to edit Master text styles</a:t>
+            </a:r>
+          </a:p>
+        </p:txBody>
+      </p:sp>
+      <p:sp>
+        <p:nvSpPr>
+          <p:cNvPr id="4" name="Text Placeholder 3"/>
+          <p:cNvSpPr>
+            <a:spLocks noGrp="1"/>
+          </p:cNvSpPr>
+          <p:nvPr>
+            <p:ph type="body" sz="half" idx="2"/>
+          </p:nvPr>
+        </p:nvSpPr>
+        <p:spPr>
+          <a:xfrm>
+            <a:off x="2589213" y="5181600"/>
+            <a:ext cx="8915400" cy="729622"/>
+          </a:xfrm>
+        </p:spPr>
+        <p:txBody>
+          <a:bodyPr vert="horz" lIns="91440" tIns="45720" rIns="91440" bIns="45720" rtlCol="0" anchor="t">
+            <a:normAutofit/>
+          </a:bodyPr>
+          <a:lstStyle>
+            <a:lvl1pPr>
+              <a:buNone/>
+              <a:defRPr lang="en-US">
+                <a:solidFill>
+                  <a:schemeClr val="tx1">
+                    <a:lumMod val="65000"/>
+                    <a:lumOff val="35000"/>
+                  </a:schemeClr>
                 </a:solidFill>
               </a:defRPr>
             </a:lvl1pPr>
           </a:lstStyle>
           <a:p>
-            <a:r>
-              <a:rPr lang="en-US" smtClean="0"/>
-              <a:t>Click to edit Master title style</a:t>
-            </a:r>
+            <a:pPr marL="0" lvl="0" indent="0">
+              <a:buNone/>
+            </a:pPr>
+            <a:r>
+              <a:rPr lang="en-US" smtClean="0"/>
+              <a:t>Click to edit Master text styles</a:t>
+            </a:r>
+          </a:p>
+        </p:txBody>
+      </p:sp>
+      <p:sp>
+        <p:nvSpPr>
+          <p:cNvPr id="5" name="Date Placeholder 4"/>
+          <p:cNvSpPr>
+            <a:spLocks noGrp="1"/>
+          </p:cNvSpPr>
+          <p:nvPr>
+            <p:ph type="dt" sz="half" idx="10"/>
+          </p:nvPr>
+        </p:nvSpPr>
+        <p:spPr/>
+        <p:txBody>
+          <a:bodyPr/>
+          <a:lstStyle/>
+          <a:p>
+            <a:fld id="{B61BEF0D-F0BB-DE4B-95CE-6DB70DBA9567}" type="datetimeFigureOut">
+              <a:rPr lang="en-US" smtClean="0"/>
+              <a:pPr/>
+              <a:t>29-Oct-23</a:t>
+            </a:fld>
             <a:endParaRPr lang="en-US" dirty="0"/>
           </a:p>
         </p:txBody>
       </p:sp>
       <p:sp>
         <p:nvSpPr>
-          <p:cNvPr id="23" name="Text Placeholder 2"/>
-          <p:cNvSpPr>
-            <a:spLocks noGrp="1"/>
-          </p:cNvSpPr>
-          <p:nvPr>
-            <p:ph type="body" idx="13"/>
+          <p:cNvPr id="6" name="Footer Placeholder 5"/>
+          <p:cNvSpPr>
+            <a:spLocks noGrp="1"/>
+          </p:cNvSpPr>
+          <p:nvPr>
+            <p:ph type="ftr" sz="quarter" idx="11"/>
+          </p:nvPr>
+        </p:nvSpPr>
+        <p:spPr/>
+        <p:txBody>
+          <a:bodyPr/>
+          <a:lstStyle/>
+          <a:p>
+            <a:endParaRPr lang="en-US" dirty="0"/>
+          </a:p>
+        </p:txBody>
+      </p:sp>
+      <p:sp>
+        <p:nvSpPr>
+          <p:cNvPr id="11" name="Freeform 11"/>
+          <p:cNvSpPr/>
+          <p:nvPr/>
+        </p:nvSpPr>
+        <p:spPr bwMode="auto">
+          <a:xfrm flipV="1">
+            <a:off x="-4189" y="4911725"/>
+            <a:ext cx="1588527" cy="507297"/>
+          </a:xfrm>
+          <a:custGeom>
+            <a:avLst/>
+            <a:gdLst/>
+            <a:ahLst/>
+            <a:cxnLst/>
+            <a:rect l="l" t="t" r="r" b="b"/>
+            <a:pathLst>
+              <a:path w="9248" h="10000">
+                <a:moveTo>
+                  <a:pt x="9248" y="4701"/>
+                </a:moveTo>
+                <a:lnTo>
+                  <a:pt x="7915" y="188"/>
+                </a:lnTo>
+                <a:cubicBezTo>
+                  <a:pt x="7906" y="156"/>
+                  <a:pt x="7895" y="126"/>
+                  <a:pt x="7886" y="94"/>
+                </a:cubicBezTo>
+                <a:cubicBezTo>
+                  <a:pt x="7859" y="0"/>
+                  <a:pt x="7831" y="0"/>
+                  <a:pt x="7803" y="0"/>
+                </a:cubicBezTo>
+                <a:lnTo>
+                  <a:pt x="7275" y="0"/>
+                </a:lnTo>
+                <a:lnTo>
+                  <a:pt x="0" y="70"/>
+                </a:lnTo>
+                <a:cubicBezTo>
+                  <a:pt x="8" y="3380"/>
+                  <a:pt x="17" y="6690"/>
+                  <a:pt x="25" y="10000"/>
+                </a:cubicBezTo>
+                <a:lnTo>
+                  <a:pt x="7275" y="9966"/>
+                </a:lnTo>
+                <a:lnTo>
+                  <a:pt x="7803" y="9966"/>
+                </a:lnTo>
+                <a:cubicBezTo>
+                  <a:pt x="7831" y="9966"/>
+                  <a:pt x="7859" y="9872"/>
+                  <a:pt x="7886" y="9872"/>
+                </a:cubicBezTo>
+                <a:cubicBezTo>
+                  <a:pt x="7886" y="9778"/>
+                  <a:pt x="7915" y="9778"/>
+                  <a:pt x="7915" y="9778"/>
+                </a:cubicBezTo>
+                <a:lnTo>
+                  <a:pt x="9248" y="5265"/>
+                </a:lnTo>
+                <a:cubicBezTo>
+                  <a:pt x="9303" y="5077"/>
+                  <a:pt x="9303" y="4889"/>
+                  <a:pt x="9248" y="4701"/>
+                </a:cubicBezTo>
+                <a:close/>
+              </a:path>
+            </a:pathLst>
+          </a:custGeom>
+          <a:solidFill>
+            <a:schemeClr val="accent1"/>
+          </a:solidFill>
+          <a:ln>
+            <a:noFill/>
+          </a:ln>
+        </p:spPr>
+      </p:sp>
+      <p:sp>
+        <p:nvSpPr>
+          <p:cNvPr id="7" name="Slide Number Placeholder 6"/>
+          <p:cNvSpPr>
+            <a:spLocks noGrp="1"/>
+          </p:cNvSpPr>
+          <p:nvPr>
+            <p:ph type="sldNum" sz="quarter" idx="12"/>
           </p:nvPr>
         </p:nvSpPr>
         <p:spPr>
           <a:xfrm>
-            <a:off x="1295401" y="3639312"/>
-            <a:ext cx="9609668" cy="886968"/>
+            <a:off x="531812" y="4983087"/>
+            <a:ext cx="779767" cy="365125"/>
           </a:xfrm>
         </p:spPr>
-        <p:txBody>
-          <a:bodyPr anchor="b">
-            <a:normAutofit/>
-          </a:bodyPr>
-          <a:lstStyle>
-            <a:lvl1pPr marL="0" indent="0" algn="l">
-              <a:spcBef>
-                <a:spcPts val="0"/>
-              </a:spcBef>
-              <a:buNone/>
-              <a:defRPr sz="2400">
-                <a:solidFill>
-                  <a:schemeClr val="tx1"/>
-                </a:solidFill>
-              </a:defRPr>
-            </a:lvl1pPr>
-            <a:lvl2pPr marL="457200" indent="0">
-              <a:buNone/>
-              <a:defRPr sz="1800">
-                <a:solidFill>
-                  <a:schemeClr val="tx1">
-                    <a:tint val="75000"/>
-                  </a:schemeClr>
-                </a:solidFill>
-              </a:defRPr>
-            </a:lvl2pPr>
-            <a:lvl3pPr marL="914400" indent="0">
-              <a:buNone/>
-              <a:defRPr sz="1600">
-                <a:solidFill>
-                  <a:schemeClr val="tx1">
-                    <a:tint val="75000"/>
-                  </a:schemeClr>
-                </a:solidFill>
-              </a:defRPr>
-            </a:lvl3pPr>
-            <a:lvl4pPr marL="1371600" indent="0">
-              <a:buNone/>
-              <a:defRPr sz="1400">
-                <a:solidFill>
-                  <a:schemeClr val="tx1">
-                    <a:tint val="75000"/>
-                  </a:schemeClr>
-                </a:solidFill>
-              </a:defRPr>
-            </a:lvl4pPr>
-            <a:lvl5pPr marL="1828800" indent="0">
-              <a:buNone/>
-              <a:defRPr sz="1400">
-                <a:solidFill>
-                  <a:schemeClr val="tx1">
-                    <a:tint val="75000"/>
-                  </a:schemeClr>
-                </a:solidFill>
-              </a:defRPr>
-            </a:lvl5pPr>
-            <a:lvl6pPr marL="2286000" indent="0">
-              <a:buNone/>
-              <a:defRPr sz="1400">
-                <a:solidFill>
-                  <a:schemeClr val="tx1">
-                    <a:tint val="75000"/>
-                  </a:schemeClr>
-                </a:solidFill>
-              </a:defRPr>
-            </a:lvl6pPr>
-            <a:lvl7pPr marL="2743200" indent="0">
-              <a:buNone/>
-              <a:defRPr sz="1400">
-                <a:solidFill>
-                  <a:schemeClr val="tx1">
-                    <a:tint val="75000"/>
-                  </a:schemeClr>
-                </a:solidFill>
-              </a:defRPr>
-            </a:lvl7pPr>
-            <a:lvl8pPr marL="3200400" indent="0">
-              <a:buNone/>
-              <a:defRPr sz="1400">
-                <a:solidFill>
-                  <a:schemeClr val="tx1">
-                    <a:tint val="75000"/>
-                  </a:schemeClr>
-                </a:solidFill>
-              </a:defRPr>
-            </a:lvl8pPr>
-            <a:lvl9pPr marL="3657600" indent="0">
-              <a:buNone/>
-              <a:defRPr sz="1400">
-                <a:solidFill>
-                  <a:schemeClr val="tx1">
-                    <a:tint val="75000"/>
-                  </a:schemeClr>
-                </a:solidFill>
-              </a:defRPr>
-            </a:lvl9pPr>
-          </a:lstStyle>
-          <a:p>
-            <a:pPr lvl="0"/>
-            <a:r>
-              <a:rPr lang="en-US" smtClean="0"/>
-              <a:t>Click to edit Master text styles</a:t>
-            </a:r>
-          </a:p>
-        </p:txBody>
-      </p:sp>
-      <p:sp>
-        <p:nvSpPr>
-          <p:cNvPr id="3" name="Text Placeholder 2"/>
-          <p:cNvSpPr>
-            <a:spLocks noGrp="1"/>
-          </p:cNvSpPr>
-          <p:nvPr>
-            <p:ph type="body" idx="1"/>
-          </p:nvPr>
-        </p:nvSpPr>
-        <p:spPr>
-          <a:xfrm>
-            <a:off x="1295401" y="4529667"/>
-            <a:ext cx="9609668" cy="1346200"/>
-          </a:xfrm>
-        </p:spPr>
-        <p:txBody>
-          <a:bodyPr anchor="t">
-            <a:normAutofit/>
-          </a:bodyPr>
-          <a:lstStyle>
-            <a:lvl1pPr marL="0" indent="0" algn="l">
-              <a:buNone/>
-              <a:defRPr sz="1800">
-                <a:solidFill>
-                  <a:schemeClr val="tx1"/>
-                </a:solidFill>
-              </a:defRPr>
-            </a:lvl1pPr>
-            <a:lvl2pPr marL="457200" indent="0">
-              <a:buNone/>
-              <a:defRPr sz="1800">
-                <a:solidFill>
-                  <a:schemeClr val="tx1">
-                    <a:tint val="75000"/>
-                  </a:schemeClr>
-                </a:solidFill>
-              </a:defRPr>
-            </a:lvl2pPr>
-            <a:lvl3pPr marL="914400" indent="0">
-              <a:buNone/>
-              <a:defRPr sz="1600">
-                <a:solidFill>
-                  <a:schemeClr val="tx1">
-                    <a:tint val="75000"/>
-                  </a:schemeClr>
-                </a:solidFill>
-              </a:defRPr>
-            </a:lvl3pPr>
-            <a:lvl4pPr marL="1371600" indent="0">
-              <a:buNone/>
-              <a:defRPr sz="1400">
-                <a:solidFill>
-                  <a:schemeClr val="tx1">
-                    <a:tint val="75000"/>
-                  </a:schemeClr>
-                </a:solidFill>
-              </a:defRPr>
-            </a:lvl4pPr>
-            <a:lvl5pPr marL="1828800" indent="0">
-              <a:buNone/>
-              <a:defRPr sz="1400">
-                <a:solidFill>
-                  <a:schemeClr val="tx1">
-                    <a:tint val="75000"/>
-                  </a:schemeClr>
-                </a:solidFill>
-              </a:defRPr>
-            </a:lvl5pPr>
-            <a:lvl6pPr marL="2286000" indent="0">
-              <a:buNone/>
-              <a:defRPr sz="1400">
-                <a:solidFill>
-                  <a:schemeClr val="tx1">
-                    <a:tint val="75000"/>
-                  </a:schemeClr>
-                </a:solidFill>
-              </a:defRPr>
-            </a:lvl6pPr>
-            <a:lvl7pPr marL="2743200" indent="0">
-              <a:buNone/>
-              <a:defRPr sz="1400">
-                <a:solidFill>
-                  <a:schemeClr val="tx1">
-                    <a:tint val="75000"/>
-                  </a:schemeClr>
-                </a:solidFill>
-              </a:defRPr>
-            </a:lvl7pPr>
-            <a:lvl8pPr marL="3200400" indent="0">
-              <a:buNone/>
-              <a:defRPr sz="1400">
-                <a:solidFill>
-                  <a:schemeClr val="tx1">
-                    <a:tint val="75000"/>
-                  </a:schemeClr>
-                </a:solidFill>
-              </a:defRPr>
-            </a:lvl8pPr>
-            <a:lvl9pPr marL="3657600" indent="0">
-              <a:buNone/>
-              <a:defRPr sz="1400">
-                <a:solidFill>
-                  <a:schemeClr val="tx1">
-                    <a:tint val="75000"/>
-                  </a:schemeClr>
-                </a:solidFill>
-              </a:defRPr>
-            </a:lvl9pPr>
-          </a:lstStyle>
-          <a:p>
-            <a:pPr lvl="0"/>
-            <a:r>
-              <a:rPr lang="en-US" smtClean="0"/>
-              <a:t>Click to edit Master text styles</a:t>
-            </a:r>
-          </a:p>
-        </p:txBody>
-      </p:sp>
-      <p:sp>
-        <p:nvSpPr>
-          <p:cNvPr id="4" name="Date Placeholder 3"/>
-          <p:cNvSpPr>
-            <a:spLocks noGrp="1"/>
-          </p:cNvSpPr>
-          <p:nvPr>
-            <p:ph type="dt" sz="half" idx="10"/>
-          </p:nvPr>
-        </p:nvSpPr>
-        <p:spPr/>
-        <p:txBody>
-          <a:bodyPr/>
-          <a:lstStyle/>
-          <a:p>
-            <a:fld id="{B61BEF0D-F0BB-DE4B-95CE-6DB70DBA9567}" type="datetimeFigureOut">
-              <a:rPr lang="en-US" smtClean="0"/>
-              <a:pPr/>
-              <a:t>19-Oct-23</a:t>
-            </a:fld>
-            <a:endParaRPr lang="en-US" dirty="0"/>
-          </a:p>
-        </p:txBody>
-      </p:sp>
-      <p:sp>
-        <p:nvSpPr>
-          <p:cNvPr id="5" name="Footer Placeholder 4"/>
-          <p:cNvSpPr>
-            <a:spLocks noGrp="1"/>
-          </p:cNvSpPr>
-          <p:nvPr>
-            <p:ph type="ftr" sz="quarter" idx="11"/>
-          </p:nvPr>
-        </p:nvSpPr>
-        <p:spPr/>
-        <p:txBody>
-          <a:bodyPr/>
-          <a:lstStyle/>
-          <a:p>
-            <a:endParaRPr lang="en-US" dirty="0"/>
-          </a:p>
-        </p:txBody>
-      </p:sp>
-      <p:sp>
-        <p:nvSpPr>
-          <p:cNvPr id="6" name="Slide Number Placeholder 5"/>
-          <p:cNvSpPr>
-            <a:spLocks noGrp="1"/>
-          </p:cNvSpPr>
-          <p:nvPr>
-            <p:ph type="sldNum" sz="quarter" idx="12"/>
-          </p:nvPr>
-        </p:nvSpPr>
-        <p:spPr/>
         <p:txBody>
           <a:bodyPr/>
           <a:lstStyle/>
@@ -2143,13 +1849,13 @@
       </p:sp>
       <p:sp>
         <p:nvSpPr>
-          <p:cNvPr id="12" name="TextBox 11"/>
+          <p:cNvPr id="17" name="TextBox 16"/>
           <p:cNvSpPr txBox="1"/>
           <p:nvPr/>
         </p:nvSpPr>
         <p:spPr>
           <a:xfrm>
-            <a:off x="862013" y="879961"/>
+            <a:off x="2467652" y="648005"/>
             <a:ext cx="609600" cy="584776"/>
           </a:xfrm>
           <a:prstGeom prst="rect">
@@ -2164,11 +1870,15 @@
           <a:p>
             <a:pPr lvl="0"/>
             <a:r>
-              <a:rPr lang="en-US" sz="8000" dirty="0">
+              <a:rPr lang="en-US" sz="8000" baseline="0" dirty="0">
+                <a:ln w="3175" cmpd="sng">
+                  <a:noFill/>
+                </a:ln>
                 <a:solidFill>
-                  <a:schemeClr val="tx1"/>
+                  <a:schemeClr val="accent1"/>
                 </a:solidFill>
                 <a:effectLst/>
+                <a:latin typeface="Arial"/>
               </a:rPr>
               <a:t>“</a:t>
             </a:r>
@@ -2177,13 +1887,13 @@
       </p:sp>
       <p:sp>
         <p:nvSpPr>
-          <p:cNvPr id="13" name="TextBox 12"/>
+          <p:cNvPr id="18" name="TextBox 17"/>
           <p:cNvSpPr txBox="1"/>
           <p:nvPr/>
         </p:nvSpPr>
         <p:spPr>
           <a:xfrm>
-            <a:off x="10600267" y="2599261"/>
+            <a:off x="11114852" y="2905306"/>
             <a:ext cx="609600" cy="584776"/>
           </a:xfrm>
           <a:prstGeom prst="rect">
@@ -2196,54 +1906,27 @@
           </a:bodyPr>
           <a:lstStyle/>
           <a:p>
-            <a:pPr lvl="0" algn="r"/>
-            <a:r>
-              <a:rPr lang="en-US" sz="8000" dirty="0">
+            <a:pPr lvl="0"/>
+            <a:r>
+              <a:rPr lang="en-US" sz="8000" baseline="0" dirty="0">
+                <a:ln w="3175" cmpd="sng">
+                  <a:noFill/>
+                </a:ln>
                 <a:solidFill>
-                  <a:schemeClr val="tx1"/>
+                  <a:schemeClr val="accent1"/>
                 </a:solidFill>
                 <a:effectLst/>
+                <a:latin typeface="Arial"/>
               </a:rPr>
               <a:t>”</a:t>
             </a:r>
           </a:p>
         </p:txBody>
       </p:sp>
-      <p:cxnSp>
-        <p:nvCxnSpPr>
-          <p:cNvPr id="26" name="Straight Connector 25"/>
-          <p:cNvCxnSpPr/>
-          <p:nvPr/>
-        </p:nvCxnSpPr>
-        <p:spPr>
-          <a:xfrm>
-            <a:off x="1396169" y="3429000"/>
-            <a:ext cx="9407298" cy="0"/>
-          </a:xfrm>
-          <a:prstGeom prst="line">
-            <a:avLst/>
-          </a:prstGeom>
-          <a:ln w="15875"/>
-        </p:spPr>
-        <p:style>
-          <a:lnRef idx="2">
-            <a:schemeClr val="accent1"/>
-          </a:lnRef>
-          <a:fillRef idx="0">
-            <a:schemeClr val="accent1"/>
-          </a:fillRef>
-          <a:effectRef idx="1">
-            <a:schemeClr val="accent1"/>
-          </a:effectRef>
-          <a:fontRef idx="minor">
-            <a:schemeClr val="tx1"/>
-          </a:fontRef>
-        </p:style>
-      </p:cxnSp>
     </p:spTree>
     <p:extLst>
       <p:ext uri="{BB962C8B-B14F-4D97-AF65-F5344CB8AC3E}">
-        <p14:creationId xmlns:p14="http://schemas.microsoft.com/office/powerpoint/2010/main" val="502695058"/>
+        <p14:creationId xmlns:p14="http://schemas.microsoft.com/office/powerpoint/2010/main" val="1780960675"/>
       </p:ext>
     </p:extLst>
   </p:cSld>
@@ -2253,7 +1936,7 @@
 </p:sldLayout>
 </file>
 
-<file path=ppt/slideLayouts/slideLayout15.xml><?xml version="1.0" encoding="utf-8"?>
+<file path=ppt/slideLayouts/slideLayout14.xml><?xml version="1.0" encoding="utf-8"?>
 <p:sldLayout xmlns:a="http://schemas.openxmlformats.org/drawingml/2006/main" xmlns:r="http://schemas.openxmlformats.org/officeDocument/2006/relationships" xmlns:p="http://schemas.openxmlformats.org/presentationml/2006/main" preserve="1">
   <p:cSld name="True or False">
     <p:spTree>
@@ -2282,144 +1965,125 @@
         </p:nvSpPr>
         <p:spPr>
           <a:xfrm>
-            <a:off x="1295401" y="982132"/>
-            <a:ext cx="9609666" cy="2243668"/>
+            <a:off x="2589212" y="627407"/>
+            <a:ext cx="8915399" cy="2880020"/>
           </a:xfrm>
         </p:spPr>
         <p:txBody>
-          <a:bodyPr vert="horz" lIns="91440" tIns="45720" rIns="91440" bIns="45720" rtlCol="0" anchor="ctr">
+          <a:bodyPr anchor="ctr">
+            <a:normAutofit/>
+          </a:bodyPr>
+          <a:lstStyle>
+            <a:lvl1pPr algn="l">
+              <a:defRPr sz="4800" b="0"/>
+            </a:lvl1pPr>
+          </a:lstStyle>
+          <a:p>
+            <a:r>
+              <a:rPr lang="en-US" smtClean="0"/>
+              <a:t>Click to edit Master title style</a:t>
+            </a:r>
+            <a:endParaRPr lang="en-US" dirty="0"/>
+          </a:p>
+        </p:txBody>
+      </p:sp>
+      <p:sp>
+        <p:nvSpPr>
+          <p:cNvPr id="21" name="Text Placeholder 9"/>
+          <p:cNvSpPr>
+            <a:spLocks noGrp="1"/>
+          </p:cNvSpPr>
+          <p:nvPr>
+            <p:ph type="body" sz="quarter" idx="13"/>
+          </p:nvPr>
+        </p:nvSpPr>
+        <p:spPr>
+          <a:xfrm>
+            <a:off x="2589212" y="4343400"/>
+            <a:ext cx="8915400" cy="838200"/>
+          </a:xfrm>
+        </p:spPr>
+        <p:txBody>
+          <a:bodyPr anchor="b">
+            <a:noAutofit/>
+          </a:bodyPr>
+          <a:lstStyle>
+            <a:lvl1pPr marL="0" indent="0">
+              <a:buFontTx/>
+              <a:buNone/>
+              <a:defRPr sz="2400">
+                <a:solidFill>
+                  <a:schemeClr val="accent1"/>
+                </a:solidFill>
+              </a:defRPr>
+            </a:lvl1pPr>
+            <a:lvl2pPr marL="457200" indent="0">
+              <a:buFontTx/>
+              <a:buNone/>
+              <a:defRPr/>
+            </a:lvl2pPr>
+            <a:lvl3pPr marL="914400" indent="0">
+              <a:buFontTx/>
+              <a:buNone/>
+              <a:defRPr/>
+            </a:lvl3pPr>
+            <a:lvl4pPr marL="1371600" indent="0">
+              <a:buFontTx/>
+              <a:buNone/>
+              <a:defRPr/>
+            </a:lvl4pPr>
+            <a:lvl5pPr marL="1828800" indent="0">
+              <a:buFontTx/>
+              <a:buNone/>
+              <a:defRPr/>
+            </a:lvl5pPr>
+          </a:lstStyle>
+          <a:p>
+            <a:pPr lvl="0"/>
+            <a:r>
+              <a:rPr lang="en-US" smtClean="0"/>
+              <a:t>Click to edit Master text styles</a:t>
+            </a:r>
+          </a:p>
+        </p:txBody>
+      </p:sp>
+      <p:sp>
+        <p:nvSpPr>
+          <p:cNvPr id="4" name="Text Placeholder 3"/>
+          <p:cNvSpPr>
+            <a:spLocks noGrp="1"/>
+          </p:cNvSpPr>
+          <p:nvPr>
+            <p:ph type="body" sz="half" idx="2"/>
+          </p:nvPr>
+        </p:nvSpPr>
+        <p:spPr>
+          <a:xfrm>
+            <a:off x="2589213" y="5181600"/>
+            <a:ext cx="8915400" cy="729622"/>
+          </a:xfrm>
+        </p:spPr>
+        <p:txBody>
+          <a:bodyPr vert="horz" lIns="91440" tIns="45720" rIns="91440" bIns="45720" rtlCol="0" anchor="t">
             <a:normAutofit/>
           </a:bodyPr>
           <a:lstStyle>
             <a:lvl1pPr>
-              <a:defRPr lang="en-US" b="0" dirty="0"/>
-            </a:lvl1pPr>
-          </a:lstStyle>
-          <a:p>
-            <a:pPr marL="0" lvl="0"/>
-            <a:r>
-              <a:rPr lang="en-US" smtClean="0"/>
-              <a:t>Click to edit Master title style</a:t>
-            </a:r>
-            <a:endParaRPr lang="en-US" dirty="0"/>
-          </a:p>
-        </p:txBody>
-      </p:sp>
-      <p:sp>
-        <p:nvSpPr>
-          <p:cNvPr id="20" name="Text Placeholder 2"/>
-          <p:cNvSpPr>
-            <a:spLocks noGrp="1"/>
-          </p:cNvSpPr>
-          <p:nvPr>
-            <p:ph type="body" idx="13"/>
-          </p:nvPr>
-        </p:nvSpPr>
-        <p:spPr>
-          <a:xfrm>
-            <a:off x="1295401" y="3630168"/>
-            <a:ext cx="9609668" cy="841248"/>
-          </a:xfrm>
-        </p:spPr>
-        <p:txBody>
-          <a:bodyPr anchor="b">
-            <a:normAutofit/>
-          </a:bodyPr>
-          <a:lstStyle>
-            <a:lvl1pPr marL="0" indent="0" algn="l">
-              <a:spcBef>
-                <a:spcPts val="0"/>
-              </a:spcBef>
-              <a:buNone/>
-              <a:defRPr sz="2800">
+              <a:buNone/>
+              <a:defRPr lang="en-US">
                 <a:solidFill>
-                  <a:schemeClr val="tx1"/>
+                  <a:schemeClr val="tx1">
+                    <a:lumMod val="65000"/>
+                    <a:lumOff val="35000"/>
+                  </a:schemeClr>
                 </a:solidFill>
               </a:defRPr>
             </a:lvl1pPr>
-            <a:lvl2pPr marL="457200" indent="0">
-              <a:buNone/>
-              <a:defRPr sz="1800">
-                <a:solidFill>
-                  <a:schemeClr val="tx1">
-                    <a:tint val="75000"/>
-                  </a:schemeClr>
-                </a:solidFill>
-              </a:defRPr>
-            </a:lvl2pPr>
-            <a:lvl3pPr marL="914400" indent="0">
-              <a:buNone/>
-              <a:defRPr sz="1600">
-                <a:solidFill>
-                  <a:schemeClr val="tx1">
-                    <a:tint val="75000"/>
-                  </a:schemeClr>
-                </a:solidFill>
-              </a:defRPr>
-            </a:lvl3pPr>
-            <a:lvl4pPr marL="1371600" indent="0">
-              <a:buNone/>
-              <a:defRPr sz="1400">
-                <a:solidFill>
-                  <a:schemeClr val="tx1">
-                    <a:tint val="75000"/>
-                  </a:schemeClr>
-                </a:solidFill>
-              </a:defRPr>
-            </a:lvl4pPr>
-            <a:lvl5pPr marL="1828800" indent="0">
-              <a:buNone/>
-              <a:defRPr sz="1400">
-                <a:solidFill>
-                  <a:schemeClr val="tx1">
-                    <a:tint val="75000"/>
-                  </a:schemeClr>
-                </a:solidFill>
-              </a:defRPr>
-            </a:lvl5pPr>
-            <a:lvl6pPr marL="2286000" indent="0">
-              <a:buNone/>
-              <a:defRPr sz="1400">
-                <a:solidFill>
-                  <a:schemeClr val="tx1">
-                    <a:tint val="75000"/>
-                  </a:schemeClr>
-                </a:solidFill>
-              </a:defRPr>
-            </a:lvl6pPr>
-            <a:lvl7pPr marL="2743200" indent="0">
-              <a:buNone/>
-              <a:defRPr sz="1400">
-                <a:solidFill>
-                  <a:schemeClr val="tx1">
-                    <a:tint val="75000"/>
-                  </a:schemeClr>
-                </a:solidFill>
-              </a:defRPr>
-            </a:lvl7pPr>
-            <a:lvl8pPr marL="3200400" indent="0">
-              <a:buNone/>
-              <a:defRPr sz="1400">
-                <a:solidFill>
-                  <a:schemeClr val="tx1">
-                    <a:tint val="75000"/>
-                  </a:schemeClr>
-                </a:solidFill>
-              </a:defRPr>
-            </a:lvl8pPr>
-            <a:lvl9pPr marL="3657600" indent="0">
-              <a:buNone/>
-              <a:defRPr sz="1400">
-                <a:solidFill>
-                  <a:schemeClr val="tx1">
-                    <a:tint val="75000"/>
-                  </a:schemeClr>
-                </a:solidFill>
-              </a:defRPr>
-            </a:lvl9pPr>
           </a:lstStyle>
           <a:p>
-            <a:pPr lvl="0"/>
+            <a:pPr marL="0" lvl="0" indent="0">
+              <a:buNone/>
+            </a:pPr>
             <a:r>
               <a:rPr lang="en-US" smtClean="0"/>
               <a:t>Click to edit Master text styles</a:t>
@@ -2429,177 +2093,145 @@
       </p:sp>
       <p:sp>
         <p:nvSpPr>
-          <p:cNvPr id="3" name="Text Placeholder 2"/>
-          <p:cNvSpPr>
-            <a:spLocks noGrp="1"/>
-          </p:cNvSpPr>
-          <p:nvPr>
-            <p:ph type="body" idx="1"/>
+          <p:cNvPr id="5" name="Date Placeholder 4"/>
+          <p:cNvSpPr>
+            <a:spLocks noGrp="1"/>
+          </p:cNvSpPr>
+          <p:nvPr>
+            <p:ph type="dt" sz="half" idx="10"/>
+          </p:nvPr>
+        </p:nvSpPr>
+        <p:spPr/>
+        <p:txBody>
+          <a:bodyPr/>
+          <a:lstStyle/>
+          <a:p>
+            <a:fld id="{B61BEF0D-F0BB-DE4B-95CE-6DB70DBA9567}" type="datetimeFigureOut">
+              <a:rPr lang="en-US" smtClean="0"/>
+              <a:pPr/>
+              <a:t>29-Oct-23</a:t>
+            </a:fld>
+            <a:endParaRPr lang="en-US" dirty="0"/>
+          </a:p>
+        </p:txBody>
+      </p:sp>
+      <p:sp>
+        <p:nvSpPr>
+          <p:cNvPr id="6" name="Footer Placeholder 5"/>
+          <p:cNvSpPr>
+            <a:spLocks noGrp="1"/>
+          </p:cNvSpPr>
+          <p:nvPr>
+            <p:ph type="ftr" sz="quarter" idx="11"/>
+          </p:nvPr>
+        </p:nvSpPr>
+        <p:spPr/>
+        <p:txBody>
+          <a:bodyPr/>
+          <a:lstStyle/>
+          <a:p>
+            <a:endParaRPr lang="en-US" dirty="0"/>
+          </a:p>
+        </p:txBody>
+      </p:sp>
+      <p:sp>
+        <p:nvSpPr>
+          <p:cNvPr id="9" name="Freeform 11"/>
+          <p:cNvSpPr/>
+          <p:nvPr/>
+        </p:nvSpPr>
+        <p:spPr bwMode="auto">
+          <a:xfrm flipV="1">
+            <a:off x="-4189" y="4911725"/>
+            <a:ext cx="1588527" cy="507297"/>
+          </a:xfrm>
+          <a:custGeom>
+            <a:avLst/>
+            <a:gdLst/>
+            <a:ahLst/>
+            <a:cxnLst/>
+            <a:rect l="l" t="t" r="r" b="b"/>
+            <a:pathLst>
+              <a:path w="9248" h="10000">
+                <a:moveTo>
+                  <a:pt x="9248" y="4701"/>
+                </a:moveTo>
+                <a:lnTo>
+                  <a:pt x="7915" y="188"/>
+                </a:lnTo>
+                <a:cubicBezTo>
+                  <a:pt x="7906" y="156"/>
+                  <a:pt x="7895" y="126"/>
+                  <a:pt x="7886" y="94"/>
+                </a:cubicBezTo>
+                <a:cubicBezTo>
+                  <a:pt x="7859" y="0"/>
+                  <a:pt x="7831" y="0"/>
+                  <a:pt x="7803" y="0"/>
+                </a:cubicBezTo>
+                <a:lnTo>
+                  <a:pt x="7275" y="0"/>
+                </a:lnTo>
+                <a:lnTo>
+                  <a:pt x="0" y="70"/>
+                </a:lnTo>
+                <a:cubicBezTo>
+                  <a:pt x="8" y="3380"/>
+                  <a:pt x="17" y="6690"/>
+                  <a:pt x="25" y="10000"/>
+                </a:cubicBezTo>
+                <a:lnTo>
+                  <a:pt x="7275" y="9966"/>
+                </a:lnTo>
+                <a:lnTo>
+                  <a:pt x="7803" y="9966"/>
+                </a:lnTo>
+                <a:cubicBezTo>
+                  <a:pt x="7831" y="9966"/>
+                  <a:pt x="7859" y="9872"/>
+                  <a:pt x="7886" y="9872"/>
+                </a:cubicBezTo>
+                <a:cubicBezTo>
+                  <a:pt x="7886" y="9778"/>
+                  <a:pt x="7915" y="9778"/>
+                  <a:pt x="7915" y="9778"/>
+                </a:cubicBezTo>
+                <a:lnTo>
+                  <a:pt x="9248" y="5265"/>
+                </a:lnTo>
+                <a:cubicBezTo>
+                  <a:pt x="9303" y="5077"/>
+                  <a:pt x="9303" y="4889"/>
+                  <a:pt x="9248" y="4701"/>
+                </a:cubicBezTo>
+                <a:close/>
+              </a:path>
+            </a:pathLst>
+          </a:custGeom>
+          <a:solidFill>
+            <a:schemeClr val="accent1"/>
+          </a:solidFill>
+          <a:ln>
+            <a:noFill/>
+          </a:ln>
+        </p:spPr>
+      </p:sp>
+      <p:sp>
+        <p:nvSpPr>
+          <p:cNvPr id="7" name="Slide Number Placeholder 6"/>
+          <p:cNvSpPr>
+            <a:spLocks noGrp="1"/>
+          </p:cNvSpPr>
+          <p:nvPr>
+            <p:ph type="sldNum" sz="quarter" idx="12"/>
           </p:nvPr>
         </p:nvSpPr>
         <p:spPr>
           <a:xfrm>
-            <a:off x="1295400" y="4470399"/>
-            <a:ext cx="9609670" cy="1405467"/>
+            <a:off x="531812" y="4983087"/>
+            <a:ext cx="779767" cy="365125"/>
           </a:xfrm>
         </p:spPr>
-        <p:txBody>
-          <a:bodyPr anchor="t">
-            <a:normAutofit/>
-          </a:bodyPr>
-          <a:lstStyle>
-            <a:lvl1pPr marL="0" indent="0" algn="l">
-              <a:buNone/>
-              <a:defRPr sz="1800">
-                <a:solidFill>
-                  <a:schemeClr val="tx1"/>
-                </a:solidFill>
-              </a:defRPr>
-            </a:lvl1pPr>
-            <a:lvl2pPr marL="457200" indent="0">
-              <a:buNone/>
-              <a:defRPr sz="1800">
-                <a:solidFill>
-                  <a:schemeClr val="tx1">
-                    <a:tint val="75000"/>
-                  </a:schemeClr>
-                </a:solidFill>
-              </a:defRPr>
-            </a:lvl2pPr>
-            <a:lvl3pPr marL="914400" indent="0">
-              <a:buNone/>
-              <a:defRPr sz="1600">
-                <a:solidFill>
-                  <a:schemeClr val="tx1">
-                    <a:tint val="75000"/>
-                  </a:schemeClr>
-                </a:solidFill>
-              </a:defRPr>
-            </a:lvl3pPr>
-            <a:lvl4pPr marL="1371600" indent="0">
-              <a:buNone/>
-              <a:defRPr sz="1400">
-                <a:solidFill>
-                  <a:schemeClr val="tx1">
-                    <a:tint val="75000"/>
-                  </a:schemeClr>
-                </a:solidFill>
-              </a:defRPr>
-            </a:lvl4pPr>
-            <a:lvl5pPr marL="1828800" indent="0">
-              <a:buNone/>
-              <a:defRPr sz="1400">
-                <a:solidFill>
-                  <a:schemeClr val="tx1">
-                    <a:tint val="75000"/>
-                  </a:schemeClr>
-                </a:solidFill>
-              </a:defRPr>
-            </a:lvl5pPr>
-            <a:lvl6pPr marL="2286000" indent="0">
-              <a:buNone/>
-              <a:defRPr sz="1400">
-                <a:solidFill>
-                  <a:schemeClr val="tx1">
-                    <a:tint val="75000"/>
-                  </a:schemeClr>
-                </a:solidFill>
-              </a:defRPr>
-            </a:lvl6pPr>
-            <a:lvl7pPr marL="2743200" indent="0">
-              <a:buNone/>
-              <a:defRPr sz="1400">
-                <a:solidFill>
-                  <a:schemeClr val="tx1">
-                    <a:tint val="75000"/>
-                  </a:schemeClr>
-                </a:solidFill>
-              </a:defRPr>
-            </a:lvl7pPr>
-            <a:lvl8pPr marL="3200400" indent="0">
-              <a:buNone/>
-              <a:defRPr sz="1400">
-                <a:solidFill>
-                  <a:schemeClr val="tx1">
-                    <a:tint val="75000"/>
-                  </a:schemeClr>
-                </a:solidFill>
-              </a:defRPr>
-            </a:lvl8pPr>
-            <a:lvl9pPr marL="3657600" indent="0">
-              <a:buNone/>
-              <a:defRPr sz="1400">
-                <a:solidFill>
-                  <a:schemeClr val="tx1">
-                    <a:tint val="75000"/>
-                  </a:schemeClr>
-                </a:solidFill>
-              </a:defRPr>
-            </a:lvl9pPr>
-          </a:lstStyle>
-          <a:p>
-            <a:pPr lvl="0"/>
-            <a:r>
-              <a:rPr lang="en-US" smtClean="0"/>
-              <a:t>Click to edit Master text styles</a:t>
-            </a:r>
-          </a:p>
-        </p:txBody>
-      </p:sp>
-      <p:sp>
-        <p:nvSpPr>
-          <p:cNvPr id="4" name="Date Placeholder 3"/>
-          <p:cNvSpPr>
-            <a:spLocks noGrp="1"/>
-          </p:cNvSpPr>
-          <p:nvPr>
-            <p:ph type="dt" sz="half" idx="10"/>
-          </p:nvPr>
-        </p:nvSpPr>
-        <p:spPr/>
-        <p:txBody>
-          <a:bodyPr/>
-          <a:lstStyle/>
-          <a:p>
-            <a:fld id="{B61BEF0D-F0BB-DE4B-95CE-6DB70DBA9567}" type="datetimeFigureOut">
-              <a:rPr lang="en-US" smtClean="0"/>
-              <a:pPr/>
-              <a:t>19-Oct-23</a:t>
-            </a:fld>
-            <a:endParaRPr lang="en-US" dirty="0"/>
-          </a:p>
-        </p:txBody>
-      </p:sp>
-      <p:sp>
-        <p:nvSpPr>
-          <p:cNvPr id="5" name="Footer Placeholder 4"/>
-          <p:cNvSpPr>
-            <a:spLocks noGrp="1"/>
-          </p:cNvSpPr>
-          <p:nvPr>
-            <p:ph type="ftr" sz="quarter" idx="11"/>
-          </p:nvPr>
-        </p:nvSpPr>
-        <p:spPr/>
-        <p:txBody>
-          <a:bodyPr/>
-          <a:lstStyle/>
-          <a:p>
-            <a:endParaRPr lang="en-US" dirty="0"/>
-          </a:p>
-        </p:txBody>
-      </p:sp>
-      <p:sp>
-        <p:nvSpPr>
-          <p:cNvPr id="6" name="Slide Number Placeholder 5"/>
-          <p:cNvSpPr>
-            <a:spLocks noGrp="1"/>
-          </p:cNvSpPr>
-          <p:nvPr>
-            <p:ph type="sldNum" sz="quarter" idx="12"/>
-          </p:nvPr>
-        </p:nvSpPr>
-        <p:spPr/>
         <p:txBody>
           <a:bodyPr/>
           <a:lstStyle/>
@@ -2613,41 +2245,10 @@
           </a:p>
         </p:txBody>
       </p:sp>
-      <p:cxnSp>
-        <p:nvCxnSpPr>
-          <p:cNvPr id="15" name="Straight Connector 14"/>
-          <p:cNvCxnSpPr/>
-          <p:nvPr/>
-        </p:nvCxnSpPr>
-        <p:spPr>
-          <a:xfrm>
-            <a:off x="1396169" y="3429000"/>
-            <a:ext cx="9407298" cy="0"/>
-          </a:xfrm>
-          <a:prstGeom prst="line">
-            <a:avLst/>
-          </a:prstGeom>
-          <a:ln w="15875"/>
-        </p:spPr>
-        <p:style>
-          <a:lnRef idx="2">
-            <a:schemeClr val="accent1"/>
-          </a:lnRef>
-          <a:fillRef idx="0">
-            <a:schemeClr val="accent1"/>
-          </a:fillRef>
-          <a:effectRef idx="1">
-            <a:schemeClr val="accent1"/>
-          </a:effectRef>
-          <a:fontRef idx="minor">
-            <a:schemeClr val="tx1"/>
-          </a:fontRef>
-        </p:style>
-      </p:cxnSp>
     </p:spTree>
     <p:extLst>
       <p:ext uri="{BB962C8B-B14F-4D97-AF65-F5344CB8AC3E}">
-        <p14:creationId xmlns:p14="http://schemas.microsoft.com/office/powerpoint/2010/main" val="3423173753"/>
+        <p14:creationId xmlns:p14="http://schemas.microsoft.com/office/powerpoint/2010/main" val="3983491242"/>
       </p:ext>
     </p:extLst>
   </p:cSld>
@@ -2657,7 +2258,7 @@
 </p:sldLayout>
 </file>
 
-<file path=ppt/slideLayouts/slideLayout16.xml><?xml version="1.0" encoding="utf-8"?>
+<file path=ppt/slideLayouts/slideLayout15.xml><?xml version="1.0" encoding="utf-8"?>
 <p:sldLayout xmlns:a="http://schemas.openxmlformats.org/drawingml/2006/main" xmlns:r="http://schemas.openxmlformats.org/officeDocument/2006/relationships" xmlns:p="http://schemas.openxmlformats.org/presentationml/2006/main" type="vertTx" preserve="1">
   <p:cSld name="Title and Vertical Text">
     <p:spTree>
@@ -2687,11 +2288,7 @@
         <p:spPr/>
         <p:txBody>
           <a:bodyPr/>
-          <a:lstStyle>
-            <a:lvl1pPr algn="ctr">
-              <a:defRPr/>
-            </a:lvl1pPr>
-          </a:lstStyle>
+          <a:lstStyle/>
           <a:p>
             <a:r>
               <a:rPr lang="en-US" smtClean="0"/>
@@ -2770,7 +2367,7 @@
           <a:p>
             <a:fld id="{55C6B4A9-1611-4792-9094-5F34BCA07E0B}" type="datetimeFigureOut">
               <a:rPr lang="en-US" smtClean="0"/>
-              <a:t>19-Oct-23</a:t>
+              <a:t>29-Oct-23</a:t>
             </a:fld>
             <a:endParaRPr lang="en-US" dirty="0"/>
           </a:p>
@@ -2794,6 +2391,88 @@
             <a:endParaRPr lang="en-US" dirty="0"/>
           </a:p>
         </p:txBody>
+      </p:sp>
+      <p:sp>
+        <p:nvSpPr>
+          <p:cNvPr id="8" name="Freeform 11"/>
+          <p:cNvSpPr/>
+          <p:nvPr/>
+        </p:nvSpPr>
+        <p:spPr bwMode="auto">
+          <a:xfrm flipV="1">
+            <a:off x="-4189" y="714375"/>
+            <a:ext cx="1588527" cy="507297"/>
+          </a:xfrm>
+          <a:custGeom>
+            <a:avLst/>
+            <a:gdLst/>
+            <a:ahLst/>
+            <a:cxnLst/>
+            <a:rect l="l" t="t" r="r" b="b"/>
+            <a:pathLst>
+              <a:path w="9248" h="10000">
+                <a:moveTo>
+                  <a:pt x="9248" y="4701"/>
+                </a:moveTo>
+                <a:lnTo>
+                  <a:pt x="7915" y="188"/>
+                </a:lnTo>
+                <a:cubicBezTo>
+                  <a:pt x="7906" y="156"/>
+                  <a:pt x="7895" y="126"/>
+                  <a:pt x="7886" y="94"/>
+                </a:cubicBezTo>
+                <a:cubicBezTo>
+                  <a:pt x="7859" y="0"/>
+                  <a:pt x="7831" y="0"/>
+                  <a:pt x="7803" y="0"/>
+                </a:cubicBezTo>
+                <a:lnTo>
+                  <a:pt x="7275" y="0"/>
+                </a:lnTo>
+                <a:lnTo>
+                  <a:pt x="0" y="70"/>
+                </a:lnTo>
+                <a:cubicBezTo>
+                  <a:pt x="8" y="3380"/>
+                  <a:pt x="17" y="6690"/>
+                  <a:pt x="25" y="10000"/>
+                </a:cubicBezTo>
+                <a:lnTo>
+                  <a:pt x="7275" y="9966"/>
+                </a:lnTo>
+                <a:lnTo>
+                  <a:pt x="7803" y="9966"/>
+                </a:lnTo>
+                <a:cubicBezTo>
+                  <a:pt x="7831" y="9966"/>
+                  <a:pt x="7859" y="9872"/>
+                  <a:pt x="7886" y="9872"/>
+                </a:cubicBezTo>
+                <a:cubicBezTo>
+                  <a:pt x="7886" y="9778"/>
+                  <a:pt x="7915" y="9778"/>
+                  <a:pt x="7915" y="9778"/>
+                </a:cubicBezTo>
+                <a:lnTo>
+                  <a:pt x="9248" y="5265"/>
+                </a:lnTo>
+                <a:cubicBezTo>
+                  <a:pt x="9303" y="5077"/>
+                  <a:pt x="9303" y="4889"/>
+                  <a:pt x="9248" y="4701"/>
+                </a:cubicBezTo>
+                <a:close/>
+              </a:path>
+            </a:pathLst>
+          </a:custGeom>
+          <a:solidFill>
+            <a:schemeClr val="accent1"/>
+          </a:solidFill>
+          <a:ln>
+            <a:noFill/>
+          </a:ln>
+        </p:spPr>
       </p:sp>
       <p:sp>
         <p:nvSpPr>
@@ -2818,41 +2497,10 @@
           </a:p>
         </p:txBody>
       </p:sp>
-      <p:cxnSp>
-        <p:nvCxnSpPr>
-          <p:cNvPr id="14" name="Straight Connector 13"/>
-          <p:cNvCxnSpPr/>
-          <p:nvPr/>
-        </p:nvCxnSpPr>
-        <p:spPr>
-          <a:xfrm>
-            <a:off x="1396169" y="2421466"/>
-            <a:ext cx="9407298" cy="0"/>
-          </a:xfrm>
-          <a:prstGeom prst="line">
-            <a:avLst/>
-          </a:prstGeom>
-          <a:ln w="15875"/>
-        </p:spPr>
-        <p:style>
-          <a:lnRef idx="2">
-            <a:schemeClr val="accent1"/>
-          </a:lnRef>
-          <a:fillRef idx="0">
-            <a:schemeClr val="accent1"/>
-          </a:fillRef>
-          <a:effectRef idx="1">
-            <a:schemeClr val="accent1"/>
-          </a:effectRef>
-          <a:fontRef idx="minor">
-            <a:schemeClr val="tx1"/>
-          </a:fontRef>
-        </p:style>
-      </p:cxnSp>
     </p:spTree>
     <p:extLst>
       <p:ext uri="{BB962C8B-B14F-4D97-AF65-F5344CB8AC3E}">
-        <p14:creationId xmlns:p14="http://schemas.microsoft.com/office/powerpoint/2010/main" val="2616820327"/>
+        <p14:creationId xmlns:p14="http://schemas.microsoft.com/office/powerpoint/2010/main" val="1137986636"/>
       </p:ext>
     </p:extLst>
   </p:cSld>
@@ -2862,7 +2510,7 @@
 </p:sldLayout>
 </file>
 
-<file path=ppt/slideLayouts/slideLayout17.xml><?xml version="1.0" encoding="utf-8"?>
+<file path=ppt/slideLayouts/slideLayout16.xml><?xml version="1.0" encoding="utf-8"?>
 <p:sldLayout xmlns:a="http://schemas.openxmlformats.org/drawingml/2006/main" xmlns:r="http://schemas.openxmlformats.org/officeDocument/2006/relationships" xmlns:p="http://schemas.openxmlformats.org/presentationml/2006/main" type="vertTitleAndTx" preserve="1">
   <p:cSld name="Vertical Title and Text">
     <p:spTree>
@@ -2891,42 +2539,42 @@
         </p:nvSpPr>
         <p:spPr>
           <a:xfrm>
-            <a:off x="8999356" y="982131"/>
-            <a:ext cx="1890895" cy="4893735"/>
+            <a:off x="9294812" y="627405"/>
+            <a:ext cx="2207601" cy="5283817"/>
           </a:xfrm>
         </p:spPr>
         <p:txBody>
+          <a:bodyPr vert="eaVert" anchor="ctr"/>
+          <a:lstStyle/>
+          <a:p>
+            <a:r>
+              <a:rPr lang="en-US" smtClean="0"/>
+              <a:t>Click to edit Master title style</a:t>
+            </a:r>
+            <a:endParaRPr lang="en-US" dirty="0"/>
+          </a:p>
+        </p:txBody>
+      </p:sp>
+      <p:sp>
+        <p:nvSpPr>
+          <p:cNvPr id="3" name="Vertical Text Placeholder 2"/>
+          <p:cNvSpPr>
+            <a:spLocks noGrp="1"/>
+          </p:cNvSpPr>
+          <p:nvPr>
+            <p:ph type="body" orient="vert" idx="1"/>
+          </p:nvPr>
+        </p:nvSpPr>
+        <p:spPr>
+          <a:xfrm>
+            <a:off x="2589212" y="627405"/>
+            <a:ext cx="6477000" cy="5283817"/>
+          </a:xfrm>
+        </p:spPr>
+        <p:txBody>
           <a:bodyPr vert="eaVert"/>
           <a:lstStyle/>
           <a:p>
-            <a:r>
-              <a:rPr lang="en-US" smtClean="0"/>
-              <a:t>Click to edit Master title style</a:t>
-            </a:r>
-            <a:endParaRPr lang="en-US" dirty="0"/>
-          </a:p>
-        </p:txBody>
-      </p:sp>
-      <p:sp>
-        <p:nvSpPr>
-          <p:cNvPr id="3" name="Vertical Text Placeholder 2"/>
-          <p:cNvSpPr>
-            <a:spLocks noGrp="1"/>
-          </p:cNvSpPr>
-          <p:nvPr>
-            <p:ph type="body" orient="vert" idx="1"/>
-          </p:nvPr>
-        </p:nvSpPr>
-        <p:spPr>
-          <a:xfrm>
-            <a:off x="1295398" y="982132"/>
-            <a:ext cx="7433025" cy="4893734"/>
-          </a:xfrm>
-        </p:spPr>
-        <p:txBody>
-          <a:bodyPr vert="eaVert" anchor="t"/>
-          <a:lstStyle/>
-          <a:p>
             <a:pPr lvl="0"/>
             <a:r>
               <a:rPr lang="en-US" smtClean="0"/>
@@ -2982,7 +2630,7 @@
             <a:fld id="{B61BEF0D-F0BB-DE4B-95CE-6DB70DBA9567}" type="datetimeFigureOut">
               <a:rPr lang="en-US" smtClean="0"/>
               <a:pPr/>
-              <a:t>19-Oct-23</a:t>
+              <a:t>29-Oct-23</a:t>
             </a:fld>
             <a:endParaRPr lang="en-US" dirty="0"/>
           </a:p>
@@ -3006,6 +2654,88 @@
             <a:endParaRPr lang="en-US" dirty="0"/>
           </a:p>
         </p:txBody>
+      </p:sp>
+      <p:sp>
+        <p:nvSpPr>
+          <p:cNvPr id="8" name="Freeform 11"/>
+          <p:cNvSpPr/>
+          <p:nvPr/>
+        </p:nvSpPr>
+        <p:spPr bwMode="auto">
+          <a:xfrm flipV="1">
+            <a:off x="-4189" y="714375"/>
+            <a:ext cx="1588527" cy="507297"/>
+          </a:xfrm>
+          <a:custGeom>
+            <a:avLst/>
+            <a:gdLst/>
+            <a:ahLst/>
+            <a:cxnLst/>
+            <a:rect l="l" t="t" r="r" b="b"/>
+            <a:pathLst>
+              <a:path w="9248" h="10000">
+                <a:moveTo>
+                  <a:pt x="9248" y="4701"/>
+                </a:moveTo>
+                <a:lnTo>
+                  <a:pt x="7915" y="188"/>
+                </a:lnTo>
+                <a:cubicBezTo>
+                  <a:pt x="7906" y="156"/>
+                  <a:pt x="7895" y="126"/>
+                  <a:pt x="7886" y="94"/>
+                </a:cubicBezTo>
+                <a:cubicBezTo>
+                  <a:pt x="7859" y="0"/>
+                  <a:pt x="7831" y="0"/>
+                  <a:pt x="7803" y="0"/>
+                </a:cubicBezTo>
+                <a:lnTo>
+                  <a:pt x="7275" y="0"/>
+                </a:lnTo>
+                <a:lnTo>
+                  <a:pt x="0" y="70"/>
+                </a:lnTo>
+                <a:cubicBezTo>
+                  <a:pt x="8" y="3380"/>
+                  <a:pt x="17" y="6690"/>
+                  <a:pt x="25" y="10000"/>
+                </a:cubicBezTo>
+                <a:lnTo>
+                  <a:pt x="7275" y="9966"/>
+                </a:lnTo>
+                <a:lnTo>
+                  <a:pt x="7803" y="9966"/>
+                </a:lnTo>
+                <a:cubicBezTo>
+                  <a:pt x="7831" y="9966"/>
+                  <a:pt x="7859" y="9872"/>
+                  <a:pt x="7886" y="9872"/>
+                </a:cubicBezTo>
+                <a:cubicBezTo>
+                  <a:pt x="7886" y="9778"/>
+                  <a:pt x="7915" y="9778"/>
+                  <a:pt x="7915" y="9778"/>
+                </a:cubicBezTo>
+                <a:lnTo>
+                  <a:pt x="9248" y="5265"/>
+                </a:lnTo>
+                <a:cubicBezTo>
+                  <a:pt x="9303" y="5077"/>
+                  <a:pt x="9303" y="4889"/>
+                  <a:pt x="9248" y="4701"/>
+                </a:cubicBezTo>
+                <a:close/>
+              </a:path>
+            </a:pathLst>
+          </a:custGeom>
+          <a:solidFill>
+            <a:schemeClr val="accent1"/>
+          </a:solidFill>
+          <a:ln>
+            <a:noFill/>
+          </a:ln>
+        </p:spPr>
       </p:sp>
       <p:sp>
         <p:nvSpPr>
@@ -3031,41 +2761,10 @@
           </a:p>
         </p:txBody>
       </p:sp>
-      <p:cxnSp>
-        <p:nvCxnSpPr>
-          <p:cNvPr id="14" name="Straight Connector 13"/>
-          <p:cNvCxnSpPr/>
-          <p:nvPr/>
-        </p:nvCxnSpPr>
-        <p:spPr>
-          <a:xfrm>
-            <a:off x="8863890" y="990600"/>
-            <a:ext cx="0" cy="4876800"/>
-          </a:xfrm>
-          <a:prstGeom prst="line">
-            <a:avLst/>
-          </a:prstGeom>
-          <a:ln w="15875"/>
-        </p:spPr>
-        <p:style>
-          <a:lnRef idx="2">
-            <a:schemeClr val="accent1"/>
-          </a:lnRef>
-          <a:fillRef idx="0">
-            <a:schemeClr val="accent1"/>
-          </a:fillRef>
-          <a:effectRef idx="1">
-            <a:schemeClr val="accent1"/>
-          </a:effectRef>
-          <a:fontRef idx="minor">
-            <a:schemeClr val="tx1"/>
-          </a:fontRef>
-        </p:style>
-      </p:cxnSp>
     </p:spTree>
     <p:extLst>
       <p:ext uri="{BB962C8B-B14F-4D97-AF65-F5344CB8AC3E}">
-        <p14:creationId xmlns:p14="http://schemas.microsoft.com/office/powerpoint/2010/main" val="1499455342"/>
+        <p14:creationId xmlns:p14="http://schemas.microsoft.com/office/powerpoint/2010/main" val="3778269951"/>
       </p:ext>
     </p:extLst>
   </p:cSld>
@@ -3092,48 +2791,22 @@
           <a:chExt cx="0" cy="0"/>
         </a:xfrm>
       </p:grpSpPr>
-      <p:cxnSp>
-        <p:nvCxnSpPr>
-          <p:cNvPr id="7" name="Straight Connector 6"/>
-          <p:cNvCxnSpPr/>
-          <p:nvPr/>
-        </p:nvCxnSpPr>
+      <p:sp>
+        <p:nvSpPr>
+          <p:cNvPr id="2" name="Title 1"/>
+          <p:cNvSpPr>
+            <a:spLocks noGrp="1"/>
+          </p:cNvSpPr>
+          <p:nvPr>
+            <p:ph type="title"/>
+          </p:nvPr>
+        </p:nvSpPr>
         <p:spPr>
           <a:xfrm>
-            <a:off x="1396169" y="2421466"/>
-            <a:ext cx="9407298" cy="0"/>
+            <a:off x="2592925" y="624110"/>
+            <a:ext cx="8911687" cy="1280890"/>
           </a:xfrm>
-          <a:prstGeom prst="line">
-            <a:avLst/>
-          </a:prstGeom>
-          <a:ln w="15875"/>
         </p:spPr>
-        <p:style>
-          <a:lnRef idx="2">
-            <a:schemeClr val="accent1"/>
-          </a:lnRef>
-          <a:fillRef idx="0">
-            <a:schemeClr val="accent1"/>
-          </a:fillRef>
-          <a:effectRef idx="1">
-            <a:schemeClr val="accent1"/>
-          </a:effectRef>
-          <a:fontRef idx="minor">
-            <a:schemeClr val="tx1"/>
-          </a:fontRef>
-        </p:style>
-      </p:cxnSp>
-      <p:sp>
-        <p:nvSpPr>
-          <p:cNvPr id="2" name="Title 1"/>
-          <p:cNvSpPr>
-            <a:spLocks noGrp="1"/>
-          </p:cNvSpPr>
-          <p:nvPr>
-            <p:ph type="title"/>
-          </p:nvPr>
-        </p:nvSpPr>
-        <p:spPr/>
         <p:txBody>
           <a:bodyPr/>
           <a:lstStyle/>
@@ -3156,7 +2829,12 @@
             <p:ph idx="1"/>
           </p:nvPr>
         </p:nvSpPr>
-        <p:spPr/>
+        <p:spPr>
+          <a:xfrm>
+            <a:off x="2589212" y="2133600"/>
+            <a:ext cx="8915400" cy="3777622"/>
+          </a:xfrm>
+        </p:spPr>
         <p:txBody>
           <a:bodyPr/>
           <a:lstStyle/>
@@ -3216,7 +2894,7 @@
             <a:fld id="{B61BEF0D-F0BB-DE4B-95CE-6DB70DBA9567}" type="datetimeFigureOut">
               <a:rPr lang="en-US" smtClean="0"/>
               <a:pPr/>
-              <a:t>19-Oct-23</a:t>
+              <a:t>29-Oct-23</a:t>
             </a:fld>
             <a:endParaRPr lang="en-US" dirty="0"/>
           </a:p>
@@ -3240,6 +2918,88 @@
             <a:endParaRPr lang="en-US" dirty="0"/>
           </a:p>
         </p:txBody>
+      </p:sp>
+      <p:sp>
+        <p:nvSpPr>
+          <p:cNvPr id="8" name="Freeform 11"/>
+          <p:cNvSpPr/>
+          <p:nvPr/>
+        </p:nvSpPr>
+        <p:spPr bwMode="auto">
+          <a:xfrm flipV="1">
+            <a:off x="-4189" y="714375"/>
+            <a:ext cx="1588527" cy="507297"/>
+          </a:xfrm>
+          <a:custGeom>
+            <a:avLst/>
+            <a:gdLst/>
+            <a:ahLst/>
+            <a:cxnLst/>
+            <a:rect l="l" t="t" r="r" b="b"/>
+            <a:pathLst>
+              <a:path w="9248" h="10000">
+                <a:moveTo>
+                  <a:pt x="9248" y="4701"/>
+                </a:moveTo>
+                <a:lnTo>
+                  <a:pt x="7915" y="188"/>
+                </a:lnTo>
+                <a:cubicBezTo>
+                  <a:pt x="7906" y="156"/>
+                  <a:pt x="7895" y="126"/>
+                  <a:pt x="7886" y="94"/>
+                </a:cubicBezTo>
+                <a:cubicBezTo>
+                  <a:pt x="7859" y="0"/>
+                  <a:pt x="7831" y="0"/>
+                  <a:pt x="7803" y="0"/>
+                </a:cubicBezTo>
+                <a:lnTo>
+                  <a:pt x="7275" y="0"/>
+                </a:lnTo>
+                <a:lnTo>
+                  <a:pt x="0" y="70"/>
+                </a:lnTo>
+                <a:cubicBezTo>
+                  <a:pt x="8" y="3380"/>
+                  <a:pt x="17" y="6690"/>
+                  <a:pt x="25" y="10000"/>
+                </a:cubicBezTo>
+                <a:lnTo>
+                  <a:pt x="7275" y="9966"/>
+                </a:lnTo>
+                <a:lnTo>
+                  <a:pt x="7803" y="9966"/>
+                </a:lnTo>
+                <a:cubicBezTo>
+                  <a:pt x="7831" y="9966"/>
+                  <a:pt x="7859" y="9872"/>
+                  <a:pt x="7886" y="9872"/>
+                </a:cubicBezTo>
+                <a:cubicBezTo>
+                  <a:pt x="7886" y="9778"/>
+                  <a:pt x="7915" y="9778"/>
+                  <a:pt x="7915" y="9778"/>
+                </a:cubicBezTo>
+                <a:lnTo>
+                  <a:pt x="9248" y="5265"/>
+                </a:lnTo>
+                <a:cubicBezTo>
+                  <a:pt x="9303" y="5077"/>
+                  <a:pt x="9303" y="4889"/>
+                  <a:pt x="9248" y="4701"/>
+                </a:cubicBezTo>
+                <a:close/>
+              </a:path>
+            </a:pathLst>
+          </a:custGeom>
+          <a:solidFill>
+            <a:schemeClr val="accent1"/>
+          </a:solidFill>
+          <a:ln>
+            <a:noFill/>
+          </a:ln>
+        </p:spPr>
       </p:sp>
       <p:sp>
         <p:nvSpPr>
@@ -3268,7 +3028,7 @@
     </p:spTree>
     <p:extLst>
       <p:ext uri="{BB962C8B-B14F-4D97-AF65-F5344CB8AC3E}">
-        <p14:creationId xmlns:p14="http://schemas.microsoft.com/office/powerpoint/2010/main" val="1743349041"/>
+        <p14:creationId xmlns:p14="http://schemas.microsoft.com/office/powerpoint/2010/main" val="3331695179"/>
       </p:ext>
     </p:extLst>
   </p:cSld>
@@ -3307,17 +3067,15 @@
         </p:nvSpPr>
         <p:spPr>
           <a:xfrm>
-            <a:off x="2015069" y="1752606"/>
-            <a:ext cx="8158688" cy="1822514"/>
+            <a:off x="2589212" y="2058750"/>
+            <a:ext cx="8915399" cy="1468800"/>
           </a:xfrm>
         </p:spPr>
         <p:txBody>
-          <a:bodyPr anchor="b">
-            <a:normAutofit/>
-          </a:bodyPr>
+          <a:bodyPr anchor="b"/>
           <a:lstStyle>
-            <a:lvl1pPr algn="ctr">
-              <a:defRPr sz="4400" b="0" cap="none"/>
+            <a:lvl1pPr algn="l">
+              <a:defRPr sz="4000" b="0" cap="none"/>
             </a:lvl1pPr>
           </a:lstStyle>
           <a:p>
@@ -3341,20 +3099,21 @@
         </p:nvSpPr>
         <p:spPr>
           <a:xfrm>
-            <a:off x="2015067" y="3846051"/>
-            <a:ext cx="8158690" cy="954547"/>
+            <a:off x="2589212" y="3530129"/>
+            <a:ext cx="8915399" cy="860400"/>
           </a:xfrm>
         </p:spPr>
         <p:txBody>
-          <a:bodyPr anchor="t">
-            <a:normAutofit/>
-          </a:bodyPr>
+          <a:bodyPr anchor="t"/>
           <a:lstStyle>
-            <a:lvl1pPr marL="0" indent="0" algn="ctr">
-              <a:buNone/>
-              <a:defRPr sz="2400">
+            <a:lvl1pPr marL="0" indent="0" algn="l">
+              <a:buNone/>
+              <a:defRPr sz="2000">
                 <a:solidFill>
-                  <a:schemeClr val="tx1"/>
+                  <a:schemeClr val="tx1">
+                    <a:lumMod val="65000"/>
+                    <a:lumOff val="35000"/>
+                  </a:schemeClr>
                 </a:solidFill>
               </a:defRPr>
             </a:lvl1pPr>
@@ -3466,7 +3225,7 @@
             <a:fld id="{B61BEF0D-F0BB-DE4B-95CE-6DB70DBA9567}" type="datetimeFigureOut">
               <a:rPr lang="en-US" smtClean="0"/>
               <a:pPr/>
-              <a:t>19-Oct-23</a:t>
+              <a:t>29-Oct-23</a:t>
             </a:fld>
             <a:endParaRPr lang="en-US" dirty="0"/>
           </a:p>
@@ -3493,6 +3252,88 @@
       </p:sp>
       <p:sp>
         <p:nvSpPr>
+          <p:cNvPr id="9" name="Freeform 11"/>
+          <p:cNvSpPr/>
+          <p:nvPr/>
+        </p:nvSpPr>
+        <p:spPr bwMode="auto">
+          <a:xfrm flipV="1">
+            <a:off x="-4189" y="3178175"/>
+            <a:ext cx="1588527" cy="507297"/>
+          </a:xfrm>
+          <a:custGeom>
+            <a:avLst/>
+            <a:gdLst/>
+            <a:ahLst/>
+            <a:cxnLst/>
+            <a:rect l="l" t="t" r="r" b="b"/>
+            <a:pathLst>
+              <a:path w="9248" h="10000">
+                <a:moveTo>
+                  <a:pt x="9248" y="4701"/>
+                </a:moveTo>
+                <a:lnTo>
+                  <a:pt x="7915" y="188"/>
+                </a:lnTo>
+                <a:cubicBezTo>
+                  <a:pt x="7906" y="156"/>
+                  <a:pt x="7895" y="126"/>
+                  <a:pt x="7886" y="94"/>
+                </a:cubicBezTo>
+                <a:cubicBezTo>
+                  <a:pt x="7859" y="0"/>
+                  <a:pt x="7831" y="0"/>
+                  <a:pt x="7803" y="0"/>
+                </a:cubicBezTo>
+                <a:lnTo>
+                  <a:pt x="7275" y="0"/>
+                </a:lnTo>
+                <a:lnTo>
+                  <a:pt x="0" y="70"/>
+                </a:lnTo>
+                <a:cubicBezTo>
+                  <a:pt x="8" y="3380"/>
+                  <a:pt x="17" y="6690"/>
+                  <a:pt x="25" y="10000"/>
+                </a:cubicBezTo>
+                <a:lnTo>
+                  <a:pt x="7275" y="9966"/>
+                </a:lnTo>
+                <a:lnTo>
+                  <a:pt x="7803" y="9966"/>
+                </a:lnTo>
+                <a:cubicBezTo>
+                  <a:pt x="7831" y="9966"/>
+                  <a:pt x="7859" y="9872"/>
+                  <a:pt x="7886" y="9872"/>
+                </a:cubicBezTo>
+                <a:cubicBezTo>
+                  <a:pt x="7886" y="9778"/>
+                  <a:pt x="7915" y="9778"/>
+                  <a:pt x="7915" y="9778"/>
+                </a:cubicBezTo>
+                <a:lnTo>
+                  <a:pt x="9248" y="5265"/>
+                </a:lnTo>
+                <a:cubicBezTo>
+                  <a:pt x="9303" y="5077"/>
+                  <a:pt x="9303" y="4889"/>
+                  <a:pt x="9248" y="4701"/>
+                </a:cubicBezTo>
+                <a:close/>
+              </a:path>
+            </a:pathLst>
+          </a:custGeom>
+          <a:solidFill>
+            <a:schemeClr val="accent1"/>
+          </a:solidFill>
+          <a:ln>
+            <a:noFill/>
+          </a:ln>
+        </p:spPr>
+      </p:sp>
+      <p:sp>
+        <p:nvSpPr>
           <p:cNvPr id="6" name="Slide Number Placeholder 5"/>
           <p:cNvSpPr>
             <a:spLocks noGrp="1"/>
@@ -3501,7 +3342,12 @@
             <p:ph type="sldNum" sz="quarter" idx="12"/>
           </p:nvPr>
         </p:nvSpPr>
-        <p:spPr/>
+        <p:spPr>
+          <a:xfrm>
+            <a:off x="531812" y="3244139"/>
+            <a:ext cx="779767" cy="365125"/>
+          </a:xfrm>
+        </p:spPr>
         <p:txBody>
           <a:bodyPr/>
           <a:lstStyle/>
@@ -3515,41 +3361,10 @@
           </a:p>
         </p:txBody>
       </p:sp>
-      <p:cxnSp>
-        <p:nvCxnSpPr>
-          <p:cNvPr id="16" name="Straight Connector 15"/>
-          <p:cNvCxnSpPr/>
-          <p:nvPr/>
-        </p:nvCxnSpPr>
-        <p:spPr>
-          <a:xfrm>
-            <a:off x="2012723" y="3710585"/>
-            <a:ext cx="8163380" cy="0"/>
-          </a:xfrm>
-          <a:prstGeom prst="line">
-            <a:avLst/>
-          </a:prstGeom>
-          <a:ln w="15875"/>
-        </p:spPr>
-        <p:style>
-          <a:lnRef idx="2">
-            <a:schemeClr val="accent1"/>
-          </a:lnRef>
-          <a:fillRef idx="0">
-            <a:schemeClr val="accent1"/>
-          </a:fillRef>
-          <a:effectRef idx="1">
-            <a:schemeClr val="accent1"/>
-          </a:effectRef>
-          <a:fontRef idx="minor">
-            <a:schemeClr val="tx1"/>
-          </a:fontRef>
-        </p:style>
-      </p:cxnSp>
     </p:spTree>
     <p:extLst>
       <p:ext uri="{BB962C8B-B14F-4D97-AF65-F5344CB8AC3E}">
-        <p14:creationId xmlns:p14="http://schemas.microsoft.com/office/powerpoint/2010/main" val="739037686"/>
+        <p14:creationId xmlns:p14="http://schemas.microsoft.com/office/powerpoint/2010/main" val="3720815869"/>
       </p:ext>
     </p:extLst>
   </p:cSld>
@@ -3576,74 +3391,43 @@
           <a:chExt cx="0" cy="0"/>
         </a:xfrm>
       </p:grpSpPr>
-      <p:cxnSp>
-        <p:nvCxnSpPr>
-          <p:cNvPr id="8" name="Straight Connector 7"/>
-          <p:cNvCxnSpPr/>
-          <p:nvPr/>
-        </p:nvCxnSpPr>
+      <p:sp>
+        <p:nvSpPr>
+          <p:cNvPr id="8" name="Title 7"/>
+          <p:cNvSpPr>
+            <a:spLocks noGrp="1"/>
+          </p:cNvSpPr>
+          <p:nvPr>
+            <p:ph type="title"/>
+          </p:nvPr>
+        </p:nvSpPr>
+        <p:spPr/>
+        <p:txBody>
+          <a:bodyPr/>
+          <a:lstStyle/>
+          <a:p>
+            <a:r>
+              <a:rPr lang="en-US" smtClean="0"/>
+              <a:t>Click to edit Master title style</a:t>
+            </a:r>
+            <a:endParaRPr lang="en-US" dirty="0"/>
+          </a:p>
+        </p:txBody>
+      </p:sp>
+      <p:sp>
+        <p:nvSpPr>
+          <p:cNvPr id="3" name="Content Placeholder 2"/>
+          <p:cNvSpPr>
+            <a:spLocks noGrp="1"/>
+          </p:cNvSpPr>
+          <p:nvPr>
+            <p:ph sz="half" idx="1"/>
+          </p:nvPr>
+        </p:nvSpPr>
         <p:spPr>
           <a:xfrm>
-            <a:off x="1396169" y="2421466"/>
-            <a:ext cx="9407298" cy="0"/>
-          </a:xfrm>
-          <a:prstGeom prst="line">
-            <a:avLst/>
-          </a:prstGeom>
-          <a:ln w="15875"/>
-        </p:spPr>
-        <p:style>
-          <a:lnRef idx="2">
-            <a:schemeClr val="accent1"/>
-          </a:lnRef>
-          <a:fillRef idx="0">
-            <a:schemeClr val="accent1"/>
-          </a:fillRef>
-          <a:effectRef idx="1">
-            <a:schemeClr val="accent1"/>
-          </a:effectRef>
-          <a:fontRef idx="minor">
-            <a:schemeClr val="tx1"/>
-          </a:fontRef>
-        </p:style>
-      </p:cxnSp>
-      <p:sp>
-        <p:nvSpPr>
-          <p:cNvPr id="2" name="Title 1"/>
-          <p:cNvSpPr>
-            <a:spLocks noGrp="1"/>
-          </p:cNvSpPr>
-          <p:nvPr>
-            <p:ph type="title"/>
-          </p:nvPr>
-        </p:nvSpPr>
-        <p:spPr/>
-        <p:txBody>
-          <a:bodyPr/>
-          <a:lstStyle/>
-          <a:p>
-            <a:r>
-              <a:rPr lang="en-US" smtClean="0"/>
-              <a:t>Click to edit Master title style</a:t>
-            </a:r>
-            <a:endParaRPr lang="en-US" dirty="0"/>
-          </a:p>
-        </p:txBody>
-      </p:sp>
-      <p:sp>
-        <p:nvSpPr>
-          <p:cNvPr id="3" name="Content Placeholder 2"/>
-          <p:cNvSpPr>
-            <a:spLocks noGrp="1"/>
-          </p:cNvSpPr>
-          <p:nvPr>
-            <p:ph sz="half" idx="1"/>
-          </p:nvPr>
-        </p:nvSpPr>
-        <p:spPr>
-          <a:xfrm>
-            <a:off x="1298448" y="2560320"/>
-            <a:ext cx="4718304" cy="3310128"/>
+            <a:off x="2589212" y="2133600"/>
+            <a:ext cx="4313864" cy="3777622"/>
           </a:xfrm>
         </p:spPr>
         <p:txBody>
@@ -3701,8 +3485,8 @@
         </p:nvSpPr>
         <p:spPr>
           <a:xfrm>
-            <a:off x="6181344" y="2560320"/>
-            <a:ext cx="4718304" cy="3310128"/>
+            <a:off x="7190747" y="2126222"/>
+            <a:ext cx="4313864" cy="3777622"/>
           </a:xfrm>
         </p:spPr>
         <p:txBody>
@@ -3765,7 +3549,7 @@
           <a:p>
             <a:fld id="{EB712588-04B1-427B-82EE-E8DB90309F08}" type="datetimeFigureOut">
               <a:rPr lang="en-US" smtClean="0"/>
-              <a:t>19-Oct-23</a:t>
+              <a:t>29-Oct-23</a:t>
             </a:fld>
             <a:endParaRPr lang="en-US" dirty="0"/>
           </a:p>
@@ -3792,7 +3576,89 @@
       </p:sp>
       <p:sp>
         <p:nvSpPr>
-          <p:cNvPr id="7" name="Slide Number Placeholder 6"/>
+          <p:cNvPr id="10" name="Freeform 11"/>
+          <p:cNvSpPr/>
+          <p:nvPr/>
+        </p:nvSpPr>
+        <p:spPr bwMode="auto">
+          <a:xfrm flipV="1">
+            <a:off x="-4189" y="714375"/>
+            <a:ext cx="1588527" cy="507297"/>
+          </a:xfrm>
+          <a:custGeom>
+            <a:avLst/>
+            <a:gdLst/>
+            <a:ahLst/>
+            <a:cxnLst/>
+            <a:rect l="l" t="t" r="r" b="b"/>
+            <a:pathLst>
+              <a:path w="9248" h="10000">
+                <a:moveTo>
+                  <a:pt x="9248" y="4701"/>
+                </a:moveTo>
+                <a:lnTo>
+                  <a:pt x="7915" y="188"/>
+                </a:lnTo>
+                <a:cubicBezTo>
+                  <a:pt x="7906" y="156"/>
+                  <a:pt x="7895" y="126"/>
+                  <a:pt x="7886" y="94"/>
+                </a:cubicBezTo>
+                <a:cubicBezTo>
+                  <a:pt x="7859" y="0"/>
+                  <a:pt x="7831" y="0"/>
+                  <a:pt x="7803" y="0"/>
+                </a:cubicBezTo>
+                <a:lnTo>
+                  <a:pt x="7275" y="0"/>
+                </a:lnTo>
+                <a:lnTo>
+                  <a:pt x="0" y="70"/>
+                </a:lnTo>
+                <a:cubicBezTo>
+                  <a:pt x="8" y="3380"/>
+                  <a:pt x="17" y="6690"/>
+                  <a:pt x="25" y="10000"/>
+                </a:cubicBezTo>
+                <a:lnTo>
+                  <a:pt x="7275" y="9966"/>
+                </a:lnTo>
+                <a:lnTo>
+                  <a:pt x="7803" y="9966"/>
+                </a:lnTo>
+                <a:cubicBezTo>
+                  <a:pt x="7831" y="9966"/>
+                  <a:pt x="7859" y="9872"/>
+                  <a:pt x="7886" y="9872"/>
+                </a:cubicBezTo>
+                <a:cubicBezTo>
+                  <a:pt x="7886" y="9778"/>
+                  <a:pt x="7915" y="9778"/>
+                  <a:pt x="7915" y="9778"/>
+                </a:cubicBezTo>
+                <a:lnTo>
+                  <a:pt x="9248" y="5265"/>
+                </a:lnTo>
+                <a:cubicBezTo>
+                  <a:pt x="9303" y="5077"/>
+                  <a:pt x="9303" y="4889"/>
+                  <a:pt x="9248" y="4701"/>
+                </a:cubicBezTo>
+                <a:close/>
+              </a:path>
+            </a:pathLst>
+          </a:custGeom>
+          <a:solidFill>
+            <a:schemeClr val="accent1"/>
+          </a:solidFill>
+          <a:ln>
+            <a:noFill/>
+          </a:ln>
+        </p:spPr>
+      </p:sp>
+      <p:sp>
+        <p:nvSpPr>
+          <p:cNvPr id="11" name="Slide Number Placeholder 5"/>
           <p:cNvSpPr>
             <a:spLocks noGrp="1"/>
           </p:cNvSpPr>
@@ -3800,7 +3666,12 @@
             <p:ph type="sldNum" sz="quarter" idx="12"/>
           </p:nvPr>
         </p:nvSpPr>
-        <p:spPr/>
+        <p:spPr>
+          <a:xfrm>
+            <a:off x="531812" y="787782"/>
+            <a:ext cx="779767" cy="365125"/>
+          </a:xfrm>
+        </p:spPr>
         <p:txBody>
           <a:bodyPr/>
           <a:lstStyle/>
@@ -3816,7 +3687,7 @@
     </p:spTree>
     <p:extLst>
       <p:ext uri="{BB962C8B-B14F-4D97-AF65-F5344CB8AC3E}">
-        <p14:creationId xmlns:p14="http://schemas.microsoft.com/office/powerpoint/2010/main" val="2458197170"/>
+        <p14:creationId xmlns:p14="http://schemas.microsoft.com/office/powerpoint/2010/main" val="3166198163"/>
       </p:ext>
     </p:extLst>
   </p:cSld>
@@ -3845,7 +3716,7 @@
       </p:grpSpPr>
       <p:sp>
         <p:nvSpPr>
-          <p:cNvPr id="2" name="Title 1"/>
+          <p:cNvPr id="10" name="Title 9"/>
           <p:cNvSpPr>
             <a:spLocks noGrp="1"/>
           </p:cNvSpPr>
@@ -3856,11 +3727,7 @@
         <p:spPr/>
         <p:txBody>
           <a:bodyPr/>
-          <a:lstStyle>
-            <a:lvl1pPr>
-              <a:defRPr/>
-            </a:lvl1pPr>
-          </a:lstStyle>
+          <a:lstStyle/>
           <a:p>
             <a:r>
               <a:rPr lang="en-US" smtClean="0"/>
@@ -3882,8 +3749,8 @@
         </p:nvSpPr>
         <p:spPr>
           <a:xfrm>
-            <a:off x="1295400" y="2658533"/>
-            <a:ext cx="4718304" cy="576262"/>
+            <a:off x="2939373" y="1972703"/>
+            <a:ext cx="3992732" cy="576262"/>
           </a:xfrm>
         </p:spPr>
         <p:txBody>
@@ -3892,18 +3759,8 @@
           </a:bodyPr>
           <a:lstStyle>
             <a:lvl1pPr marL="0" indent="0">
-              <a:spcBef>
-                <a:spcPts val="672"/>
-              </a:spcBef>
-              <a:spcAft>
-                <a:spcPts val="600"/>
-              </a:spcAft>
-              <a:buNone/>
-              <a:defRPr sz="2800" b="0">
-                <a:solidFill>
-                  <a:schemeClr val="accent1"/>
-                </a:solidFill>
-              </a:defRPr>
+              <a:buNone/>
+              <a:defRPr sz="2400" b="0"/>
             </a:lvl1pPr>
             <a:lvl2pPr marL="457200" indent="0">
               <a:buNone/>
@@ -3959,12 +3816,12 @@
         </p:nvSpPr>
         <p:spPr>
           <a:xfrm>
-            <a:off x="1295400" y="3243262"/>
-            <a:ext cx="4718304" cy="2632605"/>
+            <a:off x="2589212" y="2548966"/>
+            <a:ext cx="4342893" cy="3354060"/>
           </a:xfrm>
         </p:spPr>
         <p:txBody>
-          <a:bodyPr anchor="t">
+          <a:bodyPr>
             <a:normAutofit/>
           </a:bodyPr>
           <a:lstStyle/>
@@ -4018,8 +3875,8 @@
         </p:nvSpPr>
         <p:spPr>
           <a:xfrm>
-            <a:off x="6180670" y="2658533"/>
-            <a:ext cx="4718304" cy="576262"/>
+            <a:off x="7506629" y="1969475"/>
+            <a:ext cx="3999001" cy="576262"/>
           </a:xfrm>
         </p:spPr>
         <p:txBody>
@@ -4028,18 +3885,8 @@
           </a:bodyPr>
           <a:lstStyle>
             <a:lvl1pPr marL="0" indent="0">
-              <a:spcBef>
-                <a:spcPts val="672"/>
-              </a:spcBef>
-              <a:spcAft>
-                <a:spcPts val="600"/>
-              </a:spcAft>
-              <a:buNone/>
-              <a:defRPr sz="2800" b="0">
-                <a:solidFill>
-                  <a:schemeClr val="accent1"/>
-                </a:solidFill>
-              </a:defRPr>
+              <a:buNone/>
+              <a:defRPr sz="2400" b="0"/>
             </a:lvl1pPr>
             <a:lvl2pPr marL="457200" indent="0">
               <a:buNone/>
@@ -4095,12 +3942,12 @@
         </p:nvSpPr>
         <p:spPr>
           <a:xfrm>
-            <a:off x="6180670" y="3243262"/>
-            <a:ext cx="4718304" cy="2632605"/>
+            <a:off x="7166957" y="2545738"/>
+            <a:ext cx="4338674" cy="3354060"/>
           </a:xfrm>
         </p:spPr>
         <p:txBody>
-          <a:bodyPr anchor="t">
+          <a:bodyPr>
             <a:normAutofit/>
           </a:bodyPr>
           <a:lstStyle/>
@@ -4160,7 +4007,7 @@
             <a:fld id="{B61BEF0D-F0BB-DE4B-95CE-6DB70DBA9567}" type="datetimeFigureOut">
               <a:rPr lang="en-US" smtClean="0"/>
               <a:pPr/>
-              <a:t>19-Oct-23</a:t>
+              <a:t>29-Oct-23</a:t>
             </a:fld>
             <a:endParaRPr lang="en-US" dirty="0"/>
           </a:p>
@@ -4187,7 +4034,89 @@
       </p:sp>
       <p:sp>
         <p:nvSpPr>
-          <p:cNvPr id="9" name="Slide Number Placeholder 8"/>
+          <p:cNvPr id="12" name="Freeform 11"/>
+          <p:cNvSpPr/>
+          <p:nvPr/>
+        </p:nvSpPr>
+        <p:spPr bwMode="auto">
+          <a:xfrm flipV="1">
+            <a:off x="-4189" y="714375"/>
+            <a:ext cx="1588527" cy="507297"/>
+          </a:xfrm>
+          <a:custGeom>
+            <a:avLst/>
+            <a:gdLst/>
+            <a:ahLst/>
+            <a:cxnLst/>
+            <a:rect l="l" t="t" r="r" b="b"/>
+            <a:pathLst>
+              <a:path w="9248" h="10000">
+                <a:moveTo>
+                  <a:pt x="9248" y="4701"/>
+                </a:moveTo>
+                <a:lnTo>
+                  <a:pt x="7915" y="188"/>
+                </a:lnTo>
+                <a:cubicBezTo>
+                  <a:pt x="7906" y="156"/>
+                  <a:pt x="7895" y="126"/>
+                  <a:pt x="7886" y="94"/>
+                </a:cubicBezTo>
+                <a:cubicBezTo>
+                  <a:pt x="7859" y="0"/>
+                  <a:pt x="7831" y="0"/>
+                  <a:pt x="7803" y="0"/>
+                </a:cubicBezTo>
+                <a:lnTo>
+                  <a:pt x="7275" y="0"/>
+                </a:lnTo>
+                <a:lnTo>
+                  <a:pt x="0" y="70"/>
+                </a:lnTo>
+                <a:cubicBezTo>
+                  <a:pt x="8" y="3380"/>
+                  <a:pt x="17" y="6690"/>
+                  <a:pt x="25" y="10000"/>
+                </a:cubicBezTo>
+                <a:lnTo>
+                  <a:pt x="7275" y="9966"/>
+                </a:lnTo>
+                <a:lnTo>
+                  <a:pt x="7803" y="9966"/>
+                </a:lnTo>
+                <a:cubicBezTo>
+                  <a:pt x="7831" y="9966"/>
+                  <a:pt x="7859" y="9872"/>
+                  <a:pt x="7886" y="9872"/>
+                </a:cubicBezTo>
+                <a:cubicBezTo>
+                  <a:pt x="7886" y="9778"/>
+                  <a:pt x="7915" y="9778"/>
+                  <a:pt x="7915" y="9778"/>
+                </a:cubicBezTo>
+                <a:lnTo>
+                  <a:pt x="9248" y="5265"/>
+                </a:lnTo>
+                <a:cubicBezTo>
+                  <a:pt x="9303" y="5077"/>
+                  <a:pt x="9303" y="4889"/>
+                  <a:pt x="9248" y="4701"/>
+                </a:cubicBezTo>
+                <a:close/>
+              </a:path>
+            </a:pathLst>
+          </a:custGeom>
+          <a:solidFill>
+            <a:schemeClr val="accent1"/>
+          </a:solidFill>
+          <a:ln>
+            <a:noFill/>
+          </a:ln>
+        </p:spPr>
+      </p:sp>
+      <p:sp>
+        <p:nvSpPr>
+          <p:cNvPr id="13" name="Slide Number Placeholder 5"/>
           <p:cNvSpPr>
             <a:spLocks noGrp="1"/>
           </p:cNvSpPr>
@@ -4195,7 +4124,12 @@
             <p:ph type="sldNum" sz="quarter" idx="12"/>
           </p:nvPr>
         </p:nvSpPr>
-        <p:spPr/>
+        <p:spPr>
+          <a:xfrm>
+            <a:off x="531812" y="787782"/>
+            <a:ext cx="779767" cy="365125"/>
+          </a:xfrm>
+        </p:spPr>
         <p:txBody>
           <a:bodyPr/>
           <a:lstStyle/>
@@ -4209,41 +4143,10 @@
           </a:p>
         </p:txBody>
       </p:sp>
-      <p:cxnSp>
-        <p:nvCxnSpPr>
-          <p:cNvPr id="18" name="Straight Connector 17"/>
-          <p:cNvCxnSpPr/>
-          <p:nvPr/>
-        </p:nvCxnSpPr>
-        <p:spPr>
-          <a:xfrm>
-            <a:off x="1396169" y="2421466"/>
-            <a:ext cx="9407298" cy="0"/>
-          </a:xfrm>
-          <a:prstGeom prst="line">
-            <a:avLst/>
-          </a:prstGeom>
-          <a:ln w="15875"/>
-        </p:spPr>
-        <p:style>
-          <a:lnRef idx="2">
-            <a:schemeClr val="accent1"/>
-          </a:lnRef>
-          <a:fillRef idx="0">
-            <a:schemeClr val="accent1"/>
-          </a:fillRef>
-          <a:effectRef idx="1">
-            <a:schemeClr val="accent1"/>
-          </a:effectRef>
-          <a:fontRef idx="minor">
-            <a:schemeClr val="tx1"/>
-          </a:fontRef>
-        </p:style>
-      </p:cxnSp>
     </p:spTree>
     <p:extLst>
       <p:ext uri="{BB962C8B-B14F-4D97-AF65-F5344CB8AC3E}">
-        <p14:creationId xmlns:p14="http://schemas.microsoft.com/office/powerpoint/2010/main" val="2638494426"/>
+        <p14:creationId xmlns:p14="http://schemas.microsoft.com/office/powerpoint/2010/main" val="2611005792"/>
       </p:ext>
     </p:extLst>
   </p:cSld>
@@ -4311,7 +4214,7 @@
             <a:fld id="{B61BEF0D-F0BB-DE4B-95CE-6DB70DBA9567}" type="datetimeFigureOut">
               <a:rPr lang="en-US" smtClean="0"/>
               <a:pPr/>
-              <a:t>19-Oct-23</a:t>
+              <a:t>29-Oct-23</a:t>
             </a:fld>
             <a:endParaRPr lang="en-US" dirty="0"/>
           </a:p>
@@ -4335,6 +4238,88 @@
             <a:endParaRPr lang="en-US" dirty="0"/>
           </a:p>
         </p:txBody>
+      </p:sp>
+      <p:sp>
+        <p:nvSpPr>
+          <p:cNvPr id="7" name="Freeform 11"/>
+          <p:cNvSpPr/>
+          <p:nvPr/>
+        </p:nvSpPr>
+        <p:spPr bwMode="auto">
+          <a:xfrm flipV="1">
+            <a:off x="-4189" y="714375"/>
+            <a:ext cx="1588527" cy="507297"/>
+          </a:xfrm>
+          <a:custGeom>
+            <a:avLst/>
+            <a:gdLst/>
+            <a:ahLst/>
+            <a:cxnLst/>
+            <a:rect l="l" t="t" r="r" b="b"/>
+            <a:pathLst>
+              <a:path w="9248" h="10000">
+                <a:moveTo>
+                  <a:pt x="9248" y="4701"/>
+                </a:moveTo>
+                <a:lnTo>
+                  <a:pt x="7915" y="188"/>
+                </a:lnTo>
+                <a:cubicBezTo>
+                  <a:pt x="7906" y="156"/>
+                  <a:pt x="7895" y="126"/>
+                  <a:pt x="7886" y="94"/>
+                </a:cubicBezTo>
+                <a:cubicBezTo>
+                  <a:pt x="7859" y="0"/>
+                  <a:pt x="7831" y="0"/>
+                  <a:pt x="7803" y="0"/>
+                </a:cubicBezTo>
+                <a:lnTo>
+                  <a:pt x="7275" y="0"/>
+                </a:lnTo>
+                <a:lnTo>
+                  <a:pt x="0" y="70"/>
+                </a:lnTo>
+                <a:cubicBezTo>
+                  <a:pt x="8" y="3380"/>
+                  <a:pt x="17" y="6690"/>
+                  <a:pt x="25" y="10000"/>
+                </a:cubicBezTo>
+                <a:lnTo>
+                  <a:pt x="7275" y="9966"/>
+                </a:lnTo>
+                <a:lnTo>
+                  <a:pt x="7803" y="9966"/>
+                </a:lnTo>
+                <a:cubicBezTo>
+                  <a:pt x="7831" y="9966"/>
+                  <a:pt x="7859" y="9872"/>
+                  <a:pt x="7886" y="9872"/>
+                </a:cubicBezTo>
+                <a:cubicBezTo>
+                  <a:pt x="7886" y="9778"/>
+                  <a:pt x="7915" y="9778"/>
+                  <a:pt x="7915" y="9778"/>
+                </a:cubicBezTo>
+                <a:lnTo>
+                  <a:pt x="9248" y="5265"/>
+                </a:lnTo>
+                <a:cubicBezTo>
+                  <a:pt x="9303" y="5077"/>
+                  <a:pt x="9303" y="4889"/>
+                  <a:pt x="9248" y="4701"/>
+                </a:cubicBezTo>
+                <a:close/>
+              </a:path>
+            </a:pathLst>
+          </a:custGeom>
+          <a:solidFill>
+            <a:schemeClr val="accent1"/>
+          </a:solidFill>
+          <a:ln>
+            <a:noFill/>
+          </a:ln>
+        </p:spPr>
       </p:sp>
       <p:sp>
         <p:nvSpPr>
@@ -4360,41 +4345,10 @@
           </a:p>
         </p:txBody>
       </p:sp>
-      <p:cxnSp>
-        <p:nvCxnSpPr>
-          <p:cNvPr id="14" name="Straight Connector 13"/>
-          <p:cNvCxnSpPr/>
-          <p:nvPr/>
-        </p:nvCxnSpPr>
-        <p:spPr>
-          <a:xfrm>
-            <a:off x="1396169" y="2421466"/>
-            <a:ext cx="9407298" cy="0"/>
-          </a:xfrm>
-          <a:prstGeom prst="line">
-            <a:avLst/>
-          </a:prstGeom>
-          <a:ln w="15875"/>
-        </p:spPr>
-        <p:style>
-          <a:lnRef idx="2">
-            <a:schemeClr val="accent1"/>
-          </a:lnRef>
-          <a:fillRef idx="0">
-            <a:schemeClr val="accent1"/>
-          </a:fillRef>
-          <a:effectRef idx="1">
-            <a:schemeClr val="accent1"/>
-          </a:effectRef>
-          <a:fontRef idx="minor">
-            <a:schemeClr val="tx1"/>
-          </a:fontRef>
-        </p:style>
-      </p:cxnSp>
     </p:spTree>
     <p:extLst>
       <p:ext uri="{BB962C8B-B14F-4D97-AF65-F5344CB8AC3E}">
-        <p14:creationId xmlns:p14="http://schemas.microsoft.com/office/powerpoint/2010/main" val="3067647450"/>
+        <p14:creationId xmlns:p14="http://schemas.microsoft.com/office/powerpoint/2010/main" val="2515996757"/>
       </p:ext>
     </p:extLst>
   </p:cSld>
@@ -4439,7 +4393,7 @@
             <a:fld id="{B61BEF0D-F0BB-DE4B-95CE-6DB70DBA9567}" type="datetimeFigureOut">
               <a:rPr lang="en-US" smtClean="0"/>
               <a:pPr/>
-              <a:t>19-Oct-23</a:t>
+              <a:t>29-Oct-23</a:t>
             </a:fld>
             <a:endParaRPr lang="en-US" dirty="0"/>
           </a:p>
@@ -4463,6 +4417,88 @@
             <a:endParaRPr lang="en-US" dirty="0"/>
           </a:p>
         </p:txBody>
+      </p:sp>
+      <p:sp>
+        <p:nvSpPr>
+          <p:cNvPr id="6" name="Freeform 11"/>
+          <p:cNvSpPr/>
+          <p:nvPr/>
+        </p:nvSpPr>
+        <p:spPr bwMode="auto">
+          <a:xfrm flipV="1">
+            <a:off x="-4189" y="714375"/>
+            <a:ext cx="1588527" cy="507297"/>
+          </a:xfrm>
+          <a:custGeom>
+            <a:avLst/>
+            <a:gdLst/>
+            <a:ahLst/>
+            <a:cxnLst/>
+            <a:rect l="l" t="t" r="r" b="b"/>
+            <a:pathLst>
+              <a:path w="9248" h="10000">
+                <a:moveTo>
+                  <a:pt x="9248" y="4701"/>
+                </a:moveTo>
+                <a:lnTo>
+                  <a:pt x="7915" y="188"/>
+                </a:lnTo>
+                <a:cubicBezTo>
+                  <a:pt x="7906" y="156"/>
+                  <a:pt x="7895" y="126"/>
+                  <a:pt x="7886" y="94"/>
+                </a:cubicBezTo>
+                <a:cubicBezTo>
+                  <a:pt x="7859" y="0"/>
+                  <a:pt x="7831" y="0"/>
+                  <a:pt x="7803" y="0"/>
+                </a:cubicBezTo>
+                <a:lnTo>
+                  <a:pt x="7275" y="0"/>
+                </a:lnTo>
+                <a:lnTo>
+                  <a:pt x="0" y="70"/>
+                </a:lnTo>
+                <a:cubicBezTo>
+                  <a:pt x="8" y="3380"/>
+                  <a:pt x="17" y="6690"/>
+                  <a:pt x="25" y="10000"/>
+                </a:cubicBezTo>
+                <a:lnTo>
+                  <a:pt x="7275" y="9966"/>
+                </a:lnTo>
+                <a:lnTo>
+                  <a:pt x="7803" y="9966"/>
+                </a:lnTo>
+                <a:cubicBezTo>
+                  <a:pt x="7831" y="9966"/>
+                  <a:pt x="7859" y="9872"/>
+                  <a:pt x="7886" y="9872"/>
+                </a:cubicBezTo>
+                <a:cubicBezTo>
+                  <a:pt x="7886" y="9778"/>
+                  <a:pt x="7915" y="9778"/>
+                  <a:pt x="7915" y="9778"/>
+                </a:cubicBezTo>
+                <a:lnTo>
+                  <a:pt x="9248" y="5265"/>
+                </a:lnTo>
+                <a:cubicBezTo>
+                  <a:pt x="9303" y="5077"/>
+                  <a:pt x="9303" y="4889"/>
+                  <a:pt x="9248" y="4701"/>
+                </a:cubicBezTo>
+                <a:close/>
+              </a:path>
+            </a:pathLst>
+          </a:custGeom>
+          <a:solidFill>
+            <a:schemeClr val="accent1"/>
+          </a:solidFill>
+          <a:ln>
+            <a:noFill/>
+          </a:ln>
+        </p:spPr>
       </p:sp>
       <p:sp>
         <p:nvSpPr>
@@ -4491,7 +4527,7 @@
     </p:spTree>
     <p:extLst>
       <p:ext uri="{BB962C8B-B14F-4D97-AF65-F5344CB8AC3E}">
-        <p14:creationId xmlns:p14="http://schemas.microsoft.com/office/powerpoint/2010/main" val="3410551655"/>
+        <p14:creationId xmlns:p14="http://schemas.microsoft.com/office/powerpoint/2010/main" val="4176622963"/>
       </p:ext>
     </p:extLst>
   </p:cSld>
@@ -4530,17 +4566,15 @@
         </p:nvSpPr>
         <p:spPr>
           <a:xfrm>
-            <a:off x="1293811" y="1388534"/>
-            <a:ext cx="3718455" cy="1371600"/>
+            <a:off x="2589212" y="446088"/>
+            <a:ext cx="3505199" cy="976312"/>
           </a:xfrm>
         </p:spPr>
         <p:txBody>
-          <a:bodyPr anchor="b">
-            <a:normAutofit/>
-          </a:bodyPr>
+          <a:bodyPr anchor="b"/>
           <a:lstStyle>
-            <a:lvl1pPr algn="ctr">
-              <a:defRPr sz="2400" b="0"/>
+            <a:lvl1pPr algn="l">
+              <a:defRPr sz="2000" b="0"/>
             </a:lvl1pPr>
           </a:lstStyle>
           <a:p>
@@ -4564,8 +4598,8 @@
         </p:nvSpPr>
         <p:spPr>
           <a:xfrm>
-            <a:off x="5418668" y="982131"/>
-            <a:ext cx="5469466" cy="4893735"/>
+            <a:off x="6323012" y="446088"/>
+            <a:ext cx="5181600" cy="5414963"/>
           </a:xfrm>
         </p:spPr>
         <p:txBody>
@@ -4623,18 +4657,16 @@
         </p:nvSpPr>
         <p:spPr>
           <a:xfrm>
-            <a:off x="1293811" y="3031065"/>
-            <a:ext cx="3718455" cy="2438404"/>
+            <a:off x="2589212" y="1598613"/>
+            <a:ext cx="3505199" cy="4262436"/>
           </a:xfrm>
         </p:spPr>
         <p:txBody>
-          <a:bodyPr anchor="t">
-            <a:normAutofit/>
-          </a:bodyPr>
+          <a:bodyPr/>
           <a:lstStyle>
-            <a:lvl1pPr marL="0" indent="0" algn="ctr">
-              <a:buNone/>
-              <a:defRPr sz="1600"/>
+            <a:lvl1pPr marL="0" indent="0">
+              <a:buNone/>
+              <a:defRPr sz="1400"/>
             </a:lvl1pPr>
             <a:lvl2pPr marL="457200" indent="0">
               <a:buNone/>
@@ -4695,7 +4727,7 @@
           <a:p>
             <a:fld id="{42A54C80-263E-416B-A8E0-580EDEADCBDC}" type="datetimeFigureOut">
               <a:rPr lang="en-US" smtClean="0"/>
-              <a:t>19-Oct-23</a:t>
+              <a:t>29-Oct-23</a:t>
             </a:fld>
             <a:endParaRPr lang="en-US" dirty="0"/>
           </a:p>
@@ -4719,6 +4751,88 @@
             <a:endParaRPr lang="en-US" dirty="0"/>
           </a:p>
         </p:txBody>
+      </p:sp>
+      <p:sp>
+        <p:nvSpPr>
+          <p:cNvPr id="9" name="Freeform 11"/>
+          <p:cNvSpPr/>
+          <p:nvPr/>
+        </p:nvSpPr>
+        <p:spPr bwMode="auto">
+          <a:xfrm flipV="1">
+            <a:off x="-4189" y="714375"/>
+            <a:ext cx="1588527" cy="507297"/>
+          </a:xfrm>
+          <a:custGeom>
+            <a:avLst/>
+            <a:gdLst/>
+            <a:ahLst/>
+            <a:cxnLst/>
+            <a:rect l="l" t="t" r="r" b="b"/>
+            <a:pathLst>
+              <a:path w="9248" h="10000">
+                <a:moveTo>
+                  <a:pt x="9248" y="4701"/>
+                </a:moveTo>
+                <a:lnTo>
+                  <a:pt x="7915" y="188"/>
+                </a:lnTo>
+                <a:cubicBezTo>
+                  <a:pt x="7906" y="156"/>
+                  <a:pt x="7895" y="126"/>
+                  <a:pt x="7886" y="94"/>
+                </a:cubicBezTo>
+                <a:cubicBezTo>
+                  <a:pt x="7859" y="0"/>
+                  <a:pt x="7831" y="0"/>
+                  <a:pt x="7803" y="0"/>
+                </a:cubicBezTo>
+                <a:lnTo>
+                  <a:pt x="7275" y="0"/>
+                </a:lnTo>
+                <a:lnTo>
+                  <a:pt x="0" y="70"/>
+                </a:lnTo>
+                <a:cubicBezTo>
+                  <a:pt x="8" y="3380"/>
+                  <a:pt x="17" y="6690"/>
+                  <a:pt x="25" y="10000"/>
+                </a:cubicBezTo>
+                <a:lnTo>
+                  <a:pt x="7275" y="9966"/>
+                </a:lnTo>
+                <a:lnTo>
+                  <a:pt x="7803" y="9966"/>
+                </a:lnTo>
+                <a:cubicBezTo>
+                  <a:pt x="7831" y="9966"/>
+                  <a:pt x="7859" y="9872"/>
+                  <a:pt x="7886" y="9872"/>
+                </a:cubicBezTo>
+                <a:cubicBezTo>
+                  <a:pt x="7886" y="9778"/>
+                  <a:pt x="7915" y="9778"/>
+                  <a:pt x="7915" y="9778"/>
+                </a:cubicBezTo>
+                <a:lnTo>
+                  <a:pt x="9248" y="5265"/>
+                </a:lnTo>
+                <a:cubicBezTo>
+                  <a:pt x="9303" y="5077"/>
+                  <a:pt x="9303" y="4889"/>
+                  <a:pt x="9248" y="4701"/>
+                </a:cubicBezTo>
+                <a:close/>
+              </a:path>
+            </a:pathLst>
+          </a:custGeom>
+          <a:solidFill>
+            <a:schemeClr val="accent1"/>
+          </a:solidFill>
+          <a:ln>
+            <a:noFill/>
+          </a:ln>
+        </p:spPr>
       </p:sp>
       <p:sp>
         <p:nvSpPr>
@@ -4743,41 +4857,10 @@
           </a:p>
         </p:txBody>
       </p:sp>
-      <p:cxnSp>
-        <p:nvCxnSpPr>
-          <p:cNvPr id="16" name="Straight Connector 15"/>
-          <p:cNvCxnSpPr/>
-          <p:nvPr/>
-        </p:nvCxnSpPr>
-        <p:spPr>
-          <a:xfrm>
-            <a:off x="1396169" y="2912533"/>
-            <a:ext cx="3514498" cy="0"/>
-          </a:xfrm>
-          <a:prstGeom prst="line">
-            <a:avLst/>
-          </a:prstGeom>
-          <a:ln w="15875"/>
-        </p:spPr>
-        <p:style>
-          <a:lnRef idx="2">
-            <a:schemeClr val="accent1"/>
-          </a:lnRef>
-          <a:fillRef idx="0">
-            <a:schemeClr val="accent1"/>
-          </a:fillRef>
-          <a:effectRef idx="1">
-            <a:schemeClr val="accent1"/>
-          </a:effectRef>
-          <a:fontRef idx="minor">
-            <a:schemeClr val="tx1"/>
-          </a:fontRef>
-        </p:style>
-      </p:cxnSp>
     </p:spTree>
     <p:extLst>
       <p:ext uri="{BB962C8B-B14F-4D97-AF65-F5344CB8AC3E}">
-        <p14:creationId xmlns:p14="http://schemas.microsoft.com/office/powerpoint/2010/main" val="3407756314"/>
+        <p14:creationId xmlns:p14="http://schemas.microsoft.com/office/powerpoint/2010/main" val="243622300"/>
       </p:ext>
     </p:extLst>
   </p:cSld>
@@ -4816,8 +4899,8 @@
         </p:nvSpPr>
         <p:spPr>
           <a:xfrm>
-            <a:off x="1295399" y="1883832"/>
-            <a:ext cx="6241816" cy="1371600"/>
+            <a:off x="2589213" y="4800600"/>
+            <a:ext cx="8915400" cy="566738"/>
           </a:xfrm>
         </p:spPr>
         <p:txBody>
@@ -4825,8 +4908,8 @@
             <a:normAutofit/>
           </a:bodyPr>
           <a:lstStyle>
-            <a:lvl1pPr algn="ctr">
-              <a:defRPr sz="2800" b="0"/>
+            <a:lvl1pPr algn="l">
+              <a:defRPr sz="2400" b="0"/>
             </a:lvl1pPr>
           </a:lstStyle>
           <a:p>
@@ -4840,7 +4923,7 @@
       </p:sp>
       <p:sp>
         <p:nvSpPr>
-          <p:cNvPr id="17" name="Picture Placeholder 2"/>
+          <p:cNvPr id="3" name="Picture Placeholder 2"/>
           <p:cNvSpPr>
             <a:spLocks noGrp="1" noChangeAspect="1"/>
           </p:cNvSpPr>
@@ -4850,30 +4933,9 @@
         </p:nvSpPr>
         <p:spPr>
           <a:xfrm>
-            <a:off x="8094831" y="1041400"/>
-            <a:ext cx="3063347" cy="4775200"/>
+            <a:off x="2589212" y="634965"/>
+            <a:ext cx="8915400" cy="3854970"/>
           </a:xfrm>
-          <a:prstGeom prst="roundRect">
-            <a:avLst>
-              <a:gd name="adj" fmla="val 0"/>
-            </a:avLst>
-          </a:prstGeom>
-          <a:ln w="57150" cmpd="thickThin">
-            <a:solidFill>
-              <a:schemeClr val="tx1">
-                <a:lumMod val="50000"/>
-                <a:lumOff val="50000"/>
-              </a:schemeClr>
-            </a:solidFill>
-            <a:miter lim="800000"/>
-          </a:ln>
-          <a:effectLst>
-            <a:innerShdw blurRad="57150" dist="38100" dir="14460000">
-              <a:srgbClr val="000000">
-                <a:alpha val="70000"/>
-              </a:srgbClr>
-            </a:innerShdw>
-          </a:effectLst>
         </p:spPr>
         <p:txBody>
           <a:bodyPr anchor="t">
@@ -4938,18 +5000,18 @@
         </p:nvSpPr>
         <p:spPr>
           <a:xfrm>
-            <a:off x="1295399" y="3255432"/>
-            <a:ext cx="6241816" cy="1828800"/>
+            <a:off x="2589213" y="5367338"/>
+            <a:ext cx="8915400" cy="493712"/>
           </a:xfrm>
         </p:spPr>
         <p:txBody>
-          <a:bodyPr anchor="t">
+          <a:bodyPr>
             <a:normAutofit/>
           </a:bodyPr>
           <a:lstStyle>
-            <a:lvl1pPr marL="0" indent="0" algn="ctr">
-              <a:buNone/>
-              <a:defRPr sz="1800"/>
+            <a:lvl1pPr marL="0" indent="0">
+              <a:buNone/>
+              <a:defRPr sz="1200"/>
             </a:lvl1pPr>
             <a:lvl2pPr marL="457200" indent="0">
               <a:buNone/>
@@ -5011,7 +5073,7 @@
             <a:fld id="{B61BEF0D-F0BB-DE4B-95CE-6DB70DBA9567}" type="datetimeFigureOut">
               <a:rPr lang="en-US" smtClean="0"/>
               <a:pPr/>
-              <a:t>19-Oct-23</a:t>
+              <a:t>29-Oct-23</a:t>
             </a:fld>
             <a:endParaRPr lang="en-US" dirty="0"/>
           </a:p>
@@ -5038,6 +5100,88 @@
       </p:sp>
       <p:sp>
         <p:nvSpPr>
+          <p:cNvPr id="9" name="Freeform 11"/>
+          <p:cNvSpPr/>
+          <p:nvPr/>
+        </p:nvSpPr>
+        <p:spPr bwMode="auto">
+          <a:xfrm flipV="1">
+            <a:off x="-4189" y="4911725"/>
+            <a:ext cx="1588527" cy="507297"/>
+          </a:xfrm>
+          <a:custGeom>
+            <a:avLst/>
+            <a:gdLst/>
+            <a:ahLst/>
+            <a:cxnLst/>
+            <a:rect l="l" t="t" r="r" b="b"/>
+            <a:pathLst>
+              <a:path w="9248" h="10000">
+                <a:moveTo>
+                  <a:pt x="9248" y="4701"/>
+                </a:moveTo>
+                <a:lnTo>
+                  <a:pt x="7915" y="188"/>
+                </a:lnTo>
+                <a:cubicBezTo>
+                  <a:pt x="7906" y="156"/>
+                  <a:pt x="7895" y="126"/>
+                  <a:pt x="7886" y="94"/>
+                </a:cubicBezTo>
+                <a:cubicBezTo>
+                  <a:pt x="7859" y="0"/>
+                  <a:pt x="7831" y="0"/>
+                  <a:pt x="7803" y="0"/>
+                </a:cubicBezTo>
+                <a:lnTo>
+                  <a:pt x="7275" y="0"/>
+                </a:lnTo>
+                <a:lnTo>
+                  <a:pt x="0" y="70"/>
+                </a:lnTo>
+                <a:cubicBezTo>
+                  <a:pt x="8" y="3380"/>
+                  <a:pt x="17" y="6690"/>
+                  <a:pt x="25" y="10000"/>
+                </a:cubicBezTo>
+                <a:lnTo>
+                  <a:pt x="7275" y="9966"/>
+                </a:lnTo>
+                <a:lnTo>
+                  <a:pt x="7803" y="9966"/>
+                </a:lnTo>
+                <a:cubicBezTo>
+                  <a:pt x="7831" y="9966"/>
+                  <a:pt x="7859" y="9872"/>
+                  <a:pt x="7886" y="9872"/>
+                </a:cubicBezTo>
+                <a:cubicBezTo>
+                  <a:pt x="7886" y="9778"/>
+                  <a:pt x="7915" y="9778"/>
+                  <a:pt x="7915" y="9778"/>
+                </a:cubicBezTo>
+                <a:lnTo>
+                  <a:pt x="9248" y="5265"/>
+                </a:lnTo>
+                <a:cubicBezTo>
+                  <a:pt x="9303" y="5077"/>
+                  <a:pt x="9303" y="4889"/>
+                  <a:pt x="9248" y="4701"/>
+                </a:cubicBezTo>
+                <a:close/>
+              </a:path>
+            </a:pathLst>
+          </a:custGeom>
+          <a:solidFill>
+            <a:schemeClr val="accent1"/>
+          </a:solidFill>
+          <a:ln>
+            <a:noFill/>
+          </a:ln>
+        </p:spPr>
+      </p:sp>
+      <p:sp>
+        <p:nvSpPr>
           <p:cNvPr id="7" name="Slide Number Placeholder 6"/>
           <p:cNvSpPr>
             <a:spLocks noGrp="1"/>
@@ -5046,7 +5190,12 @@
             <p:ph type="sldNum" sz="quarter" idx="12"/>
           </p:nvPr>
         </p:nvSpPr>
-        <p:spPr/>
+        <p:spPr>
+          <a:xfrm>
+            <a:off x="531812" y="4983087"/>
+            <a:ext cx="779767" cy="365125"/>
+          </a:xfrm>
+        </p:spPr>
         <p:txBody>
           <a:bodyPr/>
           <a:lstStyle/>
@@ -5063,7 +5212,7 @@
     </p:spTree>
     <p:extLst>
       <p:ext uri="{BB962C8B-B14F-4D97-AF65-F5344CB8AC3E}">
-        <p14:creationId xmlns:p14="http://schemas.microsoft.com/office/powerpoint/2010/main" val="3513832209"/>
+        <p14:creationId xmlns:p14="http://schemas.microsoft.com/office/powerpoint/2010/main" val="3542413536"/>
       </p:ext>
     </p:extLst>
   </p:cSld>
@@ -5078,7 +5227,7 @@
   <p:cSld>
     <p:bg>
       <p:bgRef idx="1003">
-        <a:schemeClr val="bg1"/>
+        <a:schemeClr val="bg2"/>
       </p:bgRef>
     </p:bg>
     <p:spTree>
@@ -5097,189 +5246,1835 @@
       </p:grpSpPr>
       <p:grpSp>
         <p:nvGrpSpPr>
-          <p:cNvPr id="7" name="Group 6"/>
+          <p:cNvPr id="23" name="Group 22"/>
           <p:cNvGrpSpPr/>
           <p:nvPr/>
         </p:nvGrpSpPr>
         <p:grpSpPr>
           <a:xfrm>
-            <a:off x="-15736" y="0"/>
-            <a:ext cx="12229962" cy="6856214"/>
-            <a:chOff x="-15736" y="0"/>
-            <a:chExt cx="12229962" cy="6856214"/>
+            <a:off x="1" y="228600"/>
+            <a:ext cx="2851516" cy="6638628"/>
+            <a:chOff x="2487613" y="285750"/>
+            <a:chExt cx="2428875" cy="5654676"/>
           </a:xfrm>
         </p:grpSpPr>
-        <p:pic>
-          <p:nvPicPr>
-            <p:cNvPr id="8" name="Picture 7" descr="HD-PanelContent.png"/>
-            <p:cNvPicPr>
-              <a:picLocks noChangeAspect="1"/>
-            </p:cNvPicPr>
-            <p:nvPr/>
-          </p:nvPicPr>
-          <p:blipFill>
-            <a:blip r:embed="rId19">
-              <a:extLst>
-                <a:ext uri="{28A0092B-C50C-407E-A947-70E740481C1C}">
-                  <a14:useLocalDpi xmlns:a14="http://schemas.microsoft.com/office/drawing/2010/main" val="0"/>
-                </a:ext>
-              </a:extLst>
-            </a:blip>
-            <a:stretch>
-              <a:fillRect/>
-            </a:stretch>
-          </p:blipFill>
-          <p:spPr>
-            <a:xfrm>
-              <a:off x="0" y="0"/>
-              <a:ext cx="12188825" cy="6856214"/>
-            </a:xfrm>
-            <a:prstGeom prst="rect">
-              <a:avLst/>
-            </a:prstGeom>
-          </p:spPr>
-        </p:pic>
         <p:sp>
           <p:nvSpPr>
-            <p:cNvPr id="9" name="Rectangle 8"/>
+            <p:cNvPr id="24" name="Freeform 11"/>
             <p:cNvSpPr/>
             <p:nvPr/>
           </p:nvSpPr>
-          <p:spPr>
+          <p:spPr bwMode="auto">
             <a:xfrm>
-              <a:off x="608012" y="609600"/>
-              <a:ext cx="10972800" cy="5638800"/>
+              <a:off x="2487613" y="2284413"/>
+              <a:ext cx="85725" cy="533400"/>
             </a:xfrm>
-            <a:prstGeom prst="rect">
+            <a:custGeom>
               <a:avLst/>
-            </a:prstGeom>
-            <a:noFill/>
-            <a:ln w="15875" cap="flat">
-              <a:miter lim="800000"/>
+              <a:gdLst/>
+              <a:ahLst/>
+              <a:cxnLst/>
+              <a:rect l="0" t="0" r="r" b="b"/>
+              <a:pathLst>
+                <a:path w="22" h="136">
+                  <a:moveTo>
+                    <a:pt x="22" y="136"/>
+                  </a:moveTo>
+                  <a:cubicBezTo>
+                    <a:pt x="20" y="117"/>
+                    <a:pt x="19" y="99"/>
+                    <a:pt x="17" y="80"/>
+                  </a:cubicBezTo>
+                  <a:cubicBezTo>
+                    <a:pt x="11" y="54"/>
+                    <a:pt x="6" y="27"/>
+                    <a:pt x="0" y="0"/>
+                  </a:cubicBezTo>
+                  <a:cubicBezTo>
+                    <a:pt x="0" y="35"/>
+                    <a:pt x="0" y="35"/>
+                    <a:pt x="0" y="35"/>
+                  </a:cubicBezTo>
+                  <a:cubicBezTo>
+                    <a:pt x="6" y="64"/>
+                    <a:pt x="13" y="94"/>
+                    <a:pt x="20" y="124"/>
+                  </a:cubicBezTo>
+                  <a:cubicBezTo>
+                    <a:pt x="20" y="128"/>
+                    <a:pt x="21" y="132"/>
+                    <a:pt x="22" y="136"/>
+                  </a:cubicBezTo>
+                  <a:close/>
+                </a:path>
+              </a:pathLst>
+            </a:custGeom>
+            <a:solidFill>
+              <a:schemeClr val="tx2">
+                <a:alpha val="20000"/>
+              </a:schemeClr>
+            </a:solidFill>
+            <a:ln>
+              <a:noFill/>
             </a:ln>
           </p:spPr>
-          <p:style>
-            <a:lnRef idx="1">
-              <a:schemeClr val="accent1"/>
-            </a:lnRef>
-            <a:fillRef idx="3">
-              <a:schemeClr val="accent1"/>
-            </a:fillRef>
-            <a:effectRef idx="2">
-              <a:schemeClr val="accent1"/>
-            </a:effectRef>
-            <a:fontRef idx="minor">
-              <a:schemeClr val="lt1"/>
-            </a:fontRef>
-          </p:style>
         </p:sp>
-        <p:pic>
-          <p:nvPicPr>
-            <p:cNvPr id="10" name="Picture 9" descr="HDRibbonContent-UniformTrim.png"/>
-            <p:cNvPicPr>
-              <a:picLocks noChangeAspect="1"/>
-            </p:cNvPicPr>
+        <p:sp>
+          <p:nvSpPr>
+            <p:cNvPr id="25" name="Freeform 12"/>
+            <p:cNvSpPr/>
             <p:nvPr/>
-          </p:nvPicPr>
-          <p:blipFill rotWithShape="1">
-            <a:blip r:embed="rId20">
-              <a:extLst>
-                <a:ext uri="{28A0092B-C50C-407E-A947-70E740481C1C}">
-                  <a14:useLocalDpi xmlns:a14="http://schemas.microsoft.com/office/drawing/2010/main" val="0"/>
-                </a:ext>
-              </a:extLst>
-            </a:blip>
-            <a:srcRect/>
-            <a:stretch/>
-          </p:blipFill>
-          <p:spPr>
+          </p:nvSpPr>
+          <p:spPr bwMode="auto">
             <a:xfrm>
-              <a:off x="-15736" y="3153832"/>
-              <a:ext cx="777240" cy="606425"/>
+              <a:off x="2597151" y="2779713"/>
+              <a:ext cx="550863" cy="1978025"/>
             </a:xfrm>
-            <a:prstGeom prst="rect">
+            <a:custGeom>
               <a:avLst/>
-            </a:prstGeom>
+              <a:gdLst/>
+              <a:ahLst/>
+              <a:cxnLst/>
+              <a:rect l="0" t="0" r="r" b="b"/>
+              <a:pathLst>
+                <a:path w="140" h="504">
+                  <a:moveTo>
+                    <a:pt x="86" y="350"/>
+                  </a:moveTo>
+                  <a:cubicBezTo>
+                    <a:pt x="103" y="402"/>
+                    <a:pt x="120" y="453"/>
+                    <a:pt x="139" y="504"/>
+                  </a:cubicBezTo>
+                  <a:cubicBezTo>
+                    <a:pt x="139" y="495"/>
+                    <a:pt x="139" y="487"/>
+                    <a:pt x="140" y="478"/>
+                  </a:cubicBezTo>
+                  <a:cubicBezTo>
+                    <a:pt x="124" y="435"/>
+                    <a:pt x="109" y="391"/>
+                    <a:pt x="95" y="347"/>
+                  </a:cubicBezTo>
+                  <a:cubicBezTo>
+                    <a:pt x="58" y="233"/>
+                    <a:pt x="27" y="117"/>
+                    <a:pt x="0" y="0"/>
+                  </a:cubicBezTo>
+                  <a:cubicBezTo>
+                    <a:pt x="2" y="20"/>
+                    <a:pt x="4" y="41"/>
+                    <a:pt x="6" y="61"/>
+                  </a:cubicBezTo>
+                  <a:cubicBezTo>
+                    <a:pt x="30" y="158"/>
+                    <a:pt x="56" y="255"/>
+                    <a:pt x="86" y="350"/>
+                  </a:cubicBezTo>
+                  <a:close/>
+                </a:path>
+              </a:pathLst>
+            </a:custGeom>
+            <a:solidFill>
+              <a:schemeClr val="tx2">
+                <a:alpha val="20000"/>
+              </a:schemeClr>
+            </a:solidFill>
+            <a:ln>
+              <a:noFill/>
+            </a:ln>
           </p:spPr>
-        </p:pic>
-        <p:pic>
-          <p:nvPicPr>
-            <p:cNvPr id="11" name="Picture 10" descr="HDRibbonContent-UniformTrim.png"/>
-            <p:cNvPicPr>
-              <a:picLocks noChangeAspect="1"/>
-            </p:cNvPicPr>
+        </p:sp>
+        <p:sp>
+          <p:nvSpPr>
+            <p:cNvPr id="26" name="Freeform 13"/>
+            <p:cNvSpPr/>
             <p:nvPr/>
-          </p:nvPicPr>
-          <p:blipFill rotWithShape="1">
-            <a:blip r:embed="rId20">
-              <a:extLst>
-                <a:ext uri="{28A0092B-C50C-407E-A947-70E740481C1C}">
-                  <a14:useLocalDpi xmlns:a14="http://schemas.microsoft.com/office/drawing/2010/main" val="0"/>
-                </a:ext>
-              </a:extLst>
-            </a:blip>
-            <a:srcRect/>
-            <a:stretch/>
-          </p:blipFill>
-          <p:spPr>
+          </p:nvSpPr>
+          <p:spPr bwMode="auto">
             <a:xfrm>
-              <a:off x="11436986" y="3153832"/>
-              <a:ext cx="777240" cy="606425"/>
+              <a:off x="3175001" y="4730750"/>
+              <a:ext cx="519113" cy="1209675"/>
             </a:xfrm>
-            <a:prstGeom prst="rect">
+            <a:custGeom>
               <a:avLst/>
-            </a:prstGeom>
+              <a:gdLst/>
+              <a:ahLst/>
+              <a:cxnLst/>
+              <a:rect l="0" t="0" r="r" b="b"/>
+              <a:pathLst>
+                <a:path w="132" h="308">
+                  <a:moveTo>
+                    <a:pt x="8" y="22"/>
+                  </a:moveTo>
+                  <a:cubicBezTo>
+                    <a:pt x="5" y="15"/>
+                    <a:pt x="2" y="8"/>
+                    <a:pt x="0" y="0"/>
+                  </a:cubicBezTo>
+                  <a:cubicBezTo>
+                    <a:pt x="0" y="10"/>
+                    <a:pt x="0" y="19"/>
+                    <a:pt x="0" y="29"/>
+                  </a:cubicBezTo>
+                  <a:cubicBezTo>
+                    <a:pt x="21" y="85"/>
+                    <a:pt x="44" y="140"/>
+                    <a:pt x="68" y="194"/>
+                  </a:cubicBezTo>
+                  <a:cubicBezTo>
+                    <a:pt x="85" y="232"/>
+                    <a:pt x="104" y="270"/>
+                    <a:pt x="123" y="308"/>
+                  </a:cubicBezTo>
+                  <a:cubicBezTo>
+                    <a:pt x="132" y="308"/>
+                    <a:pt x="132" y="308"/>
+                    <a:pt x="132" y="308"/>
+                  </a:cubicBezTo>
+                  <a:cubicBezTo>
+                    <a:pt x="113" y="269"/>
+                    <a:pt x="94" y="230"/>
+                    <a:pt x="77" y="190"/>
+                  </a:cubicBezTo>
+                  <a:cubicBezTo>
+                    <a:pt x="52" y="135"/>
+                    <a:pt x="29" y="79"/>
+                    <a:pt x="8" y="22"/>
+                  </a:cubicBezTo>
+                  <a:close/>
+                </a:path>
+              </a:pathLst>
+            </a:custGeom>
+            <a:solidFill>
+              <a:schemeClr val="tx2">
+                <a:alpha val="20000"/>
+              </a:schemeClr>
+            </a:solidFill>
+            <a:ln>
+              <a:noFill/>
+            </a:ln>
           </p:spPr>
-        </p:pic>
+        </p:sp>
+        <p:sp>
+          <p:nvSpPr>
+            <p:cNvPr id="27" name="Freeform 14"/>
+            <p:cNvSpPr/>
+            <p:nvPr/>
+          </p:nvSpPr>
+          <p:spPr bwMode="auto">
+            <a:xfrm>
+              <a:off x="3305176" y="5630863"/>
+              <a:ext cx="146050" cy="309563"/>
+            </a:xfrm>
+            <a:custGeom>
+              <a:avLst/>
+              <a:gdLst/>
+              <a:ahLst/>
+              <a:cxnLst/>
+              <a:rect l="0" t="0" r="r" b="b"/>
+              <a:pathLst>
+                <a:path w="37" h="79">
+                  <a:moveTo>
+                    <a:pt x="28" y="79"/>
+                  </a:moveTo>
+                  <a:cubicBezTo>
+                    <a:pt x="37" y="79"/>
+                    <a:pt x="37" y="79"/>
+                    <a:pt x="37" y="79"/>
+                  </a:cubicBezTo>
+                  <a:cubicBezTo>
+                    <a:pt x="24" y="53"/>
+                    <a:pt x="12" y="27"/>
+                    <a:pt x="0" y="0"/>
+                  </a:cubicBezTo>
+                  <a:cubicBezTo>
+                    <a:pt x="8" y="27"/>
+                    <a:pt x="17" y="53"/>
+                    <a:pt x="28" y="79"/>
+                  </a:cubicBezTo>
+                  <a:close/>
+                </a:path>
+              </a:pathLst>
+            </a:custGeom>
+            <a:solidFill>
+              <a:schemeClr val="tx2">
+                <a:alpha val="20000"/>
+              </a:schemeClr>
+            </a:solidFill>
+            <a:ln>
+              <a:noFill/>
+            </a:ln>
+          </p:spPr>
+        </p:sp>
+        <p:sp>
+          <p:nvSpPr>
+            <p:cNvPr id="28" name="Freeform 15"/>
+            <p:cNvSpPr/>
+            <p:nvPr/>
+          </p:nvSpPr>
+          <p:spPr bwMode="auto">
+            <a:xfrm>
+              <a:off x="2573338" y="2817813"/>
+              <a:ext cx="700088" cy="2835275"/>
+            </a:xfrm>
+            <a:custGeom>
+              <a:avLst/>
+              <a:gdLst/>
+              <a:ahLst/>
+              <a:cxnLst/>
+              <a:rect l="0" t="0" r="r" b="b"/>
+              <a:pathLst>
+                <a:path w="178" h="722">
+                  <a:moveTo>
+                    <a:pt x="162" y="660"/>
+                  </a:moveTo>
+                  <a:cubicBezTo>
+                    <a:pt x="145" y="618"/>
+                    <a:pt x="130" y="576"/>
+                    <a:pt x="116" y="534"/>
+                  </a:cubicBezTo>
+                  <a:cubicBezTo>
+                    <a:pt x="84" y="437"/>
+                    <a:pt x="59" y="337"/>
+                    <a:pt x="40" y="236"/>
+                  </a:cubicBezTo>
+                  <a:cubicBezTo>
+                    <a:pt x="29" y="175"/>
+                    <a:pt x="20" y="113"/>
+                    <a:pt x="12" y="51"/>
+                  </a:cubicBezTo>
+                  <a:cubicBezTo>
+                    <a:pt x="8" y="34"/>
+                    <a:pt x="4" y="17"/>
+                    <a:pt x="0" y="0"/>
+                  </a:cubicBezTo>
+                  <a:cubicBezTo>
+                    <a:pt x="8" y="79"/>
+                    <a:pt x="19" y="159"/>
+                    <a:pt x="33" y="237"/>
+                  </a:cubicBezTo>
+                  <a:cubicBezTo>
+                    <a:pt x="51" y="339"/>
+                    <a:pt x="76" y="439"/>
+                    <a:pt x="107" y="537"/>
+                  </a:cubicBezTo>
+                  <a:cubicBezTo>
+                    <a:pt x="123" y="586"/>
+                    <a:pt x="141" y="634"/>
+                    <a:pt x="160" y="681"/>
+                  </a:cubicBezTo>
+                  <a:cubicBezTo>
+                    <a:pt x="166" y="695"/>
+                    <a:pt x="172" y="708"/>
+                    <a:pt x="178" y="722"/>
+                  </a:cubicBezTo>
+                  <a:cubicBezTo>
+                    <a:pt x="176" y="717"/>
+                    <a:pt x="175" y="713"/>
+                    <a:pt x="174" y="708"/>
+                  </a:cubicBezTo>
+                  <a:cubicBezTo>
+                    <a:pt x="169" y="692"/>
+                    <a:pt x="165" y="676"/>
+                    <a:pt x="162" y="660"/>
+                  </a:cubicBezTo>
+                  <a:close/>
+                </a:path>
+              </a:pathLst>
+            </a:custGeom>
+            <a:solidFill>
+              <a:schemeClr val="tx2">
+                <a:alpha val="20000"/>
+              </a:schemeClr>
+            </a:solidFill>
+            <a:ln>
+              <a:noFill/>
+            </a:ln>
+          </p:spPr>
+        </p:sp>
+        <p:sp>
+          <p:nvSpPr>
+            <p:cNvPr id="29" name="Freeform 16"/>
+            <p:cNvSpPr/>
+            <p:nvPr/>
+          </p:nvSpPr>
+          <p:spPr bwMode="auto">
+            <a:xfrm>
+              <a:off x="2506663" y="285750"/>
+              <a:ext cx="90488" cy="2493963"/>
+            </a:xfrm>
+            <a:custGeom>
+              <a:avLst/>
+              <a:gdLst/>
+              <a:ahLst/>
+              <a:cxnLst/>
+              <a:rect l="0" t="0" r="r" b="b"/>
+              <a:pathLst>
+                <a:path w="23" h="635">
+                  <a:moveTo>
+                    <a:pt x="11" y="577"/>
+                  </a:moveTo>
+                  <a:cubicBezTo>
+                    <a:pt x="12" y="581"/>
+                    <a:pt x="12" y="585"/>
+                    <a:pt x="12" y="589"/>
+                  </a:cubicBezTo>
+                  <a:cubicBezTo>
+                    <a:pt x="15" y="603"/>
+                    <a:pt x="19" y="617"/>
+                    <a:pt x="22" y="632"/>
+                  </a:cubicBezTo>
+                  <a:cubicBezTo>
+                    <a:pt x="22" y="633"/>
+                    <a:pt x="22" y="634"/>
+                    <a:pt x="23" y="635"/>
+                  </a:cubicBezTo>
+                  <a:cubicBezTo>
+                    <a:pt x="21" y="615"/>
+                    <a:pt x="19" y="596"/>
+                    <a:pt x="17" y="576"/>
+                  </a:cubicBezTo>
+                  <a:cubicBezTo>
+                    <a:pt x="9" y="474"/>
+                    <a:pt x="5" y="372"/>
+                    <a:pt x="5" y="269"/>
+                  </a:cubicBezTo>
+                  <a:cubicBezTo>
+                    <a:pt x="6" y="179"/>
+                    <a:pt x="9" y="90"/>
+                    <a:pt x="15" y="0"/>
+                  </a:cubicBezTo>
+                  <a:cubicBezTo>
+                    <a:pt x="12" y="0"/>
+                    <a:pt x="12" y="0"/>
+                    <a:pt x="12" y="0"/>
+                  </a:cubicBezTo>
+                  <a:cubicBezTo>
+                    <a:pt x="5" y="89"/>
+                    <a:pt x="2" y="179"/>
+                    <a:pt x="1" y="269"/>
+                  </a:cubicBezTo>
+                  <a:cubicBezTo>
+                    <a:pt x="0" y="372"/>
+                    <a:pt x="3" y="474"/>
+                    <a:pt x="11" y="577"/>
+                  </a:cubicBezTo>
+                  <a:close/>
+                </a:path>
+              </a:pathLst>
+            </a:custGeom>
+            <a:solidFill>
+              <a:schemeClr val="tx2">
+                <a:alpha val="20000"/>
+              </a:schemeClr>
+            </a:solidFill>
+            <a:ln>
+              <a:noFill/>
+            </a:ln>
+          </p:spPr>
+        </p:sp>
+        <p:sp>
+          <p:nvSpPr>
+            <p:cNvPr id="30" name="Freeform 17"/>
+            <p:cNvSpPr/>
+            <p:nvPr/>
+          </p:nvSpPr>
+          <p:spPr bwMode="auto">
+            <a:xfrm>
+              <a:off x="2554288" y="2598738"/>
+              <a:ext cx="66675" cy="420688"/>
+            </a:xfrm>
+            <a:custGeom>
+              <a:avLst/>
+              <a:gdLst/>
+              <a:ahLst/>
+              <a:cxnLst/>
+              <a:rect l="0" t="0" r="r" b="b"/>
+              <a:pathLst>
+                <a:path w="17" h="107">
+                  <a:moveTo>
+                    <a:pt x="0" y="0"/>
+                  </a:moveTo>
+                  <a:cubicBezTo>
+                    <a:pt x="2" y="19"/>
+                    <a:pt x="3" y="37"/>
+                    <a:pt x="5" y="56"/>
+                  </a:cubicBezTo>
+                  <a:cubicBezTo>
+                    <a:pt x="9" y="73"/>
+                    <a:pt x="13" y="90"/>
+                    <a:pt x="17" y="107"/>
+                  </a:cubicBezTo>
+                  <a:cubicBezTo>
+                    <a:pt x="15" y="87"/>
+                    <a:pt x="13" y="66"/>
+                    <a:pt x="11" y="46"/>
+                  </a:cubicBezTo>
+                  <a:cubicBezTo>
+                    <a:pt x="10" y="45"/>
+                    <a:pt x="10" y="44"/>
+                    <a:pt x="10" y="43"/>
+                  </a:cubicBezTo>
+                  <a:cubicBezTo>
+                    <a:pt x="7" y="28"/>
+                    <a:pt x="3" y="14"/>
+                    <a:pt x="0" y="0"/>
+                  </a:cubicBezTo>
+                  <a:close/>
+                </a:path>
+              </a:pathLst>
+            </a:custGeom>
+            <a:solidFill>
+              <a:schemeClr val="tx2">
+                <a:alpha val="20000"/>
+              </a:schemeClr>
+            </a:solidFill>
+            <a:ln>
+              <a:noFill/>
+            </a:ln>
+          </p:spPr>
+        </p:sp>
+        <p:sp>
+          <p:nvSpPr>
+            <p:cNvPr id="31" name="Freeform 18"/>
+            <p:cNvSpPr/>
+            <p:nvPr/>
+          </p:nvSpPr>
+          <p:spPr bwMode="auto">
+            <a:xfrm>
+              <a:off x="3143251" y="4757738"/>
+              <a:ext cx="161925" cy="873125"/>
+            </a:xfrm>
+            <a:custGeom>
+              <a:avLst/>
+              <a:gdLst/>
+              <a:ahLst/>
+              <a:cxnLst/>
+              <a:rect l="0" t="0" r="r" b="b"/>
+              <a:pathLst>
+                <a:path w="41" h="222">
+                  <a:moveTo>
+                    <a:pt x="0" y="0"/>
+                  </a:moveTo>
+                  <a:cubicBezTo>
+                    <a:pt x="0" y="31"/>
+                    <a:pt x="2" y="62"/>
+                    <a:pt x="5" y="93"/>
+                  </a:cubicBezTo>
+                  <a:cubicBezTo>
+                    <a:pt x="8" y="117"/>
+                    <a:pt x="12" y="142"/>
+                    <a:pt x="17" y="166"/>
+                  </a:cubicBezTo>
+                  <a:cubicBezTo>
+                    <a:pt x="19" y="172"/>
+                    <a:pt x="22" y="178"/>
+                    <a:pt x="24" y="184"/>
+                  </a:cubicBezTo>
+                  <a:cubicBezTo>
+                    <a:pt x="30" y="197"/>
+                    <a:pt x="35" y="209"/>
+                    <a:pt x="41" y="222"/>
+                  </a:cubicBezTo>
+                  <a:cubicBezTo>
+                    <a:pt x="40" y="219"/>
+                    <a:pt x="39" y="215"/>
+                    <a:pt x="38" y="212"/>
+                  </a:cubicBezTo>
+                  <a:cubicBezTo>
+                    <a:pt x="26" y="172"/>
+                    <a:pt x="18" y="132"/>
+                    <a:pt x="13" y="92"/>
+                  </a:cubicBezTo>
+                  <a:cubicBezTo>
+                    <a:pt x="11" y="68"/>
+                    <a:pt x="9" y="45"/>
+                    <a:pt x="8" y="22"/>
+                  </a:cubicBezTo>
+                  <a:cubicBezTo>
+                    <a:pt x="8" y="21"/>
+                    <a:pt x="7" y="20"/>
+                    <a:pt x="7" y="18"/>
+                  </a:cubicBezTo>
+                  <a:cubicBezTo>
+                    <a:pt x="5" y="12"/>
+                    <a:pt x="2" y="6"/>
+                    <a:pt x="0" y="0"/>
+                  </a:cubicBezTo>
+                  <a:close/>
+                </a:path>
+              </a:pathLst>
+            </a:custGeom>
+            <a:solidFill>
+              <a:schemeClr val="tx2">
+                <a:alpha val="20000"/>
+              </a:schemeClr>
+            </a:solidFill>
+            <a:ln>
+              <a:noFill/>
+            </a:ln>
+          </p:spPr>
+        </p:sp>
+        <p:sp>
+          <p:nvSpPr>
+            <p:cNvPr id="32" name="Freeform 19"/>
+            <p:cNvSpPr/>
+            <p:nvPr/>
+          </p:nvSpPr>
+          <p:spPr bwMode="auto">
+            <a:xfrm>
+              <a:off x="3148013" y="1282700"/>
+              <a:ext cx="1768475" cy="3448050"/>
+            </a:xfrm>
+            <a:custGeom>
+              <a:avLst/>
+              <a:gdLst/>
+              <a:ahLst/>
+              <a:cxnLst/>
+              <a:rect l="0" t="0" r="r" b="b"/>
+              <a:pathLst>
+                <a:path w="450" h="878">
+                  <a:moveTo>
+                    <a:pt x="7" y="854"/>
+                  </a:moveTo>
+                  <a:cubicBezTo>
+                    <a:pt x="10" y="772"/>
+                    <a:pt x="26" y="691"/>
+                    <a:pt x="50" y="613"/>
+                  </a:cubicBezTo>
+                  <a:cubicBezTo>
+                    <a:pt x="75" y="535"/>
+                    <a:pt x="109" y="460"/>
+                    <a:pt x="149" y="388"/>
+                  </a:cubicBezTo>
+                  <a:cubicBezTo>
+                    <a:pt x="189" y="316"/>
+                    <a:pt x="235" y="248"/>
+                    <a:pt x="285" y="183"/>
+                  </a:cubicBezTo>
+                  <a:cubicBezTo>
+                    <a:pt x="310" y="151"/>
+                    <a:pt x="337" y="119"/>
+                    <a:pt x="364" y="89"/>
+                  </a:cubicBezTo>
+                  <a:cubicBezTo>
+                    <a:pt x="378" y="74"/>
+                    <a:pt x="392" y="58"/>
+                    <a:pt x="406" y="44"/>
+                  </a:cubicBezTo>
+                  <a:cubicBezTo>
+                    <a:pt x="421" y="29"/>
+                    <a:pt x="435" y="15"/>
+                    <a:pt x="450" y="1"/>
+                  </a:cubicBezTo>
+                  <a:cubicBezTo>
+                    <a:pt x="450" y="0"/>
+                    <a:pt x="450" y="0"/>
+                    <a:pt x="450" y="0"/>
+                  </a:cubicBezTo>
+                  <a:cubicBezTo>
+                    <a:pt x="434" y="14"/>
+                    <a:pt x="420" y="28"/>
+                    <a:pt x="405" y="43"/>
+                  </a:cubicBezTo>
+                  <a:cubicBezTo>
+                    <a:pt x="391" y="57"/>
+                    <a:pt x="377" y="72"/>
+                    <a:pt x="363" y="88"/>
+                  </a:cubicBezTo>
+                  <a:cubicBezTo>
+                    <a:pt x="335" y="118"/>
+                    <a:pt x="308" y="149"/>
+                    <a:pt x="283" y="181"/>
+                  </a:cubicBezTo>
+                  <a:cubicBezTo>
+                    <a:pt x="232" y="246"/>
+                    <a:pt x="185" y="314"/>
+                    <a:pt x="145" y="386"/>
+                  </a:cubicBezTo>
+                  <a:cubicBezTo>
+                    <a:pt x="104" y="457"/>
+                    <a:pt x="70" y="533"/>
+                    <a:pt x="45" y="611"/>
+                  </a:cubicBezTo>
+                  <a:cubicBezTo>
+                    <a:pt x="19" y="690"/>
+                    <a:pt x="3" y="771"/>
+                    <a:pt x="0" y="854"/>
+                  </a:cubicBezTo>
+                  <a:cubicBezTo>
+                    <a:pt x="0" y="856"/>
+                    <a:pt x="0" y="857"/>
+                    <a:pt x="0" y="859"/>
+                  </a:cubicBezTo>
+                  <a:cubicBezTo>
+                    <a:pt x="2" y="865"/>
+                    <a:pt x="4" y="872"/>
+                    <a:pt x="7" y="878"/>
+                  </a:cubicBezTo>
+                  <a:cubicBezTo>
+                    <a:pt x="7" y="870"/>
+                    <a:pt x="7" y="862"/>
+                    <a:pt x="7" y="854"/>
+                  </a:cubicBezTo>
+                  <a:close/>
+                </a:path>
+              </a:pathLst>
+            </a:custGeom>
+            <a:solidFill>
+              <a:schemeClr val="tx2">
+                <a:alpha val="20000"/>
+              </a:schemeClr>
+            </a:solidFill>
+            <a:ln>
+              <a:noFill/>
+            </a:ln>
+          </p:spPr>
+        </p:sp>
+        <p:sp>
+          <p:nvSpPr>
+            <p:cNvPr id="33" name="Freeform 20"/>
+            <p:cNvSpPr/>
+            <p:nvPr/>
+          </p:nvSpPr>
+          <p:spPr bwMode="auto">
+            <a:xfrm>
+              <a:off x="3273426" y="5653088"/>
+              <a:ext cx="138113" cy="287338"/>
+            </a:xfrm>
+            <a:custGeom>
+              <a:avLst/>
+              <a:gdLst/>
+              <a:ahLst/>
+              <a:cxnLst/>
+              <a:rect l="0" t="0" r="r" b="b"/>
+              <a:pathLst>
+                <a:path w="35" h="73">
+                  <a:moveTo>
+                    <a:pt x="0" y="0"/>
+                  </a:moveTo>
+                  <a:cubicBezTo>
+                    <a:pt x="7" y="24"/>
+                    <a:pt x="16" y="49"/>
+                    <a:pt x="26" y="73"/>
+                  </a:cubicBezTo>
+                  <a:cubicBezTo>
+                    <a:pt x="35" y="73"/>
+                    <a:pt x="35" y="73"/>
+                    <a:pt x="35" y="73"/>
+                  </a:cubicBezTo>
+                  <a:cubicBezTo>
+                    <a:pt x="23" y="49"/>
+                    <a:pt x="11" y="24"/>
+                    <a:pt x="0" y="0"/>
+                  </a:cubicBezTo>
+                  <a:close/>
+                </a:path>
+              </a:pathLst>
+            </a:custGeom>
+            <a:solidFill>
+              <a:schemeClr val="tx2">
+                <a:alpha val="20000"/>
+              </a:schemeClr>
+            </a:solidFill>
+            <a:ln>
+              <a:noFill/>
+            </a:ln>
+          </p:spPr>
+        </p:sp>
+        <p:sp>
+          <p:nvSpPr>
+            <p:cNvPr id="34" name="Freeform 21"/>
+            <p:cNvSpPr/>
+            <p:nvPr/>
+          </p:nvSpPr>
+          <p:spPr bwMode="auto">
+            <a:xfrm>
+              <a:off x="3143251" y="4656138"/>
+              <a:ext cx="31750" cy="188913"/>
+            </a:xfrm>
+            <a:custGeom>
+              <a:avLst/>
+              <a:gdLst/>
+              <a:ahLst/>
+              <a:cxnLst/>
+              <a:rect l="0" t="0" r="r" b="b"/>
+              <a:pathLst>
+                <a:path w="8" h="48">
+                  <a:moveTo>
+                    <a:pt x="7" y="44"/>
+                  </a:moveTo>
+                  <a:cubicBezTo>
+                    <a:pt x="7" y="46"/>
+                    <a:pt x="8" y="47"/>
+                    <a:pt x="8" y="48"/>
+                  </a:cubicBezTo>
+                  <a:cubicBezTo>
+                    <a:pt x="8" y="38"/>
+                    <a:pt x="8" y="29"/>
+                    <a:pt x="8" y="19"/>
+                  </a:cubicBezTo>
+                  <a:cubicBezTo>
+                    <a:pt x="5" y="13"/>
+                    <a:pt x="3" y="6"/>
+                    <a:pt x="1" y="0"/>
+                  </a:cubicBezTo>
+                  <a:cubicBezTo>
+                    <a:pt x="0" y="9"/>
+                    <a:pt x="0" y="17"/>
+                    <a:pt x="0" y="26"/>
+                  </a:cubicBezTo>
+                  <a:cubicBezTo>
+                    <a:pt x="2" y="32"/>
+                    <a:pt x="5" y="38"/>
+                    <a:pt x="7" y="44"/>
+                  </a:cubicBezTo>
+                  <a:close/>
+                </a:path>
+              </a:pathLst>
+            </a:custGeom>
+            <a:solidFill>
+              <a:schemeClr val="tx2">
+                <a:alpha val="20000"/>
+              </a:schemeClr>
+            </a:solidFill>
+            <a:ln>
+              <a:noFill/>
+            </a:ln>
+          </p:spPr>
+        </p:sp>
+        <p:sp>
+          <p:nvSpPr>
+            <p:cNvPr id="35" name="Freeform 22"/>
+            <p:cNvSpPr/>
+            <p:nvPr/>
+          </p:nvSpPr>
+          <p:spPr bwMode="auto">
+            <a:xfrm>
+              <a:off x="3211513" y="5410200"/>
+              <a:ext cx="203200" cy="530225"/>
+            </a:xfrm>
+            <a:custGeom>
+              <a:avLst/>
+              <a:gdLst/>
+              <a:ahLst/>
+              <a:cxnLst/>
+              <a:rect l="0" t="0" r="r" b="b"/>
+              <a:pathLst>
+                <a:path w="52" h="135">
+                  <a:moveTo>
+                    <a:pt x="7" y="18"/>
+                  </a:moveTo>
+                  <a:cubicBezTo>
+                    <a:pt x="5" y="12"/>
+                    <a:pt x="2" y="6"/>
+                    <a:pt x="0" y="0"/>
+                  </a:cubicBezTo>
+                  <a:cubicBezTo>
+                    <a:pt x="3" y="16"/>
+                    <a:pt x="7" y="32"/>
+                    <a:pt x="12" y="48"/>
+                  </a:cubicBezTo>
+                  <a:cubicBezTo>
+                    <a:pt x="13" y="53"/>
+                    <a:pt x="14" y="57"/>
+                    <a:pt x="16" y="62"/>
+                  </a:cubicBezTo>
+                  <a:cubicBezTo>
+                    <a:pt x="27" y="86"/>
+                    <a:pt x="39" y="111"/>
+                    <a:pt x="51" y="135"/>
+                  </a:cubicBezTo>
+                  <a:cubicBezTo>
+                    <a:pt x="52" y="135"/>
+                    <a:pt x="52" y="135"/>
+                    <a:pt x="52" y="135"/>
+                  </a:cubicBezTo>
+                  <a:cubicBezTo>
+                    <a:pt x="41" y="109"/>
+                    <a:pt x="32" y="83"/>
+                    <a:pt x="24" y="56"/>
+                  </a:cubicBezTo>
+                  <a:cubicBezTo>
+                    <a:pt x="18" y="43"/>
+                    <a:pt x="13" y="31"/>
+                    <a:pt x="7" y="18"/>
+                  </a:cubicBezTo>
+                  <a:close/>
+                </a:path>
+              </a:pathLst>
+            </a:custGeom>
+            <a:solidFill>
+              <a:schemeClr val="tx2">
+                <a:alpha val="20000"/>
+              </a:schemeClr>
+            </a:solidFill>
+            <a:ln>
+              <a:noFill/>
+            </a:ln>
+          </p:spPr>
+        </p:sp>
       </p:grpSp>
-      <p:sp>
-        <p:nvSpPr>
-          <p:cNvPr id="2" name="Title Placeholder 1"/>
-          <p:cNvSpPr>
-            <a:spLocks noGrp="1"/>
-          </p:cNvSpPr>
-          <p:nvPr>
-            <p:ph type="title"/>
-          </p:nvPr>
+      <p:grpSp>
+        <p:nvGrpSpPr>
+          <p:cNvPr id="10" name="Group 9"/>
+          <p:cNvGrpSpPr/>
+          <p:nvPr/>
+        </p:nvGrpSpPr>
+        <p:grpSpPr>
+          <a:xfrm>
+            <a:off x="27221" y="-786"/>
+            <a:ext cx="2356674" cy="6854039"/>
+            <a:chOff x="6627813" y="194833"/>
+            <a:chExt cx="1952625" cy="5678918"/>
+          </a:xfrm>
+        </p:grpSpPr>
+        <p:sp>
+          <p:nvSpPr>
+            <p:cNvPr id="11" name="Freeform 27"/>
+            <p:cNvSpPr/>
+            <p:nvPr/>
+          </p:nvSpPr>
+          <p:spPr bwMode="auto">
+            <a:xfrm>
+              <a:off x="6627813" y="194833"/>
+              <a:ext cx="409575" cy="3646488"/>
+            </a:xfrm>
+            <a:custGeom>
+              <a:avLst/>
+              <a:gdLst/>
+              <a:ahLst/>
+              <a:cxnLst/>
+              <a:rect l="0" t="0" r="r" b="b"/>
+              <a:pathLst>
+                <a:path w="103" h="920">
+                  <a:moveTo>
+                    <a:pt x="7" y="210"/>
+                  </a:moveTo>
+                  <a:cubicBezTo>
+                    <a:pt x="11" y="288"/>
+                    <a:pt x="17" y="367"/>
+                    <a:pt x="26" y="445"/>
+                  </a:cubicBezTo>
+                  <a:cubicBezTo>
+                    <a:pt x="34" y="523"/>
+                    <a:pt x="44" y="601"/>
+                    <a:pt x="57" y="679"/>
+                  </a:cubicBezTo>
+                  <a:cubicBezTo>
+                    <a:pt x="69" y="757"/>
+                    <a:pt x="84" y="834"/>
+                    <a:pt x="101" y="911"/>
+                  </a:cubicBezTo>
+                  <a:cubicBezTo>
+                    <a:pt x="102" y="914"/>
+                    <a:pt x="103" y="917"/>
+                    <a:pt x="103" y="920"/>
+                  </a:cubicBezTo>
+                  <a:cubicBezTo>
+                    <a:pt x="102" y="905"/>
+                    <a:pt x="100" y="889"/>
+                    <a:pt x="99" y="874"/>
+                  </a:cubicBezTo>
+                  <a:cubicBezTo>
+                    <a:pt x="99" y="871"/>
+                    <a:pt x="99" y="868"/>
+                    <a:pt x="99" y="866"/>
+                  </a:cubicBezTo>
+                  <a:cubicBezTo>
+                    <a:pt x="85" y="803"/>
+                    <a:pt x="73" y="741"/>
+                    <a:pt x="63" y="678"/>
+                  </a:cubicBezTo>
+                  <a:cubicBezTo>
+                    <a:pt x="50" y="600"/>
+                    <a:pt x="39" y="523"/>
+                    <a:pt x="30" y="444"/>
+                  </a:cubicBezTo>
+                  <a:cubicBezTo>
+                    <a:pt x="21" y="366"/>
+                    <a:pt x="14" y="288"/>
+                    <a:pt x="9" y="209"/>
+                  </a:cubicBezTo>
+                  <a:cubicBezTo>
+                    <a:pt x="7" y="170"/>
+                    <a:pt x="5" y="131"/>
+                    <a:pt x="3" y="92"/>
+                  </a:cubicBezTo>
+                  <a:cubicBezTo>
+                    <a:pt x="2" y="61"/>
+                    <a:pt x="1" y="31"/>
+                    <a:pt x="1" y="0"/>
+                  </a:cubicBezTo>
+                  <a:cubicBezTo>
+                    <a:pt x="0" y="0"/>
+                    <a:pt x="0" y="0"/>
+                    <a:pt x="0" y="0"/>
+                  </a:cubicBezTo>
+                  <a:cubicBezTo>
+                    <a:pt x="0" y="31"/>
+                    <a:pt x="1" y="61"/>
+                    <a:pt x="1" y="92"/>
+                  </a:cubicBezTo>
+                  <a:cubicBezTo>
+                    <a:pt x="3" y="131"/>
+                    <a:pt x="4" y="170"/>
+                    <a:pt x="7" y="210"/>
+                  </a:cubicBezTo>
+                  <a:close/>
+                </a:path>
+              </a:pathLst>
+            </a:custGeom>
+            <a:solidFill>
+              <a:schemeClr val="tx2"/>
+            </a:solidFill>
+            <a:ln>
+              <a:noFill/>
+            </a:ln>
+          </p:spPr>
+        </p:sp>
+        <p:sp>
+          <p:nvSpPr>
+            <p:cNvPr id="12" name="Freeform 28"/>
+            <p:cNvSpPr/>
+            <p:nvPr/>
+          </p:nvSpPr>
+          <p:spPr bwMode="auto">
+            <a:xfrm>
+              <a:off x="7061201" y="3771900"/>
+              <a:ext cx="350838" cy="1309688"/>
+            </a:xfrm>
+            <a:custGeom>
+              <a:avLst/>
+              <a:gdLst/>
+              <a:ahLst/>
+              <a:cxnLst/>
+              <a:rect l="0" t="0" r="r" b="b"/>
+              <a:pathLst>
+                <a:path w="88" h="330">
+                  <a:moveTo>
+                    <a:pt x="53" y="229"/>
+                  </a:moveTo>
+                  <a:cubicBezTo>
+                    <a:pt x="64" y="263"/>
+                    <a:pt x="75" y="297"/>
+                    <a:pt x="88" y="330"/>
+                  </a:cubicBezTo>
+                  <a:cubicBezTo>
+                    <a:pt x="88" y="323"/>
+                    <a:pt x="88" y="315"/>
+                    <a:pt x="88" y="308"/>
+                  </a:cubicBezTo>
+                  <a:cubicBezTo>
+                    <a:pt x="88" y="307"/>
+                    <a:pt x="88" y="305"/>
+                    <a:pt x="88" y="304"/>
+                  </a:cubicBezTo>
+                  <a:cubicBezTo>
+                    <a:pt x="79" y="278"/>
+                    <a:pt x="70" y="252"/>
+                    <a:pt x="62" y="226"/>
+                  </a:cubicBezTo>
+                  <a:cubicBezTo>
+                    <a:pt x="38" y="152"/>
+                    <a:pt x="17" y="76"/>
+                    <a:pt x="0" y="0"/>
+                  </a:cubicBezTo>
+                  <a:cubicBezTo>
+                    <a:pt x="2" y="21"/>
+                    <a:pt x="4" y="42"/>
+                    <a:pt x="7" y="63"/>
+                  </a:cubicBezTo>
+                  <a:cubicBezTo>
+                    <a:pt x="21" y="119"/>
+                    <a:pt x="36" y="174"/>
+                    <a:pt x="53" y="229"/>
+                  </a:cubicBezTo>
+                  <a:close/>
+                </a:path>
+              </a:pathLst>
+            </a:custGeom>
+            <a:solidFill>
+              <a:schemeClr val="tx2"/>
+            </a:solidFill>
+            <a:ln>
+              <a:noFill/>
+            </a:ln>
+          </p:spPr>
+        </p:sp>
+        <p:sp>
+          <p:nvSpPr>
+            <p:cNvPr id="13" name="Freeform 29"/>
+            <p:cNvSpPr/>
+            <p:nvPr/>
+          </p:nvSpPr>
+          <p:spPr bwMode="auto">
+            <a:xfrm>
+              <a:off x="7439026" y="5053013"/>
+              <a:ext cx="357188" cy="820738"/>
+            </a:xfrm>
+            <a:custGeom>
+              <a:avLst/>
+              <a:gdLst/>
+              <a:ahLst/>
+              <a:cxnLst/>
+              <a:rect l="0" t="0" r="r" b="b"/>
+              <a:pathLst>
+                <a:path w="90" h="207">
+                  <a:moveTo>
+                    <a:pt x="6" y="15"/>
+                  </a:moveTo>
+                  <a:cubicBezTo>
+                    <a:pt x="4" y="10"/>
+                    <a:pt x="2" y="5"/>
+                    <a:pt x="0" y="0"/>
+                  </a:cubicBezTo>
+                  <a:cubicBezTo>
+                    <a:pt x="0" y="9"/>
+                    <a:pt x="0" y="19"/>
+                    <a:pt x="1" y="29"/>
+                  </a:cubicBezTo>
+                  <a:cubicBezTo>
+                    <a:pt x="14" y="62"/>
+                    <a:pt x="27" y="95"/>
+                    <a:pt x="42" y="127"/>
+                  </a:cubicBezTo>
+                  <a:cubicBezTo>
+                    <a:pt x="54" y="154"/>
+                    <a:pt x="67" y="181"/>
+                    <a:pt x="80" y="207"/>
+                  </a:cubicBezTo>
+                  <a:cubicBezTo>
+                    <a:pt x="90" y="207"/>
+                    <a:pt x="90" y="207"/>
+                    <a:pt x="90" y="207"/>
+                  </a:cubicBezTo>
+                  <a:cubicBezTo>
+                    <a:pt x="76" y="180"/>
+                    <a:pt x="63" y="152"/>
+                    <a:pt x="50" y="123"/>
+                  </a:cubicBezTo>
+                  <a:cubicBezTo>
+                    <a:pt x="34" y="88"/>
+                    <a:pt x="20" y="51"/>
+                    <a:pt x="6" y="15"/>
+                  </a:cubicBezTo>
+                  <a:close/>
+                </a:path>
+              </a:pathLst>
+            </a:custGeom>
+            <a:solidFill>
+              <a:schemeClr val="tx2"/>
+            </a:solidFill>
+            <a:ln>
+              <a:noFill/>
+            </a:ln>
+          </p:spPr>
+        </p:sp>
+        <p:sp>
+          <p:nvSpPr>
+            <p:cNvPr id="14" name="Freeform 30"/>
+            <p:cNvSpPr/>
+            <p:nvPr/>
+          </p:nvSpPr>
+          <p:spPr bwMode="auto">
+            <a:xfrm>
+              <a:off x="7037388" y="3811588"/>
+              <a:ext cx="457200" cy="1852613"/>
+            </a:xfrm>
+            <a:custGeom>
+              <a:avLst/>
+              <a:gdLst/>
+              <a:ahLst/>
+              <a:cxnLst/>
+              <a:rect l="0" t="0" r="r" b="b"/>
+              <a:pathLst>
+                <a:path w="115" h="467">
+                  <a:moveTo>
+                    <a:pt x="101" y="409"/>
+                  </a:moveTo>
+                  <a:cubicBezTo>
+                    <a:pt x="93" y="388"/>
+                    <a:pt x="85" y="366"/>
+                    <a:pt x="78" y="344"/>
+                  </a:cubicBezTo>
+                  <a:cubicBezTo>
+                    <a:pt x="57" y="281"/>
+                    <a:pt x="41" y="216"/>
+                    <a:pt x="29" y="151"/>
+                  </a:cubicBezTo>
+                  <a:cubicBezTo>
+                    <a:pt x="22" y="119"/>
+                    <a:pt x="17" y="86"/>
+                    <a:pt x="13" y="53"/>
+                  </a:cubicBezTo>
+                  <a:cubicBezTo>
+                    <a:pt x="9" y="35"/>
+                    <a:pt x="4" y="18"/>
+                    <a:pt x="0" y="0"/>
+                  </a:cubicBezTo>
+                  <a:cubicBezTo>
+                    <a:pt x="5" y="51"/>
+                    <a:pt x="12" y="102"/>
+                    <a:pt x="21" y="152"/>
+                  </a:cubicBezTo>
+                  <a:cubicBezTo>
+                    <a:pt x="33" y="218"/>
+                    <a:pt x="49" y="283"/>
+                    <a:pt x="69" y="347"/>
+                  </a:cubicBezTo>
+                  <a:cubicBezTo>
+                    <a:pt x="79" y="378"/>
+                    <a:pt x="90" y="410"/>
+                    <a:pt x="103" y="441"/>
+                  </a:cubicBezTo>
+                  <a:cubicBezTo>
+                    <a:pt x="107" y="449"/>
+                    <a:pt x="111" y="458"/>
+                    <a:pt x="115" y="467"/>
+                  </a:cubicBezTo>
+                  <a:cubicBezTo>
+                    <a:pt x="114" y="464"/>
+                    <a:pt x="113" y="461"/>
+                    <a:pt x="112" y="458"/>
+                  </a:cubicBezTo>
+                  <a:cubicBezTo>
+                    <a:pt x="108" y="442"/>
+                    <a:pt x="104" y="425"/>
+                    <a:pt x="101" y="409"/>
+                  </a:cubicBezTo>
+                  <a:close/>
+                </a:path>
+              </a:pathLst>
+            </a:custGeom>
+            <a:solidFill>
+              <a:schemeClr val="tx2"/>
+            </a:solidFill>
+            <a:ln>
+              <a:noFill/>
+            </a:ln>
+          </p:spPr>
+        </p:sp>
+        <p:sp>
+          <p:nvSpPr>
+            <p:cNvPr id="15" name="Freeform 31"/>
+            <p:cNvSpPr/>
+            <p:nvPr/>
+          </p:nvSpPr>
+          <p:spPr bwMode="auto">
+            <a:xfrm>
+              <a:off x="6992938" y="1263650"/>
+              <a:ext cx="144463" cy="2508250"/>
+            </a:xfrm>
+            <a:custGeom>
+              <a:avLst/>
+              <a:gdLst/>
+              <a:ahLst/>
+              <a:cxnLst/>
+              <a:rect l="0" t="0" r="r" b="b"/>
+              <a:pathLst>
+                <a:path w="36" h="633">
+                  <a:moveTo>
+                    <a:pt x="17" y="633"/>
+                  </a:moveTo>
+                  <a:cubicBezTo>
+                    <a:pt x="15" y="621"/>
+                    <a:pt x="14" y="609"/>
+                    <a:pt x="13" y="597"/>
+                  </a:cubicBezTo>
+                  <a:cubicBezTo>
+                    <a:pt x="8" y="530"/>
+                    <a:pt x="5" y="464"/>
+                    <a:pt x="5" y="398"/>
+                  </a:cubicBezTo>
+                  <a:cubicBezTo>
+                    <a:pt x="5" y="331"/>
+                    <a:pt x="8" y="265"/>
+                    <a:pt x="13" y="198"/>
+                  </a:cubicBezTo>
+                  <a:cubicBezTo>
+                    <a:pt x="15" y="165"/>
+                    <a:pt x="18" y="132"/>
+                    <a:pt x="22" y="99"/>
+                  </a:cubicBezTo>
+                  <a:cubicBezTo>
+                    <a:pt x="26" y="66"/>
+                    <a:pt x="30" y="33"/>
+                    <a:pt x="36" y="0"/>
+                  </a:cubicBezTo>
+                  <a:cubicBezTo>
+                    <a:pt x="35" y="0"/>
+                    <a:pt x="35" y="0"/>
+                    <a:pt x="35" y="0"/>
+                  </a:cubicBezTo>
+                  <a:cubicBezTo>
+                    <a:pt x="29" y="33"/>
+                    <a:pt x="24" y="66"/>
+                    <a:pt x="20" y="99"/>
+                  </a:cubicBezTo>
+                  <a:cubicBezTo>
+                    <a:pt x="16" y="132"/>
+                    <a:pt x="13" y="165"/>
+                    <a:pt x="10" y="198"/>
+                  </a:cubicBezTo>
+                  <a:cubicBezTo>
+                    <a:pt x="4" y="264"/>
+                    <a:pt x="1" y="331"/>
+                    <a:pt x="1" y="398"/>
+                  </a:cubicBezTo>
+                  <a:cubicBezTo>
+                    <a:pt x="0" y="461"/>
+                    <a:pt x="2" y="525"/>
+                    <a:pt x="7" y="589"/>
+                  </a:cubicBezTo>
+                  <a:cubicBezTo>
+                    <a:pt x="10" y="603"/>
+                    <a:pt x="13" y="618"/>
+                    <a:pt x="16" y="632"/>
+                  </a:cubicBezTo>
+                  <a:cubicBezTo>
+                    <a:pt x="16" y="632"/>
+                    <a:pt x="17" y="633"/>
+                    <a:pt x="17" y="633"/>
+                  </a:cubicBezTo>
+                  <a:close/>
+                </a:path>
+              </a:pathLst>
+            </a:custGeom>
+            <a:solidFill>
+              <a:schemeClr val="tx2"/>
+            </a:solidFill>
+            <a:ln>
+              <a:noFill/>
+            </a:ln>
+          </p:spPr>
+        </p:sp>
+        <p:sp>
+          <p:nvSpPr>
+            <p:cNvPr id="16" name="Freeform 32"/>
+            <p:cNvSpPr/>
+            <p:nvPr/>
+          </p:nvSpPr>
+          <p:spPr bwMode="auto">
+            <a:xfrm>
+              <a:off x="7526338" y="5640388"/>
+              <a:ext cx="111125" cy="233363"/>
+            </a:xfrm>
+            <a:custGeom>
+              <a:avLst/>
+              <a:gdLst/>
+              <a:ahLst/>
+              <a:cxnLst/>
+              <a:rect l="0" t="0" r="r" b="b"/>
+              <a:pathLst>
+                <a:path w="28" h="59">
+                  <a:moveTo>
+                    <a:pt x="22" y="59"/>
+                  </a:moveTo>
+                  <a:cubicBezTo>
+                    <a:pt x="28" y="59"/>
+                    <a:pt x="28" y="59"/>
+                    <a:pt x="28" y="59"/>
+                  </a:cubicBezTo>
+                  <a:cubicBezTo>
+                    <a:pt x="18" y="40"/>
+                    <a:pt x="9" y="20"/>
+                    <a:pt x="0" y="0"/>
+                  </a:cubicBezTo>
+                  <a:cubicBezTo>
+                    <a:pt x="6" y="20"/>
+                    <a:pt x="13" y="40"/>
+                    <a:pt x="22" y="59"/>
+                  </a:cubicBezTo>
+                  <a:close/>
+                </a:path>
+              </a:pathLst>
+            </a:custGeom>
+            <a:solidFill>
+              <a:schemeClr val="tx2"/>
+            </a:solidFill>
+            <a:ln>
+              <a:noFill/>
+            </a:ln>
+          </p:spPr>
+        </p:sp>
+        <p:sp>
+          <p:nvSpPr>
+            <p:cNvPr id="17" name="Freeform 33"/>
+            <p:cNvSpPr/>
+            <p:nvPr/>
+          </p:nvSpPr>
+          <p:spPr bwMode="auto">
+            <a:xfrm>
+              <a:off x="7021513" y="3598863"/>
+              <a:ext cx="68263" cy="423863"/>
+            </a:xfrm>
+            <a:custGeom>
+              <a:avLst/>
+              <a:gdLst/>
+              <a:ahLst/>
+              <a:cxnLst/>
+              <a:rect l="0" t="0" r="r" b="b"/>
+              <a:pathLst>
+                <a:path w="17" h="107">
+                  <a:moveTo>
+                    <a:pt x="4" y="54"/>
+                  </a:moveTo>
+                  <a:cubicBezTo>
+                    <a:pt x="8" y="72"/>
+                    <a:pt x="13" y="89"/>
+                    <a:pt x="17" y="107"/>
+                  </a:cubicBezTo>
+                  <a:cubicBezTo>
+                    <a:pt x="14" y="86"/>
+                    <a:pt x="12" y="65"/>
+                    <a:pt x="10" y="44"/>
+                  </a:cubicBezTo>
+                  <a:cubicBezTo>
+                    <a:pt x="10" y="44"/>
+                    <a:pt x="9" y="43"/>
+                    <a:pt x="9" y="43"/>
+                  </a:cubicBezTo>
+                  <a:cubicBezTo>
+                    <a:pt x="6" y="29"/>
+                    <a:pt x="3" y="14"/>
+                    <a:pt x="0" y="0"/>
+                  </a:cubicBezTo>
+                  <a:cubicBezTo>
+                    <a:pt x="0" y="2"/>
+                    <a:pt x="0" y="5"/>
+                    <a:pt x="0" y="8"/>
+                  </a:cubicBezTo>
+                  <a:cubicBezTo>
+                    <a:pt x="1" y="23"/>
+                    <a:pt x="3" y="39"/>
+                    <a:pt x="4" y="54"/>
+                  </a:cubicBezTo>
+                  <a:close/>
+                </a:path>
+              </a:pathLst>
+            </a:custGeom>
+            <a:solidFill>
+              <a:schemeClr val="tx2"/>
+            </a:solidFill>
+            <a:ln>
+              <a:noFill/>
+            </a:ln>
+          </p:spPr>
+        </p:sp>
+        <p:sp>
+          <p:nvSpPr>
+            <p:cNvPr id="18" name="Freeform 34"/>
+            <p:cNvSpPr/>
+            <p:nvPr/>
+          </p:nvSpPr>
+          <p:spPr bwMode="auto">
+            <a:xfrm>
+              <a:off x="7412038" y="2801938"/>
+              <a:ext cx="1168400" cy="2251075"/>
+            </a:xfrm>
+            <a:custGeom>
+              <a:avLst/>
+              <a:gdLst/>
+              <a:ahLst/>
+              <a:cxnLst/>
+              <a:rect l="0" t="0" r="r" b="b"/>
+              <a:pathLst>
+                <a:path w="294" h="568">
+                  <a:moveTo>
+                    <a:pt x="8" y="553"/>
+                  </a:moveTo>
+                  <a:cubicBezTo>
+                    <a:pt x="9" y="501"/>
+                    <a:pt x="19" y="448"/>
+                    <a:pt x="35" y="397"/>
+                  </a:cubicBezTo>
+                  <a:cubicBezTo>
+                    <a:pt x="51" y="347"/>
+                    <a:pt x="73" y="298"/>
+                    <a:pt x="99" y="252"/>
+                  </a:cubicBezTo>
+                  <a:cubicBezTo>
+                    <a:pt x="124" y="205"/>
+                    <a:pt x="154" y="161"/>
+                    <a:pt x="187" y="119"/>
+                  </a:cubicBezTo>
+                  <a:cubicBezTo>
+                    <a:pt x="203" y="98"/>
+                    <a:pt x="220" y="77"/>
+                    <a:pt x="238" y="58"/>
+                  </a:cubicBezTo>
+                  <a:cubicBezTo>
+                    <a:pt x="247" y="48"/>
+                    <a:pt x="256" y="38"/>
+                    <a:pt x="265" y="28"/>
+                  </a:cubicBezTo>
+                  <a:cubicBezTo>
+                    <a:pt x="274" y="19"/>
+                    <a:pt x="284" y="9"/>
+                    <a:pt x="294" y="0"/>
+                  </a:cubicBezTo>
+                  <a:cubicBezTo>
+                    <a:pt x="293" y="0"/>
+                    <a:pt x="293" y="0"/>
+                    <a:pt x="293" y="0"/>
+                  </a:cubicBezTo>
+                  <a:cubicBezTo>
+                    <a:pt x="283" y="9"/>
+                    <a:pt x="273" y="18"/>
+                    <a:pt x="264" y="27"/>
+                  </a:cubicBezTo>
+                  <a:cubicBezTo>
+                    <a:pt x="255" y="37"/>
+                    <a:pt x="246" y="47"/>
+                    <a:pt x="237" y="56"/>
+                  </a:cubicBezTo>
+                  <a:cubicBezTo>
+                    <a:pt x="218" y="76"/>
+                    <a:pt x="201" y="96"/>
+                    <a:pt x="185" y="117"/>
+                  </a:cubicBezTo>
+                  <a:cubicBezTo>
+                    <a:pt x="151" y="159"/>
+                    <a:pt x="121" y="203"/>
+                    <a:pt x="95" y="249"/>
+                  </a:cubicBezTo>
+                  <a:cubicBezTo>
+                    <a:pt x="68" y="296"/>
+                    <a:pt x="46" y="345"/>
+                    <a:pt x="30" y="396"/>
+                  </a:cubicBezTo>
+                  <a:cubicBezTo>
+                    <a:pt x="13" y="445"/>
+                    <a:pt x="3" y="497"/>
+                    <a:pt x="0" y="549"/>
+                  </a:cubicBezTo>
+                  <a:cubicBezTo>
+                    <a:pt x="3" y="555"/>
+                    <a:pt x="5" y="561"/>
+                    <a:pt x="7" y="568"/>
+                  </a:cubicBezTo>
+                  <a:cubicBezTo>
+                    <a:pt x="7" y="563"/>
+                    <a:pt x="7" y="558"/>
+                    <a:pt x="8" y="553"/>
+                  </a:cubicBezTo>
+                  <a:close/>
+                </a:path>
+              </a:pathLst>
+            </a:custGeom>
+            <a:solidFill>
+              <a:schemeClr val="tx2"/>
+            </a:solidFill>
+            <a:ln>
+              <a:noFill/>
+            </a:ln>
+          </p:spPr>
+        </p:sp>
+        <p:sp>
+          <p:nvSpPr>
+            <p:cNvPr id="19" name="Freeform 35"/>
+            <p:cNvSpPr/>
+            <p:nvPr/>
+          </p:nvSpPr>
+          <p:spPr bwMode="auto">
+            <a:xfrm>
+              <a:off x="7494588" y="5664200"/>
+              <a:ext cx="100013" cy="209550"/>
+            </a:xfrm>
+            <a:custGeom>
+              <a:avLst/>
+              <a:gdLst/>
+              <a:ahLst/>
+              <a:cxnLst/>
+              <a:rect l="0" t="0" r="r" b="b"/>
+              <a:pathLst>
+                <a:path w="25" h="53">
+                  <a:moveTo>
+                    <a:pt x="0" y="0"/>
+                  </a:moveTo>
+                  <a:cubicBezTo>
+                    <a:pt x="5" y="18"/>
+                    <a:pt x="12" y="36"/>
+                    <a:pt x="19" y="53"/>
+                  </a:cubicBezTo>
+                  <a:cubicBezTo>
+                    <a:pt x="25" y="53"/>
+                    <a:pt x="25" y="53"/>
+                    <a:pt x="25" y="53"/>
+                  </a:cubicBezTo>
+                  <a:cubicBezTo>
+                    <a:pt x="16" y="36"/>
+                    <a:pt x="8" y="18"/>
+                    <a:pt x="0" y="0"/>
+                  </a:cubicBezTo>
+                  <a:close/>
+                </a:path>
+              </a:pathLst>
+            </a:custGeom>
+            <a:solidFill>
+              <a:schemeClr val="tx2"/>
+            </a:solidFill>
+            <a:ln>
+              <a:noFill/>
+            </a:ln>
+          </p:spPr>
+        </p:sp>
+        <p:sp>
+          <p:nvSpPr>
+            <p:cNvPr id="20" name="Freeform 36"/>
+            <p:cNvSpPr/>
+            <p:nvPr/>
+          </p:nvSpPr>
+          <p:spPr bwMode="auto">
+            <a:xfrm>
+              <a:off x="7412038" y="5081588"/>
+              <a:ext cx="114300" cy="558800"/>
+            </a:xfrm>
+            <a:custGeom>
+              <a:avLst/>
+              <a:gdLst/>
+              <a:ahLst/>
+              <a:cxnLst/>
+              <a:rect l="0" t="0" r="r" b="b"/>
+              <a:pathLst>
+                <a:path w="29" h="141">
+                  <a:moveTo>
+                    <a:pt x="0" y="0"/>
+                  </a:moveTo>
+                  <a:cubicBezTo>
+                    <a:pt x="0" y="30"/>
+                    <a:pt x="2" y="60"/>
+                    <a:pt x="7" y="89"/>
+                  </a:cubicBezTo>
+                  <a:cubicBezTo>
+                    <a:pt x="11" y="98"/>
+                    <a:pt x="14" y="108"/>
+                    <a:pt x="18" y="117"/>
+                  </a:cubicBezTo>
+                  <a:cubicBezTo>
+                    <a:pt x="22" y="125"/>
+                    <a:pt x="25" y="133"/>
+                    <a:pt x="29" y="141"/>
+                  </a:cubicBezTo>
+                  <a:cubicBezTo>
+                    <a:pt x="28" y="139"/>
+                    <a:pt x="28" y="137"/>
+                    <a:pt x="27" y="135"/>
+                  </a:cubicBezTo>
+                  <a:cubicBezTo>
+                    <a:pt x="16" y="98"/>
+                    <a:pt x="10" y="60"/>
+                    <a:pt x="8" y="22"/>
+                  </a:cubicBezTo>
+                  <a:cubicBezTo>
+                    <a:pt x="7" y="18"/>
+                    <a:pt x="5" y="15"/>
+                    <a:pt x="4" y="11"/>
+                  </a:cubicBezTo>
+                  <a:cubicBezTo>
+                    <a:pt x="2" y="7"/>
+                    <a:pt x="1" y="3"/>
+                    <a:pt x="0" y="0"/>
+                  </a:cubicBezTo>
+                  <a:close/>
+                </a:path>
+              </a:pathLst>
+            </a:custGeom>
+            <a:solidFill>
+              <a:schemeClr val="tx2"/>
+            </a:solidFill>
+            <a:ln>
+              <a:noFill/>
+            </a:ln>
+          </p:spPr>
+        </p:sp>
+        <p:sp>
+          <p:nvSpPr>
+            <p:cNvPr id="21" name="Freeform 37"/>
+            <p:cNvSpPr/>
+            <p:nvPr/>
+          </p:nvSpPr>
+          <p:spPr bwMode="auto">
+            <a:xfrm>
+              <a:off x="7412038" y="4978400"/>
+              <a:ext cx="31750" cy="188913"/>
+            </a:xfrm>
+            <a:custGeom>
+              <a:avLst/>
+              <a:gdLst/>
+              <a:ahLst/>
+              <a:cxnLst/>
+              <a:rect l="0" t="0" r="r" b="b"/>
+              <a:pathLst>
+                <a:path w="8" h="48">
+                  <a:moveTo>
+                    <a:pt x="0" y="26"/>
+                  </a:moveTo>
+                  <a:cubicBezTo>
+                    <a:pt x="1" y="29"/>
+                    <a:pt x="2" y="33"/>
+                    <a:pt x="4" y="37"/>
+                  </a:cubicBezTo>
+                  <a:cubicBezTo>
+                    <a:pt x="5" y="41"/>
+                    <a:pt x="7" y="44"/>
+                    <a:pt x="8" y="48"/>
+                  </a:cubicBezTo>
+                  <a:cubicBezTo>
+                    <a:pt x="7" y="38"/>
+                    <a:pt x="7" y="28"/>
+                    <a:pt x="7" y="19"/>
+                  </a:cubicBezTo>
+                  <a:cubicBezTo>
+                    <a:pt x="5" y="12"/>
+                    <a:pt x="3" y="6"/>
+                    <a:pt x="0" y="0"/>
+                  </a:cubicBezTo>
+                  <a:cubicBezTo>
+                    <a:pt x="0" y="1"/>
+                    <a:pt x="0" y="3"/>
+                    <a:pt x="0" y="4"/>
+                  </a:cubicBezTo>
+                  <a:cubicBezTo>
+                    <a:pt x="0" y="11"/>
+                    <a:pt x="0" y="19"/>
+                    <a:pt x="0" y="26"/>
+                  </a:cubicBezTo>
+                  <a:close/>
+                </a:path>
+              </a:pathLst>
+            </a:custGeom>
+            <a:solidFill>
+              <a:schemeClr val="tx2"/>
+            </a:solidFill>
+            <a:ln>
+              <a:noFill/>
+            </a:ln>
+          </p:spPr>
+        </p:sp>
+        <p:sp>
+          <p:nvSpPr>
+            <p:cNvPr id="22" name="Freeform 38"/>
+            <p:cNvSpPr/>
+            <p:nvPr/>
+          </p:nvSpPr>
+          <p:spPr bwMode="auto">
+            <a:xfrm>
+              <a:off x="7439026" y="5434013"/>
+              <a:ext cx="174625" cy="439738"/>
+            </a:xfrm>
+            <a:custGeom>
+              <a:avLst/>
+              <a:gdLst/>
+              <a:ahLst/>
+              <a:cxnLst/>
+              <a:rect l="0" t="0" r="r" b="b"/>
+              <a:pathLst>
+                <a:path w="44" h="111">
+                  <a:moveTo>
+                    <a:pt x="11" y="28"/>
+                  </a:moveTo>
+                  <a:cubicBezTo>
+                    <a:pt x="7" y="19"/>
+                    <a:pt x="4" y="9"/>
+                    <a:pt x="0" y="0"/>
+                  </a:cubicBezTo>
+                  <a:cubicBezTo>
+                    <a:pt x="3" y="16"/>
+                    <a:pt x="7" y="33"/>
+                    <a:pt x="11" y="49"/>
+                  </a:cubicBezTo>
+                  <a:cubicBezTo>
+                    <a:pt x="12" y="52"/>
+                    <a:pt x="13" y="55"/>
+                    <a:pt x="14" y="58"/>
+                  </a:cubicBezTo>
+                  <a:cubicBezTo>
+                    <a:pt x="22" y="76"/>
+                    <a:pt x="30" y="94"/>
+                    <a:pt x="39" y="111"/>
+                  </a:cubicBezTo>
+                  <a:cubicBezTo>
+                    <a:pt x="44" y="111"/>
+                    <a:pt x="44" y="111"/>
+                    <a:pt x="44" y="111"/>
+                  </a:cubicBezTo>
+                  <a:cubicBezTo>
+                    <a:pt x="35" y="92"/>
+                    <a:pt x="28" y="72"/>
+                    <a:pt x="22" y="52"/>
+                  </a:cubicBezTo>
+                  <a:cubicBezTo>
+                    <a:pt x="18" y="44"/>
+                    <a:pt x="15" y="36"/>
+                    <a:pt x="11" y="28"/>
+                  </a:cubicBezTo>
+                  <a:close/>
+                </a:path>
+              </a:pathLst>
+            </a:custGeom>
+            <a:solidFill>
+              <a:schemeClr val="tx2"/>
+            </a:solidFill>
+            <a:ln>
+              <a:noFill/>
+            </a:ln>
+          </p:spPr>
+        </p:sp>
+      </p:grpSp>
+      <p:sp>
+        <p:nvSpPr>
+          <p:cNvPr id="7" name="Rectangle 6"/>
+          <p:cNvSpPr/>
+          <p:nvPr/>
         </p:nvSpPr>
         <p:spPr>
           <a:xfrm>
-            <a:off x="1295402" y="982132"/>
-            <a:ext cx="9601196" cy="1303867"/>
+            <a:off x="0" y="0"/>
+            <a:ext cx="182880" cy="6858000"/>
           </a:xfrm>
           <a:prstGeom prst="rect">
             <a:avLst/>
           </a:prstGeom>
+          <a:solidFill>
+            <a:schemeClr val="tx2"/>
+          </a:solidFill>
+          <a:ln>
+            <a:noFill/>
+          </a:ln>
           <a:effectLst/>
         </p:spPr>
-        <p:txBody>
-          <a:bodyPr vert="horz" lIns="91440" tIns="45720" rIns="91440" bIns="45720" rtlCol="0" anchor="ctr">
-            <a:normAutofit/>
-          </a:bodyPr>
-          <a:lstStyle/>
-          <a:p>
-            <a:r>
-              <a:rPr lang="en-US" smtClean="0"/>
-              <a:t>Click to edit Master title style</a:t>
-            </a:r>
-            <a:endParaRPr lang="en-US" dirty="0"/>
-          </a:p>
-        </p:txBody>
-      </p:sp>
-      <p:sp>
-        <p:nvSpPr>
-          <p:cNvPr id="3" name="Text Placeholder 2"/>
-          <p:cNvSpPr>
-            <a:spLocks noGrp="1"/>
-          </p:cNvSpPr>
-          <p:nvPr>
-            <p:ph type="body" idx="1"/>
+        <p:style>
+          <a:lnRef idx="1">
+            <a:schemeClr val="accent1"/>
+          </a:lnRef>
+          <a:fillRef idx="3">
+            <a:schemeClr val="accent1"/>
+          </a:fillRef>
+          <a:effectRef idx="2">
+            <a:schemeClr val="accent1"/>
+          </a:effectRef>
+          <a:fontRef idx="minor">
+            <a:schemeClr val="lt1"/>
+          </a:fontRef>
+        </p:style>
+      </p:sp>
+      <p:sp>
+        <p:nvSpPr>
+          <p:cNvPr id="2" name="Title Placeholder 1"/>
+          <p:cNvSpPr>
+            <a:spLocks noGrp="1"/>
+          </p:cNvSpPr>
+          <p:nvPr>
+            <p:ph type="title"/>
           </p:nvPr>
         </p:nvSpPr>
         <p:spPr>
           <a:xfrm>
-            <a:off x="1295401" y="2556932"/>
-            <a:ext cx="9601196" cy="3318936"/>
+            <a:off x="2592924" y="624110"/>
+            <a:ext cx="8911687" cy="1280890"/>
           </a:xfrm>
           <a:prstGeom prst="rect">
             <a:avLst/>
@@ -5291,38 +7086,9 @@
           </a:bodyPr>
           <a:lstStyle/>
           <a:p>
-            <a:pPr lvl="0"/>
-            <a:r>
-              <a:rPr lang="en-US" smtClean="0"/>
-              <a:t>Click to edit Master text styles</a:t>
-            </a:r>
-          </a:p>
-          <a:p>
-            <a:pPr lvl="1"/>
-            <a:r>
-              <a:rPr lang="en-US" smtClean="0"/>
-              <a:t>Second level</a:t>
-            </a:r>
-          </a:p>
-          <a:p>
-            <a:pPr lvl="2"/>
-            <a:r>
-              <a:rPr lang="en-US" smtClean="0"/>
-              <a:t>Third level</a:t>
-            </a:r>
-          </a:p>
-          <a:p>
-            <a:pPr lvl="3"/>
-            <a:r>
-              <a:rPr lang="en-US" smtClean="0"/>
-              <a:t>Fourth level</a:t>
-            </a:r>
-          </a:p>
-          <a:p>
-            <a:pPr lvl="4"/>
-            <a:r>
-              <a:rPr lang="en-US" smtClean="0"/>
-              <a:t>Fifth level</a:t>
+            <a:r>
+              <a:rPr lang="en-US" smtClean="0"/>
+              <a:t>Click to edit Master title style</a:t>
             </a:r>
             <a:endParaRPr lang="en-US" dirty="0"/>
           </a:p>
@@ -5330,60 +7096,80 @@
       </p:sp>
       <p:sp>
         <p:nvSpPr>
-          <p:cNvPr id="4" name="Date Placeholder 3"/>
-          <p:cNvSpPr>
-            <a:spLocks noGrp="1"/>
-          </p:cNvSpPr>
-          <p:nvPr>
-            <p:ph type="dt" sz="half" idx="2"/>
+          <p:cNvPr id="3" name="Text Placeholder 2"/>
+          <p:cNvSpPr>
+            <a:spLocks noGrp="1"/>
+          </p:cNvSpPr>
+          <p:nvPr>
+            <p:ph type="body" idx="1"/>
           </p:nvPr>
         </p:nvSpPr>
         <p:spPr>
           <a:xfrm>
-            <a:off x="8677501" y="5969000"/>
-            <a:ext cx="1600200" cy="279400"/>
+            <a:off x="2589212" y="2133600"/>
+            <a:ext cx="8915400" cy="3886200"/>
           </a:xfrm>
           <a:prstGeom prst="rect">
             <a:avLst/>
           </a:prstGeom>
         </p:spPr>
         <p:txBody>
-          <a:bodyPr vert="horz" lIns="91440" tIns="45720" rIns="91440" bIns="45720" rtlCol="0" anchor="ctr"/>
-          <a:lstStyle>
-            <a:lvl1pPr algn="r">
-              <a:defRPr sz="1000" b="0" i="0">
-                <a:solidFill>
-                  <a:schemeClr val="tx1"/>
-                </a:solidFill>
-                <a:effectLst/>
-                <a:latin typeface="+mn-lt"/>
-              </a:defRPr>
-            </a:lvl1pPr>
-          </a:lstStyle>
-          <a:p>
-            <a:fld id="{B61BEF0D-F0BB-DE4B-95CE-6DB70DBA9567}" type="datetimeFigureOut">
-              <a:rPr lang="en-US" smtClean="0"/>
-              <a:pPr/>
-              <a:t>19-Oct-23</a:t>
-            </a:fld>
+          <a:bodyPr vert="horz" lIns="91440" tIns="45720" rIns="91440" bIns="45720" rtlCol="0">
+            <a:normAutofit/>
+          </a:bodyPr>
+          <a:lstStyle/>
+          <a:p>
+            <a:pPr lvl="0"/>
+            <a:r>
+              <a:rPr lang="en-US" smtClean="0"/>
+              <a:t>Click to edit Master text styles</a:t>
+            </a:r>
+          </a:p>
+          <a:p>
+            <a:pPr lvl="1"/>
+            <a:r>
+              <a:rPr lang="en-US" smtClean="0"/>
+              <a:t>Second level</a:t>
+            </a:r>
+          </a:p>
+          <a:p>
+            <a:pPr lvl="2"/>
+            <a:r>
+              <a:rPr lang="en-US" smtClean="0"/>
+              <a:t>Third level</a:t>
+            </a:r>
+          </a:p>
+          <a:p>
+            <a:pPr lvl="3"/>
+            <a:r>
+              <a:rPr lang="en-US" smtClean="0"/>
+              <a:t>Fourth level</a:t>
+            </a:r>
+          </a:p>
+          <a:p>
+            <a:pPr lvl="4"/>
+            <a:r>
+              <a:rPr lang="en-US" smtClean="0"/>
+              <a:t>Fifth level</a:t>
+            </a:r>
             <a:endParaRPr lang="en-US" dirty="0"/>
           </a:p>
         </p:txBody>
       </p:sp>
       <p:sp>
         <p:nvSpPr>
-          <p:cNvPr id="5" name="Footer Placeholder 4"/>
-          <p:cNvSpPr>
-            <a:spLocks noGrp="1"/>
-          </p:cNvSpPr>
-          <p:nvPr>
-            <p:ph type="ftr" sz="quarter" idx="3"/>
+          <p:cNvPr id="4" name="Date Placeholder 3"/>
+          <p:cNvSpPr>
+            <a:spLocks noGrp="1"/>
+          </p:cNvSpPr>
+          <p:nvPr>
+            <p:ph type="dt" sz="half" idx="2"/>
           </p:nvPr>
         </p:nvSpPr>
         <p:spPr>
           <a:xfrm>
-            <a:off x="1295401" y="5969000"/>
-            <a:ext cx="7305900" cy="279400"/>
+            <a:off x="10361612" y="6130437"/>
+            <a:ext cx="1146283" cy="370396"/>
           </a:xfrm>
           <a:prstGeom prst="rect">
             <a:avLst/>
@@ -5392,35 +7178,40 @@
         <p:txBody>
           <a:bodyPr vert="horz" lIns="91440" tIns="45720" rIns="91440" bIns="45720" rtlCol="0" anchor="ctr"/>
           <a:lstStyle>
-            <a:lvl1pPr algn="l">
-              <a:defRPr sz="1000" b="0" i="0">
+            <a:lvl1pPr algn="r">
+              <a:defRPr sz="900">
                 <a:solidFill>
-                  <a:schemeClr val="tx1"/>
+                  <a:schemeClr val="tx1">
+                    <a:tint val="75000"/>
+                  </a:schemeClr>
                 </a:solidFill>
-                <a:effectLst/>
-                <a:latin typeface="+mn-lt"/>
               </a:defRPr>
             </a:lvl1pPr>
           </a:lstStyle>
           <a:p>
+            <a:fld id="{B61BEF0D-F0BB-DE4B-95CE-6DB70DBA9567}" type="datetimeFigureOut">
+              <a:rPr lang="en-US" smtClean="0"/>
+              <a:pPr/>
+              <a:t>29-Oct-23</a:t>
+            </a:fld>
             <a:endParaRPr lang="en-US" dirty="0"/>
           </a:p>
         </p:txBody>
       </p:sp>
       <p:sp>
         <p:nvSpPr>
-          <p:cNvPr id="6" name="Slide Number Placeholder 5"/>
-          <p:cNvSpPr>
-            <a:spLocks noGrp="1"/>
-          </p:cNvSpPr>
-          <p:nvPr>
-            <p:ph type="sldNum" sz="quarter" idx="4"/>
+          <p:cNvPr id="5" name="Footer Placeholder 4"/>
+          <p:cNvSpPr>
+            <a:spLocks noGrp="1"/>
+          </p:cNvSpPr>
+          <p:nvPr>
+            <p:ph type="ftr" sz="quarter" idx="3"/>
           </p:nvPr>
         </p:nvSpPr>
         <p:spPr>
           <a:xfrm>
-            <a:off x="10353901" y="5969000"/>
-            <a:ext cx="542697" cy="279400"/>
+            <a:off x="2589212" y="6135808"/>
+            <a:ext cx="7619999" cy="365125"/>
           </a:xfrm>
           <a:prstGeom prst="rect">
             <a:avLst/>
@@ -5429,13 +7220,48 @@
         <p:txBody>
           <a:bodyPr vert="horz" lIns="91440" tIns="45720" rIns="91440" bIns="45720" rtlCol="0" anchor="ctr"/>
           <a:lstStyle>
+            <a:lvl1pPr algn="l">
+              <a:defRPr sz="900">
+                <a:solidFill>
+                  <a:schemeClr val="tx1">
+                    <a:tint val="75000"/>
+                  </a:schemeClr>
+                </a:solidFill>
+              </a:defRPr>
+            </a:lvl1pPr>
+          </a:lstStyle>
+          <a:p>
+            <a:endParaRPr lang="en-US" dirty="0"/>
+          </a:p>
+        </p:txBody>
+      </p:sp>
+      <p:sp>
+        <p:nvSpPr>
+          <p:cNvPr id="6" name="Slide Number Placeholder 5"/>
+          <p:cNvSpPr>
+            <a:spLocks noGrp="1"/>
+          </p:cNvSpPr>
+          <p:nvPr>
+            <p:ph type="sldNum" sz="quarter" idx="4"/>
+          </p:nvPr>
+        </p:nvSpPr>
+        <p:spPr bwMode="gray">
+          <a:xfrm>
+            <a:off x="531812" y="787782"/>
+            <a:ext cx="779767" cy="365125"/>
+          </a:xfrm>
+          <a:prstGeom prst="rect">
+            <a:avLst/>
+          </a:prstGeom>
+        </p:spPr>
+        <p:txBody>
+          <a:bodyPr vert="horz" lIns="91440" tIns="45720" rIns="91440" bIns="45720" rtlCol="0" anchor="ctr"/>
+          <a:lstStyle>
             <a:lvl1pPr algn="r">
-              <a:defRPr sz="1000" b="0" i="0">
+              <a:defRPr sz="2000">
                 <a:solidFill>
-                  <a:schemeClr val="tx1"/>
+                  <a:srgbClr val="FEFFFF"/>
                 </a:solidFill>
-                <a:effectLst/>
-                <a:latin typeface="+mn-lt"/>
               </a:defRPr>
             </a:lvl1pPr>
           </a:lstStyle>
@@ -5452,48 +7278,43 @@
     </p:spTree>
     <p:extLst>
       <p:ext uri="{BB962C8B-B14F-4D97-AF65-F5344CB8AC3E}">
-        <p14:creationId xmlns:p14="http://schemas.microsoft.com/office/powerpoint/2010/main" val="334675934"/>
+        <p14:creationId xmlns:p14="http://schemas.microsoft.com/office/powerpoint/2010/main" val="2160442493"/>
       </p:ext>
     </p:extLst>
   </p:cSld>
   <p:clrMap bg1="lt1" tx1="dk1" bg2="lt2" tx2="dk2" accent1="accent1" accent2="accent2" accent3="accent3" accent4="accent4" accent5="accent5" accent6="accent6" hlink="hlink" folHlink="folHlink"/>
   <p:sldLayoutIdLst>
-    <p:sldLayoutId id="2147483777" r:id="rId1"/>
-    <p:sldLayoutId id="2147483778" r:id="rId2"/>
-    <p:sldLayoutId id="2147483779" r:id="rId3"/>
-    <p:sldLayoutId id="2147483780" r:id="rId4"/>
-    <p:sldLayoutId id="2147483781" r:id="rId5"/>
-    <p:sldLayoutId id="2147483782" r:id="rId6"/>
-    <p:sldLayoutId id="2147483783" r:id="rId7"/>
-    <p:sldLayoutId id="2147483784" r:id="rId8"/>
-    <p:sldLayoutId id="2147483785" r:id="rId9"/>
-    <p:sldLayoutId id="2147483786" r:id="rId10"/>
-    <p:sldLayoutId id="2147483787" r:id="rId11"/>
-    <p:sldLayoutId id="2147483788" r:id="rId12"/>
-    <p:sldLayoutId id="2147483789" r:id="rId13"/>
-    <p:sldLayoutId id="2147483790" r:id="rId14"/>
-    <p:sldLayoutId id="2147483791" r:id="rId15"/>
-    <p:sldLayoutId id="2147483792" r:id="rId16"/>
-    <p:sldLayoutId id="2147483793" r:id="rId17"/>
+    <p:sldLayoutId id="2147483795" r:id="rId1"/>
+    <p:sldLayoutId id="2147483796" r:id="rId2"/>
+    <p:sldLayoutId id="2147483797" r:id="rId3"/>
+    <p:sldLayoutId id="2147483798" r:id="rId4"/>
+    <p:sldLayoutId id="2147483799" r:id="rId5"/>
+    <p:sldLayoutId id="2147483800" r:id="rId6"/>
+    <p:sldLayoutId id="2147483801" r:id="rId7"/>
+    <p:sldLayoutId id="2147483802" r:id="rId8"/>
+    <p:sldLayoutId id="2147483803" r:id="rId9"/>
+    <p:sldLayoutId id="2147483804" r:id="rId10"/>
+    <p:sldLayoutId id="2147483805" r:id="rId11"/>
+    <p:sldLayoutId id="2147483806" r:id="rId12"/>
+    <p:sldLayoutId id="2147483807" r:id="rId13"/>
+    <p:sldLayoutId id="2147483808" r:id="rId14"/>
+    <p:sldLayoutId id="2147483809" r:id="rId15"/>
+    <p:sldLayoutId id="2147483810" r:id="rId16"/>
   </p:sldLayoutIdLst>
   <p:txStyles>
     <p:titleStyle>
-      <a:lvl1pPr algn="ctr" defTabSz="457200" rtl="0" eaLnBrk="1" latinLnBrk="0" hangingPunct="1">
+      <a:lvl1pPr algn="l" defTabSz="457200" rtl="0" eaLnBrk="1" latinLnBrk="0" hangingPunct="1">
         <a:spcBef>
           <a:spcPct val="0"/>
         </a:spcBef>
         <a:buNone/>
-        <a:defRPr sz="4400" kern="1200" cap="none">
-          <a:ln w="3175" cmpd="sng">
-            <a:noFill/>
-          </a:ln>
+        <a:defRPr sz="3600" kern="1200">
           <a:solidFill>
             <a:schemeClr val="tx1">
               <a:lumMod val="85000"/>
               <a:lumOff val="15000"/>
             </a:schemeClr>
           </a:solidFill>
-          <a:effectLst/>
           <a:latin typeface="+mj-lt"/>
           <a:ea typeface="+mj-ea"/>
           <a:cs typeface="+mj-cs"/>
@@ -5557,27 +7378,25 @@
       </a:lvl9pPr>
     </p:titleStyle>
     <p:bodyStyle>
-      <a:lvl1pPr marL="285750" indent="-285750" algn="l" defTabSz="457200" rtl="0" eaLnBrk="1" latinLnBrk="0" hangingPunct="1">
+      <a:lvl1pPr marL="342900" indent="-342900" algn="l" defTabSz="457200" rtl="0" eaLnBrk="1" latinLnBrk="0" hangingPunct="1">
         <a:spcBef>
-          <a:spcPct val="20000"/>
+          <a:spcPts val="1000"/>
         </a:spcBef>
         <a:spcAft>
-          <a:spcPts val="600"/>
+          <a:spcPts val="0"/>
         </a:spcAft>
         <a:buClr>
           <a:schemeClr val="accent1"/>
         </a:buClr>
-        <a:buSzPct val="115000"/>
-        <a:buFont typeface="Arial"/>
-        <a:buChar char="•"/>
-        <a:defRPr sz="2400" kern="1200" cap="none">
+        <a:buFont typeface="Wingdings 3" charset="2"/>
+        <a:buChar char=""/>
+        <a:defRPr sz="1800" kern="1200">
           <a:solidFill>
             <a:schemeClr val="tx1">
-              <a:lumMod val="85000"/>
-              <a:lumOff val="15000"/>
+              <a:lumMod val="75000"/>
+              <a:lumOff val="25000"/>
             </a:schemeClr>
           </a:solidFill>
-          <a:effectLst/>
           <a:latin typeface="+mn-lt"/>
           <a:ea typeface="+mn-ea"/>
           <a:cs typeface="+mn-cs"/>
@@ -5585,103 +7404,95 @@
       </a:lvl1pPr>
       <a:lvl2pPr marL="742950" indent="-285750" algn="l" defTabSz="457200" rtl="0" eaLnBrk="1" latinLnBrk="0" hangingPunct="1">
         <a:spcBef>
-          <a:spcPct val="20000"/>
+          <a:spcPts val="1000"/>
         </a:spcBef>
         <a:spcAft>
-          <a:spcPts val="600"/>
+          <a:spcPts val="0"/>
         </a:spcAft>
         <a:buClr>
           <a:schemeClr val="accent1"/>
         </a:buClr>
-        <a:buSzPct val="115000"/>
-        <a:buFont typeface="Arial"/>
-        <a:buChar char="•"/>
-        <a:defRPr sz="2000" kern="1200" cap="none">
+        <a:buFont typeface="Wingdings 3" charset="2"/>
+        <a:buChar char=""/>
+        <a:defRPr sz="1600" kern="1200">
           <a:solidFill>
             <a:schemeClr val="tx1">
-              <a:lumMod val="85000"/>
-              <a:lumOff val="15000"/>
+              <a:lumMod val="75000"/>
+              <a:lumOff val="25000"/>
             </a:schemeClr>
           </a:solidFill>
-          <a:effectLst/>
           <a:latin typeface="+mn-lt"/>
           <a:ea typeface="+mn-ea"/>
           <a:cs typeface="+mn-cs"/>
         </a:defRPr>
       </a:lvl2pPr>
-      <a:lvl3pPr marL="1200150" indent="-285750" algn="l" defTabSz="457200" rtl="0" eaLnBrk="1" latinLnBrk="0" hangingPunct="1">
+      <a:lvl3pPr marL="1143000" indent="-228600" algn="l" defTabSz="457200" rtl="0" eaLnBrk="1" latinLnBrk="0" hangingPunct="1">
         <a:spcBef>
-          <a:spcPct val="20000"/>
+          <a:spcPts val="1000"/>
         </a:spcBef>
         <a:spcAft>
-          <a:spcPts val="600"/>
+          <a:spcPts val="0"/>
         </a:spcAft>
         <a:buClr>
           <a:schemeClr val="accent1"/>
         </a:buClr>
-        <a:buSzPct val="115000"/>
-        <a:buFont typeface="Arial"/>
-        <a:buChar char="•"/>
-        <a:defRPr sz="1800" kern="1200" cap="none">
+        <a:buFont typeface="Wingdings 3" charset="2"/>
+        <a:buChar char=""/>
+        <a:defRPr sz="1400" kern="1200">
           <a:solidFill>
             <a:schemeClr val="tx1">
-              <a:lumMod val="85000"/>
-              <a:lumOff val="15000"/>
+              <a:lumMod val="75000"/>
+              <a:lumOff val="25000"/>
             </a:schemeClr>
           </a:solidFill>
-          <a:effectLst/>
           <a:latin typeface="+mn-lt"/>
           <a:ea typeface="+mn-ea"/>
           <a:cs typeface="+mn-cs"/>
         </a:defRPr>
       </a:lvl3pPr>
-      <a:lvl4pPr marL="1543050" indent="-171450" algn="l" defTabSz="457200" rtl="0" eaLnBrk="1" latinLnBrk="0" hangingPunct="1">
+      <a:lvl4pPr marL="1600200" indent="-228600" algn="l" defTabSz="457200" rtl="0" eaLnBrk="1" latinLnBrk="0" hangingPunct="1">
         <a:spcBef>
-          <a:spcPct val="20000"/>
+          <a:spcPts val="1000"/>
         </a:spcBef>
         <a:spcAft>
-          <a:spcPts val="600"/>
+          <a:spcPts val="0"/>
         </a:spcAft>
         <a:buClr>
           <a:schemeClr val="accent1"/>
         </a:buClr>
-        <a:buSzPct val="115000"/>
-        <a:buFont typeface="Arial"/>
-        <a:buChar char="•"/>
-        <a:defRPr sz="1600" kern="1200" cap="none">
+        <a:buFont typeface="Wingdings 3" charset="2"/>
+        <a:buChar char=""/>
+        <a:defRPr sz="1200" kern="1200">
           <a:solidFill>
             <a:schemeClr val="tx1">
-              <a:lumMod val="85000"/>
-              <a:lumOff val="15000"/>
+              <a:lumMod val="75000"/>
+              <a:lumOff val="25000"/>
             </a:schemeClr>
           </a:solidFill>
-          <a:effectLst/>
           <a:latin typeface="+mn-lt"/>
           <a:ea typeface="+mn-ea"/>
           <a:cs typeface="+mn-cs"/>
         </a:defRPr>
       </a:lvl4pPr>
-      <a:lvl5pPr marL="2000250" indent="-171450" algn="l" defTabSz="457200" rtl="0" eaLnBrk="1" latinLnBrk="0" hangingPunct="1">
+      <a:lvl5pPr marL="2057400" indent="-228600" algn="l" defTabSz="457200" rtl="0" eaLnBrk="1" latinLnBrk="0" hangingPunct="1">
         <a:spcBef>
-          <a:spcPct val="20000"/>
+          <a:spcPts val="1000"/>
         </a:spcBef>
         <a:spcAft>
-          <a:spcPts val="600"/>
+          <a:spcPts val="0"/>
         </a:spcAft>
         <a:buClr>
           <a:schemeClr val="accent1"/>
         </a:buClr>
-        <a:buSzPct val="115000"/>
-        <a:buFont typeface="Arial"/>
-        <a:buChar char="•"/>
-        <a:defRPr sz="1400" kern="1200" cap="none">
+        <a:buFont typeface="Wingdings 3" charset="2"/>
+        <a:buChar char=""/>
+        <a:defRPr sz="1200" kern="1200">
           <a:solidFill>
             <a:schemeClr val="tx1">
-              <a:lumMod val="85000"/>
-              <a:lumOff val="15000"/>
+              <a:lumMod val="75000"/>
+              <a:lumOff val="25000"/>
             </a:schemeClr>
           </a:solidFill>
-          <a:effectLst/>
           <a:latin typeface="+mn-lt"/>
           <a:ea typeface="+mn-ea"/>
           <a:cs typeface="+mn-cs"/>
@@ -5689,25 +7500,23 @@
       </a:lvl5pPr>
       <a:lvl6pPr marL="2514600" indent="-228600" algn="l" defTabSz="457200" rtl="0" eaLnBrk="1" latinLnBrk="0" hangingPunct="1">
         <a:spcBef>
-          <a:spcPct val="20000"/>
+          <a:spcPts val="1000"/>
         </a:spcBef>
         <a:spcAft>
-          <a:spcPts val="600"/>
+          <a:spcPts val="0"/>
         </a:spcAft>
         <a:buClr>
           <a:schemeClr val="accent1"/>
         </a:buClr>
-        <a:buSzPct val="115000"/>
-        <a:buFont typeface="Arial"/>
-        <a:buChar char="•"/>
-        <a:defRPr sz="1400" kern="1200" cap="none">
+        <a:buFont typeface="Wingdings 3" charset="2"/>
+        <a:buChar char=""/>
+        <a:defRPr sz="1200" kern="1200">
           <a:solidFill>
             <a:schemeClr val="tx1">
-              <a:lumMod val="85000"/>
-              <a:lumOff val="15000"/>
+              <a:lumMod val="75000"/>
+              <a:lumOff val="25000"/>
             </a:schemeClr>
           </a:solidFill>
-          <a:effectLst/>
           <a:latin typeface="+mn-lt"/>
           <a:ea typeface="+mn-ea"/>
           <a:cs typeface="+mn-cs"/>
@@ -5715,25 +7524,23 @@
       </a:lvl6pPr>
       <a:lvl7pPr marL="2971800" indent="-228600" algn="l" defTabSz="457200" rtl="0" eaLnBrk="1" latinLnBrk="0" hangingPunct="1">
         <a:spcBef>
-          <a:spcPct val="20000"/>
+          <a:spcPts val="1000"/>
         </a:spcBef>
         <a:spcAft>
-          <a:spcPts val="600"/>
+          <a:spcPts val="0"/>
         </a:spcAft>
         <a:buClr>
           <a:schemeClr val="accent1"/>
         </a:buClr>
-        <a:buSzPct val="115000"/>
-        <a:buFont typeface="Arial"/>
-        <a:buChar char="•"/>
-        <a:defRPr sz="1400" kern="1200" cap="none">
+        <a:buFont typeface="Wingdings 3" charset="2"/>
+        <a:buChar char=""/>
+        <a:defRPr sz="1200" kern="1200">
           <a:solidFill>
             <a:schemeClr val="tx1">
-              <a:lumMod val="85000"/>
-              <a:lumOff val="15000"/>
+              <a:lumMod val="75000"/>
+              <a:lumOff val="25000"/>
             </a:schemeClr>
           </a:solidFill>
-          <a:effectLst/>
           <a:latin typeface="+mn-lt"/>
           <a:ea typeface="+mn-ea"/>
           <a:cs typeface="+mn-cs"/>
@@ -5741,25 +7548,23 @@
       </a:lvl7pPr>
       <a:lvl8pPr marL="3429000" indent="-228600" algn="l" defTabSz="457200" rtl="0" eaLnBrk="1" latinLnBrk="0" hangingPunct="1">
         <a:spcBef>
-          <a:spcPct val="20000"/>
+          <a:spcPts val="1000"/>
         </a:spcBef>
         <a:spcAft>
-          <a:spcPts val="600"/>
+          <a:spcPts val="0"/>
         </a:spcAft>
         <a:buClr>
           <a:schemeClr val="accent1"/>
         </a:buClr>
-        <a:buSzPct val="115000"/>
-        <a:buFont typeface="Arial"/>
-        <a:buChar char="•"/>
-        <a:defRPr sz="1400" kern="1200" cap="none">
+        <a:buFont typeface="Wingdings 3" charset="2"/>
+        <a:buChar char=""/>
+        <a:defRPr sz="1200" kern="1200">
           <a:solidFill>
             <a:schemeClr val="tx1">
-              <a:lumMod val="85000"/>
-              <a:lumOff val="15000"/>
+              <a:lumMod val="75000"/>
+              <a:lumOff val="25000"/>
             </a:schemeClr>
           </a:solidFill>
-          <a:effectLst/>
           <a:latin typeface="+mn-lt"/>
           <a:ea typeface="+mn-ea"/>
           <a:cs typeface="+mn-cs"/>
@@ -5767,25 +7572,23 @@
       </a:lvl8pPr>
       <a:lvl9pPr marL="3886200" indent="-228600" algn="l" defTabSz="457200" rtl="0" eaLnBrk="1" latinLnBrk="0" hangingPunct="1">
         <a:spcBef>
-          <a:spcPct val="20000"/>
+          <a:spcPts val="1000"/>
         </a:spcBef>
         <a:spcAft>
-          <a:spcPts val="600"/>
+          <a:spcPts val="0"/>
         </a:spcAft>
         <a:buClr>
           <a:schemeClr val="accent1"/>
         </a:buClr>
-        <a:buSzPct val="115000"/>
-        <a:buFont typeface="Arial"/>
-        <a:buChar char="•"/>
-        <a:defRPr sz="1400" kern="1200" cap="none">
+        <a:buFont typeface="Wingdings 3" charset="2"/>
+        <a:buChar char=""/>
+        <a:defRPr sz="1200" kern="1200">
           <a:solidFill>
             <a:schemeClr val="tx1">
-              <a:lumMod val="85000"/>
-              <a:lumOff val="15000"/>
+              <a:lumMod val="75000"/>
+              <a:lumOff val="25000"/>
             </a:schemeClr>
           </a:solidFill>
-          <a:effectLst/>
           <a:latin typeface="+mn-lt"/>
           <a:ea typeface="+mn-ea"/>
           <a:cs typeface="+mn-cs"/>
@@ -6220,23 +8023,16 @@
             <p:ph type="title"/>
           </p:nvPr>
         </p:nvSpPr>
-        <p:spPr>
-          <a:xfrm>
-            <a:off x="1295401" y="944451"/>
-            <a:ext cx="9601196" cy="1077532"/>
-          </a:xfrm>
-        </p:spPr>
-        <p:txBody>
-          <a:bodyPr>
-            <a:normAutofit/>
-          </a:bodyPr>
+        <p:spPr/>
+        <p:txBody>
+          <a:bodyPr/>
           <a:lstStyle/>
           <a:p>
             <a:r>
-              <a:rPr lang="en-US" sz="4400" dirty="0" smtClean="0"/>
-              <a:t>Education</a:t>
-            </a:r>
-            <a:endParaRPr lang="en-US" sz="4400" dirty="0"/>
+              <a:rPr lang="en-US" dirty="0" smtClean="0"/>
+              <a:t>Likes &amp; Dislikes</a:t>
+            </a:r>
+            <a:endParaRPr lang="en-US" dirty="0"/>
           </a:p>
         </p:txBody>
       </p:sp>
@@ -6252,146 +8048,53 @@
         </p:nvSpPr>
         <p:spPr/>
         <p:txBody>
-          <a:bodyPr>
-            <a:normAutofit/>
-          </a:bodyPr>
+          <a:bodyPr/>
           <a:lstStyle/>
           <a:p>
             <a:r>
-              <a:rPr lang="en-US" sz="3200" dirty="0" smtClean="0">
-                <a:solidFill>
-                  <a:schemeClr val="tx1"/>
-                </a:solidFill>
-              </a:rPr>
-              <a:t>S.S.C		MARCH – 2018</a:t>
-            </a:r>
-          </a:p>
-          <a:p>
-            <a:pPr marL="0" indent="0">
-              <a:buNone/>
-            </a:pPr>
-            <a:r>
-              <a:rPr lang="en-US" sz="2000" dirty="0">
-                <a:solidFill>
-                  <a:schemeClr val="tx1"/>
-                </a:solidFill>
-              </a:rPr>
-              <a:t>    </a:t>
-            </a:r>
-            <a:r>
-              <a:rPr lang="en-US" sz="2000" dirty="0" smtClean="0">
-                <a:solidFill>
-                  <a:schemeClr val="tx1"/>
-                </a:solidFill>
-              </a:rPr>
-              <a:t> (</a:t>
-            </a:r>
-            <a:r>
-              <a:rPr lang="en-US" sz="2000" dirty="0">
-                <a:solidFill>
-                  <a:schemeClr val="tx1"/>
-                </a:solidFill>
-              </a:rPr>
-              <a:t>G.S.E.B, Veraval)</a:t>
-            </a:r>
-          </a:p>
-          <a:p>
-            <a:r>
-              <a:rPr lang="en-US" sz="3200" dirty="0" smtClean="0">
-                <a:solidFill>
-                  <a:schemeClr val="tx1"/>
-                </a:solidFill>
-              </a:rPr>
-              <a:t>H.S.C		MARCH – 2020</a:t>
-            </a:r>
-          </a:p>
-          <a:p>
-            <a:pPr marL="0" indent="0">
-              <a:buNone/>
-            </a:pPr>
-            <a:r>
-              <a:rPr lang="en-US" sz="2000" dirty="0">
-                <a:solidFill>
-                  <a:schemeClr val="tx1"/>
-                </a:solidFill>
-              </a:rPr>
-              <a:t>  </a:t>
-            </a:r>
-            <a:r>
-              <a:rPr lang="en-US" sz="2000" dirty="0" smtClean="0">
-                <a:solidFill>
-                  <a:schemeClr val="tx1"/>
-                </a:solidFill>
-              </a:rPr>
-              <a:t>   (</a:t>
-            </a:r>
-            <a:r>
-              <a:rPr lang="en-US" sz="2000" dirty="0">
-                <a:solidFill>
-                  <a:schemeClr val="tx1"/>
-                </a:solidFill>
-              </a:rPr>
-              <a:t>G.H.S.E.B, Veraval)</a:t>
-            </a:r>
-          </a:p>
-          <a:p>
-            <a:r>
-              <a:rPr lang="en-US" sz="3200" dirty="0" smtClean="0">
-                <a:solidFill>
-                  <a:schemeClr val="tx1"/>
-                </a:solidFill>
-              </a:rPr>
-              <a:t>B.C.A		MAY – 2023</a:t>
-            </a:r>
-          </a:p>
-          <a:p>
-            <a:pPr marL="0" indent="0">
-              <a:buNone/>
-            </a:pPr>
-            <a:r>
-              <a:rPr lang="en-US" sz="2000" dirty="0">
-                <a:solidFill>
-                  <a:schemeClr val="tx1"/>
-                </a:solidFill>
-              </a:rPr>
-              <a:t>   </a:t>
-            </a:r>
-            <a:r>
-              <a:rPr lang="en-US" sz="2000" dirty="0" smtClean="0">
-                <a:solidFill>
-                  <a:schemeClr val="tx1"/>
-                </a:solidFill>
-              </a:rPr>
-              <a:t>  (</a:t>
-            </a:r>
-            <a:r>
-              <a:rPr lang="en-US" sz="2000" dirty="0">
-                <a:solidFill>
-                  <a:schemeClr val="tx1"/>
-                </a:solidFill>
-              </a:rPr>
-              <a:t>B.K.N.M.U, Junagadh)</a:t>
-            </a:r>
+              <a:rPr lang="en-US" dirty="0" smtClean="0"/>
+              <a:t>I like to spend my time with my family and friends.</a:t>
+            </a:r>
+          </a:p>
+          <a:p>
+            <a:r>
+              <a:rPr lang="en-US" dirty="0" smtClean="0"/>
+              <a:t>I like to listen music and watch podcasts.</a:t>
+            </a:r>
+          </a:p>
+          <a:p>
+            <a:r>
+              <a:rPr lang="en-US" dirty="0" smtClean="0"/>
+              <a:t>I like to watch movies and web series.</a:t>
+            </a:r>
+          </a:p>
+          <a:p>
+            <a:r>
+              <a:rPr lang="en-US" dirty="0" smtClean="0"/>
+              <a:t>I like long drives with good music.</a:t>
+            </a:r>
+          </a:p>
+          <a:p>
+            <a:endParaRPr lang="en-US" dirty="0"/>
+          </a:p>
+          <a:p>
+            <a:endParaRPr lang="en-US" dirty="0"/>
+          </a:p>
+          <a:p>
+            <a:endParaRPr lang="en-US" dirty="0"/>
           </a:p>
         </p:txBody>
       </p:sp>
     </p:spTree>
     <p:extLst>
       <p:ext uri="{BB962C8B-B14F-4D97-AF65-F5344CB8AC3E}">
-        <p14:creationId xmlns:p14="http://schemas.microsoft.com/office/powerpoint/2010/main" val="4243160131"/>
+        <p14:creationId xmlns:p14="http://schemas.microsoft.com/office/powerpoint/2010/main" val="3955451751"/>
       </p:ext>
     </p:extLst>
   </p:cSld>
   <p:clrMapOvr>
     <a:masterClrMapping/>
   </p:clrMapOvr>
-  <p:timing>
-    <p:tnLst>
-      <p:par>
-        <p:cTn id="1" dur="indefinite" restart="never" nodeType="tmRoot"/>
-      </p:par>
-    </p:tnLst>
-  </p:timing>
 </p:sld>
 </file>
 
@@ -6422,30 +8125,12 @@
             <p:ph type="title"/>
           </p:nvPr>
         </p:nvSpPr>
-        <p:spPr/>
-        <p:txBody>
-          <a:bodyPr/>
-          <a:lstStyle/>
-          <a:p>
-            <a:r>
-              <a:rPr lang="en-US" dirty="0" smtClean="0"/>
-              <a:t>Technical Knowledge &amp; Skills </a:t>
-            </a:r>
-            <a:endParaRPr lang="en-US" dirty="0"/>
-          </a:p>
-        </p:txBody>
-      </p:sp>
-      <p:sp>
-        <p:nvSpPr>
-          <p:cNvPr id="3" name="Content Placeholder 2"/>
-          <p:cNvSpPr>
-            <a:spLocks noGrp="1"/>
-          </p:cNvSpPr>
-          <p:nvPr>
-            <p:ph idx="1"/>
-          </p:nvPr>
-        </p:nvSpPr>
-        <p:spPr/>
+        <p:spPr>
+          <a:xfrm>
+            <a:off x="2589212" y="506570"/>
+            <a:ext cx="8443151" cy="1077532"/>
+          </a:xfrm>
+        </p:spPr>
         <p:txBody>
           <a:bodyPr>
             <a:normAutofit/>
@@ -6453,35 +8138,152 @@
           <a:lstStyle/>
           <a:p>
             <a:r>
-              <a:rPr lang="en-US" sz="2400" dirty="0" smtClean="0"/>
-              <a:t>Having knowledge of Python, HTML, CSS.</a:t>
-            </a:r>
-          </a:p>
-          <a:p>
-            <a:r>
-              <a:rPr lang="en-US" sz="2400" dirty="0" smtClean="0"/>
-              <a:t>Completed HTML, CCC &amp; Tally ERP 9 course with Certificate.</a:t>
-            </a:r>
-          </a:p>
-          <a:p>
-            <a:r>
-              <a:rPr lang="en-US" sz="2400" dirty="0" smtClean="0"/>
-              <a:t>Having basic knowledge of Microsoft Word, Excel, PowerPoint.</a:t>
-            </a:r>
-          </a:p>
-          <a:p>
-            <a:r>
-              <a:rPr lang="en-US" sz="2400" dirty="0" smtClean="0"/>
-              <a:t>Python Certificate Course (Pursuing).</a:t>
-            </a:r>
-            <a:endParaRPr lang="en-US" sz="2400" dirty="0"/>
+              <a:rPr lang="en-US" sz="4400" dirty="0" smtClean="0"/>
+              <a:t>Education</a:t>
+            </a:r>
+            <a:endParaRPr lang="en-US" sz="4400" dirty="0"/>
+          </a:p>
+        </p:txBody>
+      </p:sp>
+      <p:sp>
+        <p:nvSpPr>
+          <p:cNvPr id="3" name="Content Placeholder 2"/>
+          <p:cNvSpPr>
+            <a:spLocks noGrp="1"/>
+          </p:cNvSpPr>
+          <p:nvPr>
+            <p:ph idx="1"/>
+          </p:nvPr>
+        </p:nvSpPr>
+        <p:spPr/>
+        <p:txBody>
+          <a:bodyPr>
+            <a:normAutofit/>
+          </a:bodyPr>
+          <a:lstStyle/>
+          <a:p>
+            <a:r>
+              <a:rPr lang="en-US" sz="3200" dirty="0" smtClean="0">
+                <a:solidFill>
+                  <a:schemeClr val="tx1"/>
+                </a:solidFill>
+              </a:rPr>
+              <a:t>S.S.C		MARCH – 2018</a:t>
+            </a:r>
+          </a:p>
+          <a:p>
+            <a:pPr marL="0" indent="0">
+              <a:buNone/>
+            </a:pPr>
+            <a:r>
+              <a:rPr lang="en-US" sz="2000" dirty="0">
+                <a:solidFill>
+                  <a:schemeClr val="tx1"/>
+                </a:solidFill>
+              </a:rPr>
+              <a:t>    </a:t>
+            </a:r>
+            <a:r>
+              <a:rPr lang="en-US" sz="2000" dirty="0" smtClean="0">
+                <a:solidFill>
+                  <a:schemeClr val="tx1"/>
+                </a:solidFill>
+              </a:rPr>
+              <a:t> (</a:t>
+            </a:r>
+            <a:r>
+              <a:rPr lang="en-US" sz="2000" dirty="0">
+                <a:solidFill>
+                  <a:schemeClr val="tx1"/>
+                </a:solidFill>
+              </a:rPr>
+              <a:t>G.S.E.B, Veraval)</a:t>
+            </a:r>
+          </a:p>
+          <a:p>
+            <a:r>
+              <a:rPr lang="en-US" sz="3200" dirty="0" smtClean="0">
+                <a:solidFill>
+                  <a:schemeClr val="tx1"/>
+                </a:solidFill>
+              </a:rPr>
+              <a:t>H.S.C		MARCH – 2020</a:t>
+            </a:r>
+          </a:p>
+          <a:p>
+            <a:pPr marL="0" indent="0">
+              <a:buNone/>
+            </a:pPr>
+            <a:r>
+              <a:rPr lang="en-US" sz="2000" dirty="0">
+                <a:solidFill>
+                  <a:schemeClr val="tx1"/>
+                </a:solidFill>
+              </a:rPr>
+              <a:t>  </a:t>
+            </a:r>
+            <a:r>
+              <a:rPr lang="en-US" sz="2000" dirty="0" smtClean="0">
+                <a:solidFill>
+                  <a:schemeClr val="tx1"/>
+                </a:solidFill>
+              </a:rPr>
+              <a:t>   (</a:t>
+            </a:r>
+            <a:r>
+              <a:rPr lang="en-US" sz="2000" dirty="0">
+                <a:solidFill>
+                  <a:schemeClr val="tx1"/>
+                </a:solidFill>
+              </a:rPr>
+              <a:t>G.H.S.E.B, Veraval)</a:t>
+            </a:r>
+          </a:p>
+          <a:p>
+            <a:r>
+              <a:rPr lang="en-US" sz="3200" dirty="0" smtClean="0">
+                <a:solidFill>
+                  <a:schemeClr val="tx1"/>
+                </a:solidFill>
+              </a:rPr>
+              <a:t>B.C.A		MAY – 2023</a:t>
+            </a:r>
+          </a:p>
+          <a:p>
+            <a:pPr marL="0" indent="0">
+              <a:buNone/>
+            </a:pPr>
+            <a:r>
+              <a:rPr lang="en-US" sz="2000" dirty="0">
+                <a:solidFill>
+                  <a:schemeClr val="tx1"/>
+                </a:solidFill>
+              </a:rPr>
+              <a:t>   </a:t>
+            </a:r>
+            <a:r>
+              <a:rPr lang="en-US" sz="2000" dirty="0" smtClean="0">
+                <a:solidFill>
+                  <a:schemeClr val="tx1"/>
+                </a:solidFill>
+              </a:rPr>
+              <a:t>  (</a:t>
+            </a:r>
+            <a:r>
+              <a:rPr lang="en-US" sz="2000" dirty="0">
+                <a:solidFill>
+                  <a:schemeClr val="tx1"/>
+                </a:solidFill>
+              </a:rPr>
+              <a:t>B.K.N.M.U, Junagadh)</a:t>
+            </a:r>
           </a:p>
         </p:txBody>
       </p:sp>
     </p:spTree>
     <p:extLst>
       <p:ext uri="{BB962C8B-B14F-4D97-AF65-F5344CB8AC3E}">
-        <p14:creationId xmlns:p14="http://schemas.microsoft.com/office/powerpoint/2010/main" val="526389978"/>
+        <p14:creationId xmlns:p14="http://schemas.microsoft.com/office/powerpoint/2010/main" val="4243160131"/>
       </p:ext>
     </p:extLst>
   </p:cSld>
@@ -6532,7 +8334,7 @@
           <a:p>
             <a:r>
               <a:rPr lang="en-US" dirty="0" smtClean="0"/>
-              <a:t>Strength &amp; Hobbies</a:t>
+              <a:t>Technical Knowledge &amp; Skills </a:t>
             </a:r>
             <a:endParaRPr lang="en-US" dirty="0"/>
           </a:p>
@@ -6550,47 +8352,41 @@
         </p:nvSpPr>
         <p:spPr/>
         <p:txBody>
-          <a:bodyPr/>
+          <a:bodyPr>
+            <a:normAutofit/>
+          </a:bodyPr>
           <a:lstStyle/>
           <a:p>
             <a:r>
-              <a:rPr lang="en-US" dirty="0" smtClean="0"/>
-              <a:t>Having good </a:t>
-            </a:r>
-            <a:r>
-              <a:rPr lang="en-US" dirty="0"/>
-              <a:t>C</a:t>
-            </a:r>
-            <a:r>
-              <a:rPr lang="en-US" dirty="0" smtClean="0"/>
-              <a:t>ommunication Skill &amp; Grasping Power.</a:t>
-            </a:r>
-          </a:p>
-          <a:p>
-            <a:r>
-              <a:rPr lang="en-US" dirty="0" smtClean="0"/>
-              <a:t>Dynamic Personality.</a:t>
-            </a:r>
-          </a:p>
-          <a:p>
-            <a:r>
-              <a:rPr lang="en-US" dirty="0" smtClean="0"/>
-              <a:t>Automobile, Traveling, Cooking, Photography, Drawing.</a:t>
-            </a:r>
-          </a:p>
-          <a:p>
-            <a:r>
-              <a:rPr lang="en-US" dirty="0" smtClean="0"/>
-              <a:t>Listening Music &amp; Podcasts.</a:t>
-            </a:r>
-            <a:endParaRPr lang="en-US" dirty="0"/>
+              <a:rPr lang="en-US" sz="2400" dirty="0" smtClean="0"/>
+              <a:t>Having knowledge of Python, HTML, CSS.</a:t>
+            </a:r>
+          </a:p>
+          <a:p>
+            <a:r>
+              <a:rPr lang="en-US" sz="2400" dirty="0" smtClean="0"/>
+              <a:t>Completed HTML, CCC &amp; Tally ERP 9 course with Certificate.</a:t>
+            </a:r>
+          </a:p>
+          <a:p>
+            <a:r>
+              <a:rPr lang="en-US" sz="2400" dirty="0" smtClean="0"/>
+              <a:t>Having basic knowledge of Microsoft Word, Excel, PowerPoint.</a:t>
+            </a:r>
+          </a:p>
+          <a:p>
+            <a:r>
+              <a:rPr lang="en-US" sz="2400" dirty="0" smtClean="0"/>
+              <a:t>Python Certificate Course (Pursuing).</a:t>
+            </a:r>
+            <a:endParaRPr lang="en-US" sz="2400" dirty="0"/>
           </a:p>
         </p:txBody>
       </p:sp>
     </p:spTree>
     <p:extLst>
       <p:ext uri="{BB962C8B-B14F-4D97-AF65-F5344CB8AC3E}">
-        <p14:creationId xmlns:p14="http://schemas.microsoft.com/office/powerpoint/2010/main" val="954339482"/>
+        <p14:creationId xmlns:p14="http://schemas.microsoft.com/office/powerpoint/2010/main" val="526389978"/>
       </p:ext>
     </p:extLst>
   </p:cSld>
@@ -6631,6 +8427,115 @@
             <a:spLocks noGrp="1"/>
           </p:cNvSpPr>
           <p:nvPr>
+            <p:ph type="title"/>
+          </p:nvPr>
+        </p:nvSpPr>
+        <p:spPr/>
+        <p:txBody>
+          <a:bodyPr/>
+          <a:lstStyle/>
+          <a:p>
+            <a:r>
+              <a:rPr lang="en-US" dirty="0" smtClean="0"/>
+              <a:t>Strength &amp; Hobbies</a:t>
+            </a:r>
+            <a:endParaRPr lang="en-US" dirty="0"/>
+          </a:p>
+        </p:txBody>
+      </p:sp>
+      <p:sp>
+        <p:nvSpPr>
+          <p:cNvPr id="3" name="Content Placeholder 2"/>
+          <p:cNvSpPr>
+            <a:spLocks noGrp="1"/>
+          </p:cNvSpPr>
+          <p:nvPr>
+            <p:ph idx="1"/>
+          </p:nvPr>
+        </p:nvSpPr>
+        <p:spPr/>
+        <p:txBody>
+          <a:bodyPr/>
+          <a:lstStyle/>
+          <a:p>
+            <a:r>
+              <a:rPr lang="en-US" dirty="0" smtClean="0"/>
+              <a:t>Having good </a:t>
+            </a:r>
+            <a:r>
+              <a:rPr lang="en-US" dirty="0"/>
+              <a:t>C</a:t>
+            </a:r>
+            <a:r>
+              <a:rPr lang="en-US" dirty="0" smtClean="0"/>
+              <a:t>ommunication Skill &amp; Grasping Power.</a:t>
+            </a:r>
+          </a:p>
+          <a:p>
+            <a:r>
+              <a:rPr lang="en-US" dirty="0" smtClean="0"/>
+              <a:t>Dynamic Personality.</a:t>
+            </a:r>
+          </a:p>
+          <a:p>
+            <a:r>
+              <a:rPr lang="en-US" dirty="0" smtClean="0"/>
+              <a:t>Automobile, Traveling, Cooking, Photography, Drawing.</a:t>
+            </a:r>
+          </a:p>
+          <a:p>
+            <a:r>
+              <a:rPr lang="en-US" dirty="0" smtClean="0"/>
+              <a:t>Listening Music &amp; Podcasts.</a:t>
+            </a:r>
+            <a:endParaRPr lang="en-US" dirty="0"/>
+          </a:p>
+        </p:txBody>
+      </p:sp>
+    </p:spTree>
+    <p:extLst>
+      <p:ext uri="{BB962C8B-B14F-4D97-AF65-F5344CB8AC3E}">
+        <p14:creationId xmlns:p14="http://schemas.microsoft.com/office/powerpoint/2010/main" val="954339482"/>
+      </p:ext>
+    </p:extLst>
+  </p:cSld>
+  <p:clrMapOvr>
+    <a:masterClrMapping/>
+  </p:clrMapOvr>
+  <p:timing>
+    <p:tnLst>
+      <p:par>
+        <p:cTn id="1" dur="indefinite" restart="never" nodeType="tmRoot"/>
+      </p:par>
+    </p:tnLst>
+  </p:timing>
+</p:sld>
+</file>
+
+<file path=ppt/slides/slide8.xml><?xml version="1.0" encoding="utf-8"?>
+<p:sld xmlns:a="http://schemas.openxmlformats.org/drawingml/2006/main" xmlns:r="http://schemas.openxmlformats.org/officeDocument/2006/relationships" xmlns:p="http://schemas.openxmlformats.org/presentationml/2006/main">
+  <p:cSld>
+    <p:spTree>
+      <p:nvGrpSpPr>
+        <p:cNvPr id="1" name=""/>
+        <p:cNvGrpSpPr/>
+        <p:nvPr/>
+      </p:nvGrpSpPr>
+      <p:grpSpPr>
+        <a:xfrm>
+          <a:off x="0" y="0"/>
+          <a:ext cx="0" cy="0"/>
+          <a:chOff x="0" y="0"/>
+          <a:chExt cx="0" cy="0"/>
+        </a:xfrm>
+      </p:grpSpPr>
+      <p:sp>
+        <p:nvSpPr>
+          <p:cNvPr id="2" name="Title 1"/>
+          <p:cNvSpPr>
+            <a:spLocks noGrp="1"/>
+          </p:cNvSpPr>
+          <p:nvPr>
             <p:ph type="ctrTitle"/>
           </p:nvPr>
         </p:nvSpPr>
@@ -6661,9 +8566,9 @@
 </file>
 
 <file path=ppt/theme/theme1.xml><?xml version="1.0" encoding="utf-8"?>
-<a:theme xmlns:a="http://schemas.openxmlformats.org/drawingml/2006/main" name="Organic">
+<a:theme xmlns:a="http://schemas.openxmlformats.org/drawingml/2006/main" name="Wisp">
   <a:themeElements>
-    <a:clrScheme name="Organic">
+    <a:clrScheme name="Wisp">
       <a:dk1>
         <a:sysClr val="windowText" lastClr="000000"/>
       </a:dk1>
@@ -6671,48 +8576,48 @@
         <a:sysClr val="window" lastClr="FFFFFF"/>
       </a:lt1>
       <a:dk2>
-        <a:srgbClr val="212121"/>
+        <a:srgbClr val="766F54"/>
       </a:dk2>
       <a:lt2>
-        <a:srgbClr val="DADADA"/>
+        <a:srgbClr val="E3EACF"/>
       </a:lt2>
       <a:accent1>
-        <a:srgbClr val="83992A"/>
+        <a:srgbClr val="A53010"/>
       </a:accent1>
       <a:accent2>
-        <a:srgbClr val="3C9770"/>
+        <a:srgbClr val="DE7E18"/>
       </a:accent2>
       <a:accent3>
-        <a:srgbClr val="44709D"/>
+        <a:srgbClr val="9F8351"/>
       </a:accent3>
       <a:accent4>
-        <a:srgbClr val="A23C33"/>
+        <a:srgbClr val="728653"/>
       </a:accent4>
       <a:accent5>
-        <a:srgbClr val="D97828"/>
+        <a:srgbClr val="92AA4C"/>
       </a:accent5>
       <a:accent6>
-        <a:srgbClr val="DEB340"/>
+        <a:srgbClr val="6AAC91"/>
       </a:accent6>
       <a:hlink>
-        <a:srgbClr val="A8BF4D"/>
+        <a:srgbClr val="FB4A18"/>
       </a:hlink>
       <a:folHlink>
-        <a:srgbClr val="B4CA80"/>
+        <a:srgbClr val="FB9318"/>
       </a:folHlink>
     </a:clrScheme>
-    <a:fontScheme name="Organic">
+    <a:fontScheme name="Wisp">
       <a:majorFont>
-        <a:latin typeface="Garamond" panose="02020404030301010803"/>
+        <a:latin typeface="Century Gothic" panose="020B0502020202020204"/>
         <a:ea typeface=""/>
         <a:cs typeface=""/>
-        <a:font script="Jpan" typeface="ＭＳ Ｐゴシック"/>
-        <a:font script="Hang" typeface="돋움"/>
-        <a:font script="Hans" typeface="方正舒体"/>
+        <a:font script="Jpan" typeface="メイリオ"/>
+        <a:font script="Hang" typeface="HY중고딕"/>
+        <a:font script="Hans" typeface="幼圆"/>
         <a:font script="Hant" typeface="微軟正黑體"/>
-        <a:font script="Arab" typeface="Arial"/>
-        <a:font script="Hebr" typeface="Arial"/>
-        <a:font script="Thai" typeface="Cordia New"/>
+        <a:font script="Arab" typeface="Tahoma"/>
+        <a:font script="Hebr" typeface="Gisha"/>
+        <a:font script="Thai" typeface="DilleniaUPC"/>
         <a:font script="Ethi" typeface="Nyala"/>
         <a:font script="Beng" typeface="Vrinda"/>
         <a:font script="Gujr" typeface="Shruti"/>
@@ -6733,25 +8638,25 @@
         <a:font script="Laoo" typeface="DokChampa"/>
         <a:font script="Sinh" typeface="Iskoola Pota"/>
         <a:font script="Mong" typeface="Mongolian Baiti"/>
-        <a:font script="Viet" typeface="Arial"/>
+        <a:font script="Viet" typeface="Tahoma"/>
         <a:font script="Uigh" typeface="Microsoft Uighur"/>
         <a:font script="Geor" typeface="Sylfaen"/>
       </a:majorFont>
       <a:minorFont>
-        <a:latin typeface="Garamond" panose="02020404030301010803"/>
+        <a:latin typeface="Century Gothic" panose="020B0502020202020204"/>
         <a:ea typeface=""/>
         <a:cs typeface=""/>
-        <a:font script="Jpan" typeface="ＭＳ Ｐ明朝"/>
-        <a:font script="Hang" typeface="바탕"/>
-        <a:font script="Hans" typeface="方正舒体"/>
-        <a:font script="Hant" typeface="新細明體"/>
-        <a:font script="Arab" typeface="Times New Roman"/>
-        <a:font script="Hebr" typeface="Times New Roman"/>
-        <a:font script="Thai" typeface="Angsana New"/>
+        <a:font script="Jpan" typeface="メイリオ"/>
+        <a:font script="Hang" typeface="HY중고딕"/>
+        <a:font script="Hans" typeface="幼圆"/>
+        <a:font script="Hant" typeface="微軟正黑體"/>
+        <a:font script="Arab" typeface="Tahoma"/>
+        <a:font script="Hebr" typeface="Gisha"/>
+        <a:font script="Thai" typeface="DilleniaUPC"/>
         <a:font script="Ethi" typeface="Nyala"/>
         <a:font script="Beng" typeface="Vrinda"/>
         <a:font script="Gujr" typeface="Shruti"/>
-        <a:font script="Khmr" typeface="MoolBoran"/>
+        <a:font script="Khmr" typeface="DaunPenh"/>
         <a:font script="Knda" typeface="Tunga"/>
         <a:font script="Guru" typeface="Raavi"/>
         <a:font script="Cans" typeface="Euphemia"/>
@@ -6768,64 +8673,56 @@
         <a:font script="Laoo" typeface="DokChampa"/>
         <a:font script="Sinh" typeface="Iskoola Pota"/>
         <a:font script="Mong" typeface="Mongolian Baiti"/>
-        <a:font script="Viet" typeface="Times New Roman"/>
+        <a:font script="Viet" typeface="Tahoma"/>
         <a:font script="Uigh" typeface="Microsoft Uighur"/>
         <a:font script="Geor" typeface="Sylfaen"/>
       </a:minorFont>
     </a:fontScheme>
-    <a:fmtScheme name="Organic">
+    <a:fmtScheme name="Wisp">
       <a:fillStyleLst>
         <a:solidFill>
           <a:schemeClr val="phClr"/>
+        </a:solidFill>
+        <a:solidFill>
+          <a:schemeClr val="phClr">
+            <a:tint val="70000"/>
+            <a:lumMod val="104000"/>
+          </a:schemeClr>
         </a:solidFill>
         <a:gradFill rotWithShape="1">
           <a:gsLst>
             <a:gs pos="0">
               <a:schemeClr val="phClr">
-                <a:tint val="60000"/>
-                <a:lumMod val="110000"/>
+                <a:tint val="96000"/>
+                <a:lumMod val="104000"/>
               </a:schemeClr>
             </a:gs>
             <a:gs pos="100000">
               <a:schemeClr val="phClr">
-                <a:tint val="82000"/>
+                <a:shade val="98000"/>
+                <a:lumMod val="94000"/>
               </a:schemeClr>
             </a:gs>
           </a:gsLst>
           <a:lin ang="5400000" scaled="0"/>
         </a:gradFill>
-        <a:blipFill>
-          <a:blip xmlns:r="http://schemas.openxmlformats.org/officeDocument/2006/relationships" r:embed="rId1">
-            <a:duotone>
-              <a:schemeClr val="phClr">
-                <a:shade val="74000"/>
-                <a:satMod val="130000"/>
-                <a:lumMod val="90000"/>
-              </a:schemeClr>
-              <a:schemeClr val="phClr">
-                <a:tint val="94000"/>
-                <a:satMod val="120000"/>
-                <a:lumMod val="104000"/>
-              </a:schemeClr>
-            </a:duotone>
-          </a:blip>
-          <a:tile tx="0" ty="0" sx="100000" sy="100000" flip="none" algn="tl"/>
-        </a:blipFill>
       </a:fillStyleLst>
       <a:lnStyleLst>
-        <a:ln w="9525" cap="flat" cmpd="sng" algn="ctr">
+        <a:ln w="9525" cap="rnd" cmpd="sng" algn="ctr">
+          <a:solidFill>
+            <a:schemeClr val="phClr">
+              <a:shade val="90000"/>
+            </a:schemeClr>
+          </a:solidFill>
+          <a:prstDash val="solid"/>
+        </a:ln>
+        <a:ln w="15875" cap="rnd" cmpd="sng" algn="ctr">
           <a:solidFill>
             <a:schemeClr val="phClr"/>
           </a:solidFill>
           <a:prstDash val="solid"/>
         </a:ln>
-        <a:ln w="15875" cap="flat" cmpd="sng" algn="ctr">
-          <a:solidFill>
-            <a:schemeClr val="phClr"/>
-          </a:solidFill>
-          <a:prstDash val="solid"/>
-        </a:ln>
-        <a:ln w="25400" cap="flat" cmpd="sng" algn="ctr">
+        <a:ln w="22225" cap="rnd" cmpd="sng" algn="ctr">
           <a:solidFill>
             <a:schemeClr val="phClr"/>
           </a:solidFill>
@@ -6838,16 +8735,16 @@
         </a:effectStyle>
         <a:effectStyle>
           <a:effectLst>
-            <a:innerShdw blurRad="25400" dist="12700" dir="13500000">
+            <a:outerShdw blurRad="38100" dist="25400" dir="5400000" rotWithShape="0">
               <a:srgbClr val="000000">
-                <a:alpha val="45000"/>
+                <a:alpha val="25000"/>
               </a:srgbClr>
-            </a:innerShdw>
+            </a:outerShdw>
           </a:effectLst>
         </a:effectStyle>
         <a:effectStyle>
           <a:effectLst>
-            <a:outerShdw blurRad="38100" dist="25400" dir="5400000" rotWithShape="0">
+            <a:outerShdw blurRad="50800" dist="38100" dir="5400000" rotWithShape="0">
               <a:srgbClr val="000000">
                 <a:alpha val="60000"/>
               </a:srgbClr>
@@ -6864,22 +8761,40 @@
             <a:gs pos="0">
               <a:schemeClr val="phClr">
                 <a:tint val="90000"/>
-                <a:lumMod val="110000"/>
+                <a:lumMod val="120000"/>
               </a:schemeClr>
             </a:gs>
             <a:gs pos="100000">
               <a:schemeClr val="phClr">
-                <a:shade val="88000"/>
+                <a:shade val="98000"/>
+                <a:satMod val="120000"/>
                 <a:lumMod val="98000"/>
               </a:schemeClr>
             </a:gs>
           </a:gsLst>
           <a:lin ang="5400000" scaled="0"/>
         </a:gradFill>
-        <a:blipFill>
-          <a:blip xmlns:r="http://schemas.openxmlformats.org/officeDocument/2006/relationships" r:embed="rId2"/>
-          <a:stretch/>
-        </a:blipFill>
+        <a:gradFill rotWithShape="1">
+          <a:gsLst>
+            <a:gs pos="0">
+              <a:schemeClr val="phClr">
+                <a:tint val="90000"/>
+                <a:satMod val="92000"/>
+                <a:lumMod val="120000"/>
+              </a:schemeClr>
+            </a:gs>
+            <a:gs pos="100000">
+              <a:schemeClr val="phClr">
+                <a:shade val="98000"/>
+                <a:satMod val="120000"/>
+                <a:lumMod val="98000"/>
+              </a:schemeClr>
+            </a:gs>
+          </a:gsLst>
+          <a:path path="circle">
+            <a:fillToRect l="50000" t="50000" r="100000" b="100000"/>
+          </a:path>
+        </a:gradFill>
       </a:bgFillStyleLst>
     </a:fmtScheme>
   </a:themeElements>
@@ -6887,7 +8802,7 @@
   <a:extraClrSchemeLst/>
   <a:extLst>
     <a:ext uri="{05A4C25C-085E-4340-85A3-A5531E510DB2}">
-      <thm15:themeFamily xmlns:thm15="http://schemas.microsoft.com/office/thememl/2012/main" name="Organic" id="{28CDC826-8792-45C0-861B-85EB3ADEDA33}" vid="{7DAC20F1-423D-49E2-BD0B-50532748BAD0}"/>
+      <thm15:themeFamily xmlns:thm15="http://schemas.microsoft.com/office/thememl/2012/main" name="Wisp" id="{7CB32D59-10C0-40DD-B7BD-2E94284A981C}" vid="{24B1A44C-C006-48B2-A4D7-E5549B3D8CD4}"/>
     </a:ext>
   </a:extLst>
 </a:theme>
